--- a/documentation/Data Analysis.pptx
+++ b/documentation/Data Analysis.pptx
@@ -2,15 +2,22 @@
 <file path=ppt/presentation.xml><?xml version="1.0" encoding="utf-8"?>
 <p:presentation xmlns:a="http://schemas.openxmlformats.org/drawingml/2006/main" xmlns:r="http://schemas.openxmlformats.org/officeDocument/2006/relationships" xmlns:p="http://schemas.openxmlformats.org/presentationml/2006/main" saveSubsetFonts="1">
   <p:sldMasterIdLst>
-    <p:sldMasterId id="2147483648" r:id="rId1"/>
+    <p:sldMasterId id="2147483648" r:id="rId4"/>
   </p:sldMasterIdLst>
+  <p:notesMasterIdLst>
+    <p:notesMasterId r:id="rId15"/>
+  </p:notesMasterIdLst>
   <p:sldIdLst>
-    <p:sldId id="256" r:id="rId2"/>
-    <p:sldId id="257" r:id="rId3"/>
-    <p:sldId id="258" r:id="rId4"/>
-    <p:sldId id="260" r:id="rId5"/>
-    <p:sldId id="261" r:id="rId6"/>
-    <p:sldId id="262" r:id="rId7"/>
+    <p:sldId id="256" r:id="rId5"/>
+    <p:sldId id="266" r:id="rId6"/>
+    <p:sldId id="257" r:id="rId7"/>
+    <p:sldId id="258" r:id="rId8"/>
+    <p:sldId id="260" r:id="rId9"/>
+    <p:sldId id="261" r:id="rId10"/>
+    <p:sldId id="264" r:id="rId11"/>
+    <p:sldId id="262" r:id="rId12"/>
+    <p:sldId id="263" r:id="rId13"/>
+    <p:sldId id="265" r:id="rId14"/>
   </p:sldIdLst>
   <p:sldSz cx="12192000" cy="6858000"/>
   <p:notesSz cx="6858000" cy="9144000"/>
@@ -109,374 +116,537 @@
       </a:defRPr>
     </a:lvl9pPr>
   </p:defaultTextStyle>
+  <p:extLst>
+    <p:ext uri="{EFAFB233-063F-42B5-8137-9DF3F51BA10A}">
+      <p15:sldGuideLst xmlns:p15="http://schemas.microsoft.com/office/powerpoint/2012/main"/>
+    </p:ext>
+  </p:extLst>
 </p:presentation>
 </file>
 
 <file path=ppt/revisionInfo.xml><?xml version="1.0" encoding="utf-8"?>
 <p1510:revInfo xmlns:a="http://schemas.openxmlformats.org/drawingml/2006/main" xmlns:r="http://schemas.openxmlformats.org/officeDocument/2006/relationships" xmlns:p1510="http://schemas.microsoft.com/office/powerpoint/2015/10/main">
   <p1510:revLst>
-    <p1510:client id="{D738219B-F328-48A2-BFDB-4AA3EA5370F0}" v="144" dt="2025-06-11T07:05:31.560"/>
+    <p1510:client id="{AB83FF8A-DA34-4457-950F-FCBAE2C630B4}" v="41" dt="2025-06-11T09:08:24.858"/>
   </p1510:revLst>
 </p1510:revInfo>
 </file>
 
-<file path=ppt/changesInfos/changesInfo1.xml><?xml version="1.0" encoding="utf-8"?>
-<pc:chgInfo xmlns:a="http://schemas.openxmlformats.org/drawingml/2006/main" xmlns:r="http://schemas.openxmlformats.org/officeDocument/2006/relationships" xmlns:ac="http://schemas.microsoft.com/office/drawing/2013/main/command" xmlns:pc="http://schemas.microsoft.com/office/powerpoint/2013/main/command">
-  <pc:docChgLst>
-    <pc:chgData name="Dagn, Sonja" userId="05ae1fa5-fafa-45c8-8a43-572b620fad0f" providerId="ADAL" clId="{D738219B-F328-48A2-BFDB-4AA3EA5370F0}"/>
-    <pc:docChg chg="undo custSel addSld delSld modSld sldOrd">
-      <pc:chgData name="Dagn, Sonja" userId="05ae1fa5-fafa-45c8-8a43-572b620fad0f" providerId="ADAL" clId="{D738219B-F328-48A2-BFDB-4AA3EA5370F0}" dt="2025-06-11T07:05:51.396" v="2012" actId="20577"/>
-      <pc:docMkLst>
-        <pc:docMk/>
-      </pc:docMkLst>
-      <pc:sldChg chg="modSp new mod">
-        <pc:chgData name="Dagn, Sonja" userId="05ae1fa5-fafa-45c8-8a43-572b620fad0f" providerId="ADAL" clId="{D738219B-F328-48A2-BFDB-4AA3EA5370F0}" dt="2025-06-11T06:32:38.849" v="56" actId="20577"/>
-        <pc:sldMkLst>
-          <pc:docMk/>
-          <pc:sldMk cId="2791174547" sldId="256"/>
-        </pc:sldMkLst>
-        <pc:spChg chg="mod">
-          <ac:chgData name="Dagn, Sonja" userId="05ae1fa5-fafa-45c8-8a43-572b620fad0f" providerId="ADAL" clId="{D738219B-F328-48A2-BFDB-4AA3EA5370F0}" dt="2025-06-11T06:32:29.099" v="16" actId="20577"/>
-          <ac:spMkLst>
-            <pc:docMk/>
-            <pc:sldMk cId="2791174547" sldId="256"/>
-            <ac:spMk id="2" creationId="{E4197DCA-4593-C0C3-0B4A-E49F996D00C7}"/>
-          </ac:spMkLst>
-        </pc:spChg>
-        <pc:spChg chg="mod">
-          <ac:chgData name="Dagn, Sonja" userId="05ae1fa5-fafa-45c8-8a43-572b620fad0f" providerId="ADAL" clId="{D738219B-F328-48A2-BFDB-4AA3EA5370F0}" dt="2025-06-11T06:32:38.849" v="56" actId="20577"/>
-          <ac:spMkLst>
-            <pc:docMk/>
-            <pc:sldMk cId="2791174547" sldId="256"/>
-            <ac:spMk id="3" creationId="{857C8458-FCF0-B559-F627-8A93BAA37864}"/>
-          </ac:spMkLst>
-        </pc:spChg>
-      </pc:sldChg>
-      <pc:sldChg chg="addSp delSp modSp new mod setBg">
-        <pc:chgData name="Dagn, Sonja" userId="05ae1fa5-fafa-45c8-8a43-572b620fad0f" providerId="ADAL" clId="{D738219B-F328-48A2-BFDB-4AA3EA5370F0}" dt="2025-06-11T06:42:14.300" v="628" actId="20577"/>
-        <pc:sldMkLst>
-          <pc:docMk/>
-          <pc:sldMk cId="1252417443" sldId="257"/>
-        </pc:sldMkLst>
-        <pc:spChg chg="mod">
-          <ac:chgData name="Dagn, Sonja" userId="05ae1fa5-fafa-45c8-8a43-572b620fad0f" providerId="ADAL" clId="{D738219B-F328-48A2-BFDB-4AA3EA5370F0}" dt="2025-06-11T06:42:14.300" v="628" actId="20577"/>
-          <ac:spMkLst>
-            <pc:docMk/>
-            <pc:sldMk cId="1252417443" sldId="257"/>
-            <ac:spMk id="2" creationId="{44D17331-5ABD-1F2B-F8C8-F2B3A0A6EC22}"/>
-          </ac:spMkLst>
-        </pc:spChg>
-        <pc:spChg chg="add del mod">
-          <ac:chgData name="Dagn, Sonja" userId="05ae1fa5-fafa-45c8-8a43-572b620fad0f" providerId="ADAL" clId="{D738219B-F328-48A2-BFDB-4AA3EA5370F0}" dt="2025-06-11T06:36:24.026" v="89"/>
-          <ac:spMkLst>
-            <pc:docMk/>
-            <pc:sldMk cId="1252417443" sldId="257"/>
-            <ac:spMk id="3" creationId="{69110B45-B562-DB79-7978-115966BB3E94}"/>
-          </ac:spMkLst>
-        </pc:spChg>
-        <pc:spChg chg="add mod">
-          <ac:chgData name="Dagn, Sonja" userId="05ae1fa5-fafa-45c8-8a43-572b620fad0f" providerId="ADAL" clId="{D738219B-F328-48A2-BFDB-4AA3EA5370F0}" dt="2025-06-11T06:36:12.954" v="88"/>
-          <ac:spMkLst>
-            <pc:docMk/>
-            <pc:sldMk cId="1252417443" sldId="257"/>
-            <ac:spMk id="8" creationId="{7C744D0A-C5FE-892D-B3AD-24151C79B099}"/>
-          </ac:spMkLst>
-        </pc:spChg>
-        <pc:spChg chg="add mod">
-          <ac:chgData name="Dagn, Sonja" userId="05ae1fa5-fafa-45c8-8a43-572b620fad0f" providerId="ADAL" clId="{D738219B-F328-48A2-BFDB-4AA3EA5370F0}" dt="2025-06-11T06:41:58.029" v="601" actId="1076"/>
-          <ac:spMkLst>
-            <pc:docMk/>
-            <pc:sldMk cId="1252417443" sldId="257"/>
-            <ac:spMk id="9" creationId="{C7C6D52D-4079-B144-C29C-DCD694E3C8EC}"/>
-          </ac:spMkLst>
-        </pc:spChg>
-        <pc:spChg chg="add del">
-          <ac:chgData name="Dagn, Sonja" userId="05ae1fa5-fafa-45c8-8a43-572b620fad0f" providerId="ADAL" clId="{D738219B-F328-48A2-BFDB-4AA3EA5370F0}" dt="2025-06-11T06:33:54.194" v="76" actId="26606"/>
-          <ac:spMkLst>
-            <pc:docMk/>
-            <pc:sldMk cId="1252417443" sldId="257"/>
-            <ac:spMk id="10" creationId="{D4771268-CB57-404A-9271-370EB28F6090}"/>
-          </ac:spMkLst>
-        </pc:spChg>
-        <pc:picChg chg="add del mod ord">
-          <ac:chgData name="Dagn, Sonja" userId="05ae1fa5-fafa-45c8-8a43-572b620fad0f" providerId="ADAL" clId="{D738219B-F328-48A2-BFDB-4AA3EA5370F0}" dt="2025-06-11T06:34:13.944" v="78" actId="22"/>
-          <ac:picMkLst>
-            <pc:docMk/>
-            <pc:sldMk cId="1252417443" sldId="257"/>
-            <ac:picMk id="5" creationId="{BAE9AA1B-B597-C1A5-A981-6C653EF22148}"/>
-          </ac:picMkLst>
-        </pc:picChg>
-        <pc:picChg chg="add mod">
-          <ac:chgData name="Dagn, Sonja" userId="05ae1fa5-fafa-45c8-8a43-572b620fad0f" providerId="ADAL" clId="{D738219B-F328-48A2-BFDB-4AA3EA5370F0}" dt="2025-06-11T06:34:20.545" v="80" actId="1076"/>
-          <ac:picMkLst>
-            <pc:docMk/>
-            <pc:sldMk cId="1252417443" sldId="257"/>
-            <ac:picMk id="7" creationId="{D2EB52C7-07F4-1C93-9705-8BA813E87351}"/>
-          </ac:picMkLst>
-        </pc:picChg>
-      </pc:sldChg>
-      <pc:sldChg chg="addSp delSp modSp add mod setBg">
-        <pc:chgData name="Dagn, Sonja" userId="05ae1fa5-fafa-45c8-8a43-572b620fad0f" providerId="ADAL" clId="{D738219B-F328-48A2-BFDB-4AA3EA5370F0}" dt="2025-06-11T06:54:43.744" v="1121" actId="255"/>
-        <pc:sldMkLst>
-          <pc:docMk/>
-          <pc:sldMk cId="4294780480" sldId="258"/>
-        </pc:sldMkLst>
-        <pc:spChg chg="mod">
-          <ac:chgData name="Dagn, Sonja" userId="05ae1fa5-fafa-45c8-8a43-572b620fad0f" providerId="ADAL" clId="{D738219B-F328-48A2-BFDB-4AA3EA5370F0}" dt="2025-06-11T06:44:28.621" v="700" actId="26606"/>
-          <ac:spMkLst>
-            <pc:docMk/>
-            <pc:sldMk cId="4294780480" sldId="258"/>
-            <ac:spMk id="2" creationId="{9D6170DD-E6B5-16F4-BF97-713845298E97}"/>
-          </ac:spMkLst>
-        </pc:spChg>
-        <pc:spChg chg="add mod">
-          <ac:chgData name="Dagn, Sonja" userId="05ae1fa5-fafa-45c8-8a43-572b620fad0f" providerId="ADAL" clId="{D738219B-F328-48A2-BFDB-4AA3EA5370F0}" dt="2025-06-11T06:54:43.744" v="1121" actId="255"/>
-          <ac:spMkLst>
-            <pc:docMk/>
-            <pc:sldMk cId="4294780480" sldId="258"/>
-            <ac:spMk id="5" creationId="{DC158AA7-CADB-F7B0-0690-1A6E3F8209B2}"/>
-          </ac:spMkLst>
-        </pc:spChg>
-        <pc:spChg chg="del mod ord">
-          <ac:chgData name="Dagn, Sonja" userId="05ae1fa5-fafa-45c8-8a43-572b620fad0f" providerId="ADAL" clId="{D738219B-F328-48A2-BFDB-4AA3EA5370F0}" dt="2025-06-11T06:45:27.687" v="705"/>
-          <ac:spMkLst>
-            <pc:docMk/>
-            <pc:sldMk cId="4294780480" sldId="258"/>
-            <ac:spMk id="9" creationId="{F021FC00-F7B1-3508-AB7B-BDA63632FB37}"/>
-          </ac:spMkLst>
-        </pc:spChg>
-        <pc:spChg chg="add">
-          <ac:chgData name="Dagn, Sonja" userId="05ae1fa5-fafa-45c8-8a43-572b620fad0f" providerId="ADAL" clId="{D738219B-F328-48A2-BFDB-4AA3EA5370F0}" dt="2025-06-11T06:44:28.621" v="700" actId="26606"/>
-          <ac:spMkLst>
-            <pc:docMk/>
-            <pc:sldMk cId="4294780480" sldId="258"/>
-            <ac:spMk id="14" creationId="{8207B083-EAC0-A5BB-C369-C9589EC7F2F0}"/>
-          </ac:spMkLst>
-        </pc:spChg>
-        <pc:picChg chg="add mod">
-          <ac:chgData name="Dagn, Sonja" userId="05ae1fa5-fafa-45c8-8a43-572b620fad0f" providerId="ADAL" clId="{D738219B-F328-48A2-BFDB-4AA3EA5370F0}" dt="2025-06-11T06:44:38.182" v="702" actId="14100"/>
-          <ac:picMkLst>
-            <pc:docMk/>
-            <pc:sldMk cId="4294780480" sldId="258"/>
-            <ac:picMk id="4" creationId="{32D344B1-656A-4AF0-8DB4-D76E9785D455}"/>
-          </ac:picMkLst>
-        </pc:picChg>
-        <pc:picChg chg="del">
-          <ac:chgData name="Dagn, Sonja" userId="05ae1fa5-fafa-45c8-8a43-572b620fad0f" providerId="ADAL" clId="{D738219B-F328-48A2-BFDB-4AA3EA5370F0}" dt="2025-06-11T06:44:13.844" v="697" actId="478"/>
-          <ac:picMkLst>
-            <pc:docMk/>
-            <pc:sldMk cId="4294780480" sldId="258"/>
-            <ac:picMk id="7" creationId="{4CDBA06C-E88E-854D-3726-48B40773F3E3}"/>
-          </ac:picMkLst>
-        </pc:picChg>
-      </pc:sldChg>
-      <pc:sldChg chg="addSp delSp modSp add del mod setBg delDesignElem">
-        <pc:chgData name="Dagn, Sonja" userId="05ae1fa5-fafa-45c8-8a43-572b620fad0f" providerId="ADAL" clId="{D738219B-F328-48A2-BFDB-4AA3EA5370F0}" dt="2025-06-11T06:50:01.139" v="865" actId="47"/>
-        <pc:sldMkLst>
-          <pc:docMk/>
-          <pc:sldMk cId="144218896" sldId="259"/>
-        </pc:sldMkLst>
-        <pc:spChg chg="mod">
-          <ac:chgData name="Dagn, Sonja" userId="05ae1fa5-fafa-45c8-8a43-572b620fad0f" providerId="ADAL" clId="{D738219B-F328-48A2-BFDB-4AA3EA5370F0}" dt="2025-06-11T06:49:23.731" v="853" actId="26606"/>
-          <ac:spMkLst>
-            <pc:docMk/>
-            <pc:sldMk cId="144218896" sldId="259"/>
-            <ac:spMk id="2" creationId="{A3DE3BF2-925F-740F-BE82-8A0BAEA64ED2}"/>
-          </ac:spMkLst>
-        </pc:spChg>
-        <pc:spChg chg="mod ord">
-          <ac:chgData name="Dagn, Sonja" userId="05ae1fa5-fafa-45c8-8a43-572b620fad0f" providerId="ADAL" clId="{D738219B-F328-48A2-BFDB-4AA3EA5370F0}" dt="2025-06-11T06:49:23.741" v="854" actId="26606"/>
-          <ac:spMkLst>
-            <pc:docMk/>
-            <pc:sldMk cId="144218896" sldId="259"/>
-            <ac:spMk id="5" creationId="{AD7AA531-452D-3169-CBF8-A36CCFA7776F}"/>
-          </ac:spMkLst>
-        </pc:spChg>
-        <pc:spChg chg="add del">
-          <ac:chgData name="Dagn, Sonja" userId="05ae1fa5-fafa-45c8-8a43-572b620fad0f" providerId="ADAL" clId="{D738219B-F328-48A2-BFDB-4AA3EA5370F0}" dt="2025-06-11T06:49:23.731" v="853" actId="26606"/>
-          <ac:spMkLst>
-            <pc:docMk/>
-            <pc:sldMk cId="144218896" sldId="259"/>
-            <ac:spMk id="11" creationId="{CBB0869A-0BE5-B3E9-F73D-2F3691E4D932}"/>
-          </ac:spMkLst>
-        </pc:spChg>
-        <pc:spChg chg="add">
-          <ac:chgData name="Dagn, Sonja" userId="05ae1fa5-fafa-45c8-8a43-572b620fad0f" providerId="ADAL" clId="{D738219B-F328-48A2-BFDB-4AA3EA5370F0}" dt="2025-06-11T06:49:23.741" v="854" actId="26606"/>
-          <ac:spMkLst>
-            <pc:docMk/>
-            <pc:sldMk cId="144218896" sldId="259"/>
-            <ac:spMk id="13" creationId="{8207B083-EAC0-A5BB-C369-C9589EC7F2F0}"/>
-          </ac:spMkLst>
-        </pc:spChg>
-        <pc:spChg chg="del">
-          <ac:chgData name="Dagn, Sonja" userId="05ae1fa5-fafa-45c8-8a43-572b620fad0f" providerId="ADAL" clId="{D738219B-F328-48A2-BFDB-4AA3EA5370F0}" dt="2025-06-11T06:48:27.579" v="779"/>
-          <ac:spMkLst>
-            <pc:docMk/>
-            <pc:sldMk cId="144218896" sldId="259"/>
-            <ac:spMk id="14" creationId="{F89CDAA7-EE23-A914-0F80-F10E6C9F4254}"/>
-          </ac:spMkLst>
-        </pc:spChg>
-        <pc:picChg chg="del">
-          <ac:chgData name="Dagn, Sonja" userId="05ae1fa5-fafa-45c8-8a43-572b620fad0f" providerId="ADAL" clId="{D738219B-F328-48A2-BFDB-4AA3EA5370F0}" dt="2025-06-11T06:49:06.170" v="850" actId="478"/>
-          <ac:picMkLst>
-            <pc:docMk/>
-            <pc:sldMk cId="144218896" sldId="259"/>
-            <ac:picMk id="4" creationId="{00B6F522-47EC-B2AB-28B5-9BE0ECCE8F37}"/>
-          </ac:picMkLst>
-        </pc:picChg>
-        <pc:picChg chg="add mod">
-          <ac:chgData name="Dagn, Sonja" userId="05ae1fa5-fafa-45c8-8a43-572b620fad0f" providerId="ADAL" clId="{D738219B-F328-48A2-BFDB-4AA3EA5370F0}" dt="2025-06-11T06:49:23.741" v="854" actId="26606"/>
-          <ac:picMkLst>
-            <pc:docMk/>
-            <pc:sldMk cId="144218896" sldId="259"/>
-            <ac:picMk id="6" creationId="{ACEFA5D8-77C1-C23F-77A2-6F7F66FC84E1}"/>
-          </ac:picMkLst>
-        </pc:picChg>
-      </pc:sldChg>
-      <pc:sldChg chg="addSp delSp modSp add mod ord">
-        <pc:chgData name="Dagn, Sonja" userId="05ae1fa5-fafa-45c8-8a43-572b620fad0f" providerId="ADAL" clId="{D738219B-F328-48A2-BFDB-4AA3EA5370F0}" dt="2025-06-11T06:53:56.157" v="1111" actId="255"/>
-        <pc:sldMkLst>
-          <pc:docMk/>
-          <pc:sldMk cId="1912138990" sldId="260"/>
-        </pc:sldMkLst>
-        <pc:spChg chg="mod">
-          <ac:chgData name="Dagn, Sonja" userId="05ae1fa5-fafa-45c8-8a43-572b620fad0f" providerId="ADAL" clId="{D738219B-F328-48A2-BFDB-4AA3EA5370F0}" dt="2025-06-11T06:49:39.663" v="858"/>
-          <ac:spMkLst>
-            <pc:docMk/>
-            <pc:sldMk cId="1912138990" sldId="260"/>
-            <ac:spMk id="2" creationId="{19EBAB60-9021-EF04-28C1-A678CF5698FC}"/>
-          </ac:spMkLst>
-        </pc:spChg>
-        <pc:spChg chg="add mod">
-          <ac:chgData name="Dagn, Sonja" userId="05ae1fa5-fafa-45c8-8a43-572b620fad0f" providerId="ADAL" clId="{D738219B-F328-48A2-BFDB-4AA3EA5370F0}" dt="2025-06-11T06:53:56.157" v="1111" actId="255"/>
-          <ac:spMkLst>
-            <pc:docMk/>
-            <pc:sldMk cId="1912138990" sldId="260"/>
-            <ac:spMk id="4" creationId="{CC63CB14-23AC-954F-6F87-DB46BB775865}"/>
-          </ac:spMkLst>
-        </pc:spChg>
-        <pc:spChg chg="del mod">
-          <ac:chgData name="Dagn, Sonja" userId="05ae1fa5-fafa-45c8-8a43-572b620fad0f" providerId="ADAL" clId="{D738219B-F328-48A2-BFDB-4AA3EA5370F0}" dt="2025-06-11T06:50:48.832" v="893"/>
-          <ac:spMkLst>
-            <pc:docMk/>
-            <pc:sldMk cId="1912138990" sldId="260"/>
-            <ac:spMk id="9" creationId="{61FDDC88-53A9-4027-CB11-560131715522}"/>
-          </ac:spMkLst>
-        </pc:spChg>
-        <pc:picChg chg="add mod">
-          <ac:chgData name="Dagn, Sonja" userId="05ae1fa5-fafa-45c8-8a43-572b620fad0f" providerId="ADAL" clId="{D738219B-F328-48A2-BFDB-4AA3EA5370F0}" dt="2025-06-11T06:49:58.544" v="864" actId="1076"/>
-          <ac:picMkLst>
-            <pc:docMk/>
-            <pc:sldMk cId="1912138990" sldId="260"/>
-            <ac:picMk id="3" creationId="{B568F33A-02C4-65DF-3BAF-31F93DB6D3E0}"/>
-          </ac:picMkLst>
-        </pc:picChg>
-        <pc:picChg chg="del">
-          <ac:chgData name="Dagn, Sonja" userId="05ae1fa5-fafa-45c8-8a43-572b620fad0f" providerId="ADAL" clId="{D738219B-F328-48A2-BFDB-4AA3EA5370F0}" dt="2025-06-11T06:49:48.612" v="860" actId="478"/>
-          <ac:picMkLst>
-            <pc:docMk/>
-            <pc:sldMk cId="1912138990" sldId="260"/>
-            <ac:picMk id="7" creationId="{0AF1E30F-D245-8653-5B56-7C725ACE239F}"/>
-          </ac:picMkLst>
-        </pc:picChg>
-      </pc:sldChg>
-      <pc:sldChg chg="addSp delSp modSp add mod">
-        <pc:chgData name="Dagn, Sonja" userId="05ae1fa5-fafa-45c8-8a43-572b620fad0f" providerId="ADAL" clId="{D738219B-F328-48A2-BFDB-4AA3EA5370F0}" dt="2025-06-11T07:00:58.998" v="1774" actId="20577"/>
-        <pc:sldMkLst>
-          <pc:docMk/>
-          <pc:sldMk cId="2730998308" sldId="261"/>
-        </pc:sldMkLst>
-        <pc:spChg chg="mod">
-          <ac:chgData name="Dagn, Sonja" userId="05ae1fa5-fafa-45c8-8a43-572b620fad0f" providerId="ADAL" clId="{D738219B-F328-48A2-BFDB-4AA3EA5370F0}" dt="2025-06-11T06:55:13.742" v="1168" actId="20577"/>
-          <ac:spMkLst>
-            <pc:docMk/>
-            <pc:sldMk cId="2730998308" sldId="261"/>
-            <ac:spMk id="2" creationId="{262B239F-6002-F290-7C09-FF9476564463}"/>
-          </ac:spMkLst>
-        </pc:spChg>
-        <pc:spChg chg="del mod">
-          <ac:chgData name="Dagn, Sonja" userId="05ae1fa5-fafa-45c8-8a43-572b620fad0f" providerId="ADAL" clId="{D738219B-F328-48A2-BFDB-4AA3EA5370F0}" dt="2025-06-11T06:56:34.967" v="1401"/>
-          <ac:spMkLst>
-            <pc:docMk/>
-            <pc:sldMk cId="2730998308" sldId="261"/>
-            <ac:spMk id="4" creationId="{64EFB1A8-7FA2-6C47-9BE4-2EC88AD306F6}"/>
-          </ac:spMkLst>
-        </pc:spChg>
-        <pc:spChg chg="add mod">
-          <ac:chgData name="Dagn, Sonja" userId="05ae1fa5-fafa-45c8-8a43-572b620fad0f" providerId="ADAL" clId="{D738219B-F328-48A2-BFDB-4AA3EA5370F0}" dt="2025-06-11T07:00:58.998" v="1774" actId="20577"/>
-          <ac:spMkLst>
-            <pc:docMk/>
-            <pc:sldMk cId="2730998308" sldId="261"/>
-            <ac:spMk id="7" creationId="{647EC293-7C4F-AB4F-83D4-D3E749470F84}"/>
-          </ac:spMkLst>
-        </pc:spChg>
-        <pc:picChg chg="del">
-          <ac:chgData name="Dagn, Sonja" userId="05ae1fa5-fafa-45c8-8a43-572b620fad0f" providerId="ADAL" clId="{D738219B-F328-48A2-BFDB-4AA3EA5370F0}" dt="2025-06-11T06:55:15.504" v="1169" actId="478"/>
-          <ac:picMkLst>
-            <pc:docMk/>
-            <pc:sldMk cId="2730998308" sldId="261"/>
-            <ac:picMk id="3" creationId="{83AF09D9-9DE4-29CD-8021-46DCCC1C2175}"/>
-          </ac:picMkLst>
-        </pc:picChg>
-        <pc:picChg chg="add mod">
-          <ac:chgData name="Dagn, Sonja" userId="05ae1fa5-fafa-45c8-8a43-572b620fad0f" providerId="ADAL" clId="{D738219B-F328-48A2-BFDB-4AA3EA5370F0}" dt="2025-06-11T06:55:29.478" v="1187" actId="1036"/>
-          <ac:picMkLst>
-            <pc:docMk/>
-            <pc:sldMk cId="2730998308" sldId="261"/>
-            <ac:picMk id="6" creationId="{9B0203E6-95EB-1391-78F6-1014A5E0FC5D}"/>
-          </ac:picMkLst>
-        </pc:picChg>
-      </pc:sldChg>
-      <pc:sldChg chg="addSp delSp modSp add mod">
-        <pc:chgData name="Dagn, Sonja" userId="05ae1fa5-fafa-45c8-8a43-572b620fad0f" providerId="ADAL" clId="{D738219B-F328-48A2-BFDB-4AA3EA5370F0}" dt="2025-06-11T07:05:51.396" v="2012" actId="20577"/>
-        <pc:sldMkLst>
-          <pc:docMk/>
-          <pc:sldMk cId="2864953239" sldId="262"/>
-        </pc:sldMkLst>
-        <pc:spChg chg="mod">
-          <ac:chgData name="Dagn, Sonja" userId="05ae1fa5-fafa-45c8-8a43-572b620fad0f" providerId="ADAL" clId="{D738219B-F328-48A2-BFDB-4AA3EA5370F0}" dt="2025-06-11T07:05:51.396" v="2012" actId="20577"/>
-          <ac:spMkLst>
-            <pc:docMk/>
-            <pc:sldMk cId="2864953239" sldId="262"/>
-            <ac:spMk id="2" creationId="{AC8960E6-487F-ABA9-8D18-232F7E97E7A4}"/>
-          </ac:spMkLst>
-        </pc:spChg>
-        <pc:spChg chg="add mod">
-          <ac:chgData name="Dagn, Sonja" userId="05ae1fa5-fafa-45c8-8a43-572b620fad0f" providerId="ADAL" clId="{D738219B-F328-48A2-BFDB-4AA3EA5370F0}" dt="2025-06-11T07:05:43.724" v="2007" actId="6549"/>
-          <ac:spMkLst>
-            <pc:docMk/>
-            <pc:sldMk cId="2864953239" sldId="262"/>
-            <ac:spMk id="5" creationId="{709E41A9-9FDC-351F-B601-D865BCA6E0E4}"/>
-          </ac:spMkLst>
-        </pc:spChg>
-        <pc:spChg chg="del mod">
-          <ac:chgData name="Dagn, Sonja" userId="05ae1fa5-fafa-45c8-8a43-572b620fad0f" providerId="ADAL" clId="{D738219B-F328-48A2-BFDB-4AA3EA5370F0}" dt="2025-06-11T07:03:24.272" v="1820"/>
-          <ac:spMkLst>
-            <pc:docMk/>
-            <pc:sldMk cId="2864953239" sldId="262"/>
-            <ac:spMk id="7" creationId="{A03A5DFE-6E5E-3339-357E-19A913739851}"/>
-          </ac:spMkLst>
-        </pc:spChg>
-        <pc:picChg chg="add mod">
-          <ac:chgData name="Dagn, Sonja" userId="05ae1fa5-fafa-45c8-8a43-572b620fad0f" providerId="ADAL" clId="{D738219B-F328-48A2-BFDB-4AA3EA5370F0}" dt="2025-06-11T07:03:00.154" v="1818" actId="14100"/>
-          <ac:picMkLst>
-            <pc:docMk/>
-            <pc:sldMk cId="2864953239" sldId="262"/>
-            <ac:picMk id="4" creationId="{E283B6D3-5501-6A6E-F34D-6C282C3676B3}"/>
-          </ac:picMkLst>
-        </pc:picChg>
-        <pc:picChg chg="del">
-          <ac:chgData name="Dagn, Sonja" userId="05ae1fa5-fafa-45c8-8a43-572b620fad0f" providerId="ADAL" clId="{D738219B-F328-48A2-BFDB-4AA3EA5370F0}" dt="2025-06-11T07:02:42.461" v="1812" actId="478"/>
-          <ac:picMkLst>
-            <pc:docMk/>
-            <pc:sldMk cId="2864953239" sldId="262"/>
-            <ac:picMk id="6" creationId="{234CD863-6AAF-0D64-D128-477E6AF0E68C}"/>
-          </ac:picMkLst>
-        </pc:picChg>
-      </pc:sldChg>
-    </pc:docChg>
-  </pc:docChgLst>
-</pc:chgInfo>
+<file path=ppt/notesMasters/notesMaster1.xml><?xml version="1.0" encoding="utf-8"?>
+<p:notesMaster xmlns:a="http://schemas.openxmlformats.org/drawingml/2006/main" xmlns:r="http://schemas.openxmlformats.org/officeDocument/2006/relationships" xmlns:p="http://schemas.openxmlformats.org/presentationml/2006/main">
+  <p:cSld>
+    <p:bg>
+      <p:bgRef idx="1001">
+        <a:schemeClr val="bg1"/>
+      </p:bgRef>
+    </p:bg>
+    <p:spTree>
+      <p:nvGrpSpPr>
+        <p:cNvPr id="1" name=""/>
+        <p:cNvGrpSpPr/>
+        <p:nvPr/>
+      </p:nvGrpSpPr>
+      <p:grpSpPr>
+        <a:xfrm>
+          <a:off x="0" y="0"/>
+          <a:ext cx="0" cy="0"/>
+          <a:chOff x="0" y="0"/>
+          <a:chExt cx="0" cy="0"/>
+        </a:xfrm>
+      </p:grpSpPr>
+      <p:sp>
+        <p:nvSpPr>
+          <p:cNvPr id="2" name="Kopfzeilenplatzhalter 1"/>
+          <p:cNvSpPr>
+            <a:spLocks noGrp="1"/>
+          </p:cNvSpPr>
+          <p:nvPr>
+            <p:ph type="hdr" sz="quarter"/>
+          </p:nvPr>
+        </p:nvSpPr>
+        <p:spPr>
+          <a:xfrm>
+            <a:off x="0" y="0"/>
+            <a:ext cx="2971800" cy="458788"/>
+          </a:xfrm>
+          <a:prstGeom prst="rect">
+            <a:avLst/>
+          </a:prstGeom>
+        </p:spPr>
+        <p:txBody>
+          <a:bodyPr vert="horz" lIns="91440" tIns="45720" rIns="91440" bIns="45720" rtlCol="0"/>
+          <a:lstStyle>
+            <a:lvl1pPr algn="l">
+              <a:defRPr sz="1200"/>
+            </a:lvl1pPr>
+          </a:lstStyle>
+          <a:p>
+            <a:endParaRPr lang="de-DE"/>
+          </a:p>
+        </p:txBody>
+      </p:sp>
+      <p:sp>
+        <p:nvSpPr>
+          <p:cNvPr id="3" name="Datumsplatzhalter 2"/>
+          <p:cNvSpPr>
+            <a:spLocks noGrp="1"/>
+          </p:cNvSpPr>
+          <p:nvPr>
+            <p:ph type="dt" idx="1"/>
+          </p:nvPr>
+        </p:nvSpPr>
+        <p:spPr>
+          <a:xfrm>
+            <a:off x="3884613" y="0"/>
+            <a:ext cx="2971800" cy="458788"/>
+          </a:xfrm>
+          <a:prstGeom prst="rect">
+            <a:avLst/>
+          </a:prstGeom>
+        </p:spPr>
+        <p:txBody>
+          <a:bodyPr vert="horz" lIns="91440" tIns="45720" rIns="91440" bIns="45720" rtlCol="0"/>
+          <a:lstStyle>
+            <a:lvl1pPr algn="r">
+              <a:defRPr sz="1200"/>
+            </a:lvl1pPr>
+          </a:lstStyle>
+          <a:p>
+            <a:fld id="{BFC8F2A5-1642-4382-BFBE-0B56373068D5}" type="datetimeFigureOut">
+              <a:rPr lang="de-DE" smtClean="0"/>
+              <a:t>11.06.2025</a:t>
+            </a:fld>
+            <a:endParaRPr lang="de-DE"/>
+          </a:p>
+        </p:txBody>
+      </p:sp>
+      <p:sp>
+        <p:nvSpPr>
+          <p:cNvPr id="4" name="Folienbildplatzhalter 3"/>
+          <p:cNvSpPr>
+            <a:spLocks noGrp="1" noRot="1" noChangeAspect="1"/>
+          </p:cNvSpPr>
+          <p:nvPr>
+            <p:ph type="sldImg" idx="2"/>
+          </p:nvPr>
+        </p:nvSpPr>
+        <p:spPr>
+          <a:xfrm>
+            <a:off x="685800" y="1143000"/>
+            <a:ext cx="5486400" cy="3086100"/>
+          </a:xfrm>
+          <a:prstGeom prst="rect">
+            <a:avLst/>
+          </a:prstGeom>
+          <a:noFill/>
+          <a:ln w="12700">
+            <a:solidFill>
+              <a:prstClr val="black"/>
+            </a:solidFill>
+          </a:ln>
+        </p:spPr>
+        <p:txBody>
+          <a:bodyPr vert="horz" lIns="91440" tIns="45720" rIns="91440" bIns="45720" rtlCol="0" anchor="ctr"/>
+          <a:lstStyle/>
+          <a:p>
+            <a:endParaRPr lang="de-DE"/>
+          </a:p>
+        </p:txBody>
+      </p:sp>
+      <p:sp>
+        <p:nvSpPr>
+          <p:cNvPr id="5" name="Notizenplatzhalter 4"/>
+          <p:cNvSpPr>
+            <a:spLocks noGrp="1"/>
+          </p:cNvSpPr>
+          <p:nvPr>
+            <p:ph type="body" sz="quarter" idx="3"/>
+          </p:nvPr>
+        </p:nvSpPr>
+        <p:spPr>
+          <a:xfrm>
+            <a:off x="685800" y="4400550"/>
+            <a:ext cx="5486400" cy="3600450"/>
+          </a:xfrm>
+          <a:prstGeom prst="rect">
+            <a:avLst/>
+          </a:prstGeom>
+        </p:spPr>
+        <p:txBody>
+          <a:bodyPr vert="horz" lIns="91440" tIns="45720" rIns="91440" bIns="45720" rtlCol="0"/>
+          <a:lstStyle/>
+          <a:p>
+            <a:pPr lvl="0"/>
+            <a:r>
+              <a:rPr lang="de-DE"/>
+              <a:t>Mastertextformat bearbeiten</a:t>
+            </a:r>
+          </a:p>
+          <a:p>
+            <a:pPr lvl="1"/>
+            <a:r>
+              <a:rPr lang="de-DE"/>
+              <a:t>Zweite Ebene</a:t>
+            </a:r>
+          </a:p>
+          <a:p>
+            <a:pPr lvl="2"/>
+            <a:r>
+              <a:rPr lang="de-DE"/>
+              <a:t>Dritte Ebene</a:t>
+            </a:r>
+          </a:p>
+          <a:p>
+            <a:pPr lvl="3"/>
+            <a:r>
+              <a:rPr lang="de-DE"/>
+              <a:t>Vierte Ebene</a:t>
+            </a:r>
+          </a:p>
+          <a:p>
+            <a:pPr lvl="4"/>
+            <a:r>
+              <a:rPr lang="de-DE"/>
+              <a:t>Fünfte Ebene</a:t>
+            </a:r>
+          </a:p>
+        </p:txBody>
+      </p:sp>
+      <p:sp>
+        <p:nvSpPr>
+          <p:cNvPr id="6" name="Fußzeilenplatzhalter 5"/>
+          <p:cNvSpPr>
+            <a:spLocks noGrp="1"/>
+          </p:cNvSpPr>
+          <p:nvPr>
+            <p:ph type="ftr" sz="quarter" idx="4"/>
+          </p:nvPr>
+        </p:nvSpPr>
+        <p:spPr>
+          <a:xfrm>
+            <a:off x="0" y="8685213"/>
+            <a:ext cx="2971800" cy="458787"/>
+          </a:xfrm>
+          <a:prstGeom prst="rect">
+            <a:avLst/>
+          </a:prstGeom>
+        </p:spPr>
+        <p:txBody>
+          <a:bodyPr vert="horz" lIns="91440" tIns="45720" rIns="91440" bIns="45720" rtlCol="0" anchor="b"/>
+          <a:lstStyle>
+            <a:lvl1pPr algn="l">
+              <a:defRPr sz="1200"/>
+            </a:lvl1pPr>
+          </a:lstStyle>
+          <a:p>
+            <a:endParaRPr lang="de-DE"/>
+          </a:p>
+        </p:txBody>
+      </p:sp>
+      <p:sp>
+        <p:nvSpPr>
+          <p:cNvPr id="7" name="Foliennummernplatzhalter 6"/>
+          <p:cNvSpPr>
+            <a:spLocks noGrp="1"/>
+          </p:cNvSpPr>
+          <p:nvPr>
+            <p:ph type="sldNum" sz="quarter" idx="5"/>
+          </p:nvPr>
+        </p:nvSpPr>
+        <p:spPr>
+          <a:xfrm>
+            <a:off x="3884613" y="8685213"/>
+            <a:ext cx="2971800" cy="458787"/>
+          </a:xfrm>
+          <a:prstGeom prst="rect">
+            <a:avLst/>
+          </a:prstGeom>
+        </p:spPr>
+        <p:txBody>
+          <a:bodyPr vert="horz" lIns="91440" tIns="45720" rIns="91440" bIns="45720" rtlCol="0" anchor="b"/>
+          <a:lstStyle>
+            <a:lvl1pPr algn="r">
+              <a:defRPr sz="1200"/>
+            </a:lvl1pPr>
+          </a:lstStyle>
+          <a:p>
+            <a:fld id="{823CCCFF-C4F6-4072-919E-62EE613AE3DA}" type="slidenum">
+              <a:rPr lang="de-DE" smtClean="0"/>
+              <a:t>‹Nr.›</a:t>
+            </a:fld>
+            <a:endParaRPr lang="de-DE"/>
+          </a:p>
+        </p:txBody>
+      </p:sp>
+    </p:spTree>
+    <p:extLst>
+      <p:ext uri="{BB962C8B-B14F-4D97-AF65-F5344CB8AC3E}">
+        <p14:creationId xmlns:p14="http://schemas.microsoft.com/office/powerpoint/2010/main" val="3514613464"/>
+      </p:ext>
+    </p:extLst>
+  </p:cSld>
+  <p:clrMap bg1="lt1" tx1="dk1" bg2="lt2" tx2="dk2" accent1="accent1" accent2="accent2" accent3="accent3" accent4="accent4" accent5="accent5" accent6="accent6" hlink="hlink" folHlink="folHlink"/>
+  <p:notesStyle>
+    <a:lvl1pPr marL="0" algn="l" defTabSz="914400" rtl="0" eaLnBrk="1" latinLnBrk="0" hangingPunct="1">
+      <a:defRPr sz="1200" kern="1200">
+        <a:solidFill>
+          <a:schemeClr val="tx1"/>
+        </a:solidFill>
+        <a:latin typeface="+mn-lt"/>
+        <a:ea typeface="+mn-ea"/>
+        <a:cs typeface="+mn-cs"/>
+      </a:defRPr>
+    </a:lvl1pPr>
+    <a:lvl2pPr marL="457200" algn="l" defTabSz="914400" rtl="0" eaLnBrk="1" latinLnBrk="0" hangingPunct="1">
+      <a:defRPr sz="1200" kern="1200">
+        <a:solidFill>
+          <a:schemeClr val="tx1"/>
+        </a:solidFill>
+        <a:latin typeface="+mn-lt"/>
+        <a:ea typeface="+mn-ea"/>
+        <a:cs typeface="+mn-cs"/>
+      </a:defRPr>
+    </a:lvl2pPr>
+    <a:lvl3pPr marL="914400" algn="l" defTabSz="914400" rtl="0" eaLnBrk="1" latinLnBrk="0" hangingPunct="1">
+      <a:defRPr sz="1200" kern="1200">
+        <a:solidFill>
+          <a:schemeClr val="tx1"/>
+        </a:solidFill>
+        <a:latin typeface="+mn-lt"/>
+        <a:ea typeface="+mn-ea"/>
+        <a:cs typeface="+mn-cs"/>
+      </a:defRPr>
+    </a:lvl3pPr>
+    <a:lvl4pPr marL="1371600" algn="l" defTabSz="914400" rtl="0" eaLnBrk="1" latinLnBrk="0" hangingPunct="1">
+      <a:defRPr sz="1200" kern="1200">
+        <a:solidFill>
+          <a:schemeClr val="tx1"/>
+        </a:solidFill>
+        <a:latin typeface="+mn-lt"/>
+        <a:ea typeface="+mn-ea"/>
+        <a:cs typeface="+mn-cs"/>
+      </a:defRPr>
+    </a:lvl4pPr>
+    <a:lvl5pPr marL="1828800" algn="l" defTabSz="914400" rtl="0" eaLnBrk="1" latinLnBrk="0" hangingPunct="1">
+      <a:defRPr sz="1200" kern="1200">
+        <a:solidFill>
+          <a:schemeClr val="tx1"/>
+        </a:solidFill>
+        <a:latin typeface="+mn-lt"/>
+        <a:ea typeface="+mn-ea"/>
+        <a:cs typeface="+mn-cs"/>
+      </a:defRPr>
+    </a:lvl5pPr>
+    <a:lvl6pPr marL="2286000" algn="l" defTabSz="914400" rtl="0" eaLnBrk="1" latinLnBrk="0" hangingPunct="1">
+      <a:defRPr sz="1200" kern="1200">
+        <a:solidFill>
+          <a:schemeClr val="tx1"/>
+        </a:solidFill>
+        <a:latin typeface="+mn-lt"/>
+        <a:ea typeface="+mn-ea"/>
+        <a:cs typeface="+mn-cs"/>
+      </a:defRPr>
+    </a:lvl6pPr>
+    <a:lvl7pPr marL="2743200" algn="l" defTabSz="914400" rtl="0" eaLnBrk="1" latinLnBrk="0" hangingPunct="1">
+      <a:defRPr sz="1200" kern="1200">
+        <a:solidFill>
+          <a:schemeClr val="tx1"/>
+        </a:solidFill>
+        <a:latin typeface="+mn-lt"/>
+        <a:ea typeface="+mn-ea"/>
+        <a:cs typeface="+mn-cs"/>
+      </a:defRPr>
+    </a:lvl7pPr>
+    <a:lvl8pPr marL="3200400" algn="l" defTabSz="914400" rtl="0" eaLnBrk="1" latinLnBrk="0" hangingPunct="1">
+      <a:defRPr sz="1200" kern="1200">
+        <a:solidFill>
+          <a:schemeClr val="tx1"/>
+        </a:solidFill>
+        <a:latin typeface="+mn-lt"/>
+        <a:ea typeface="+mn-ea"/>
+        <a:cs typeface="+mn-cs"/>
+      </a:defRPr>
+    </a:lvl8pPr>
+    <a:lvl9pPr marL="3657600" algn="l" defTabSz="914400" rtl="0" eaLnBrk="1" latinLnBrk="0" hangingPunct="1">
+      <a:defRPr sz="1200" kern="1200">
+        <a:solidFill>
+          <a:schemeClr val="tx1"/>
+        </a:solidFill>
+        <a:latin typeface="+mn-lt"/>
+        <a:ea typeface="+mn-ea"/>
+        <a:cs typeface="+mn-cs"/>
+      </a:defRPr>
+    </a:lvl9pPr>
+  </p:notesStyle>
+</p:notesMaster>
+</file>
+
+<file path=ppt/notesSlides/notesSlide1.xml><?xml version="1.0" encoding="utf-8"?>
+<p:notes xmlns:a="http://schemas.openxmlformats.org/drawingml/2006/main" xmlns:r="http://schemas.openxmlformats.org/officeDocument/2006/relationships" xmlns:p="http://schemas.openxmlformats.org/presentationml/2006/main">
+  <p:cSld>
+    <p:spTree>
+      <p:nvGrpSpPr>
+        <p:cNvPr id="1" name=""/>
+        <p:cNvGrpSpPr/>
+        <p:nvPr/>
+      </p:nvGrpSpPr>
+      <p:grpSpPr>
+        <a:xfrm>
+          <a:off x="0" y="0"/>
+          <a:ext cx="0" cy="0"/>
+          <a:chOff x="0" y="0"/>
+          <a:chExt cx="0" cy="0"/>
+        </a:xfrm>
+      </p:grpSpPr>
+      <p:sp>
+        <p:nvSpPr>
+          <p:cNvPr id="2" name="Folienbildplatzhalter 1"/>
+          <p:cNvSpPr>
+            <a:spLocks noGrp="1" noRot="1" noChangeAspect="1"/>
+          </p:cNvSpPr>
+          <p:nvPr>
+            <p:ph type="sldImg"/>
+          </p:nvPr>
+        </p:nvSpPr>
+        <p:spPr/>
+      </p:sp>
+      <p:sp>
+        <p:nvSpPr>
+          <p:cNvPr id="3" name="Notizenplatzhalter 2"/>
+          <p:cNvSpPr>
+            <a:spLocks noGrp="1"/>
+          </p:cNvSpPr>
+          <p:nvPr>
+            <p:ph type="body" idx="1"/>
+          </p:nvPr>
+        </p:nvSpPr>
+        <p:spPr/>
+        <p:txBody>
+          <a:bodyPr/>
+          <a:lstStyle/>
+          <a:p>
+            <a:endParaRPr lang="de-DE" dirty="0"/>
+          </a:p>
+        </p:txBody>
+      </p:sp>
+      <p:sp>
+        <p:nvSpPr>
+          <p:cNvPr id="4" name="Foliennummernplatzhalter 3"/>
+          <p:cNvSpPr>
+            <a:spLocks noGrp="1"/>
+          </p:cNvSpPr>
+          <p:nvPr>
+            <p:ph type="sldNum" sz="quarter" idx="5"/>
+          </p:nvPr>
+        </p:nvSpPr>
+        <p:spPr/>
+        <p:txBody>
+          <a:bodyPr/>
+          <a:lstStyle/>
+          <a:p>
+            <a:fld id="{823CCCFF-C4F6-4072-919E-62EE613AE3DA}" type="slidenum">
+              <a:rPr lang="de-DE" smtClean="0"/>
+              <a:t>4</a:t>
+            </a:fld>
+            <a:endParaRPr lang="de-DE"/>
+          </a:p>
+        </p:txBody>
+      </p:sp>
+    </p:spTree>
+    <p:extLst>
+      <p:ext uri="{BB962C8B-B14F-4D97-AF65-F5344CB8AC3E}">
+        <p14:creationId xmlns:p14="http://schemas.microsoft.com/office/powerpoint/2010/main" val="153137484"/>
+      </p:ext>
+    </p:extLst>
+  </p:cSld>
+  <p:clrMapOvr>
+    <a:masterClrMapping/>
+  </p:clrMapOvr>
+</p:notes>
+</file>
+
+<file path=ppt/notesSlides/notesSlide2.xml><?xml version="1.0" encoding="utf-8"?>
+<p:notes xmlns:a="http://schemas.openxmlformats.org/drawingml/2006/main" xmlns:r="http://schemas.openxmlformats.org/officeDocument/2006/relationships" xmlns:p="http://schemas.openxmlformats.org/presentationml/2006/main">
+  <p:cSld>
+    <p:spTree>
+      <p:nvGrpSpPr>
+        <p:cNvPr id="1" name=""/>
+        <p:cNvGrpSpPr/>
+        <p:nvPr/>
+      </p:nvGrpSpPr>
+      <p:grpSpPr>
+        <a:xfrm>
+          <a:off x="0" y="0"/>
+          <a:ext cx="0" cy="0"/>
+          <a:chOff x="0" y="0"/>
+          <a:chExt cx="0" cy="0"/>
+        </a:xfrm>
+      </p:grpSpPr>
+      <p:sp>
+        <p:nvSpPr>
+          <p:cNvPr id="2" name="Folienbildplatzhalter 1"/>
+          <p:cNvSpPr>
+            <a:spLocks noGrp="1" noRot="1" noChangeAspect="1"/>
+          </p:cNvSpPr>
+          <p:nvPr>
+            <p:ph type="sldImg"/>
+          </p:nvPr>
+        </p:nvSpPr>
+        <p:spPr/>
+      </p:sp>
+      <p:sp>
+        <p:nvSpPr>
+          <p:cNvPr id="3" name="Notizenplatzhalter 2"/>
+          <p:cNvSpPr>
+            <a:spLocks noGrp="1"/>
+          </p:cNvSpPr>
+          <p:nvPr>
+            <p:ph type="body" idx="1"/>
+          </p:nvPr>
+        </p:nvSpPr>
+        <p:spPr/>
+        <p:txBody>
+          <a:bodyPr/>
+          <a:lstStyle/>
+          <a:p>
+            <a:endParaRPr lang="de-DE" dirty="0"/>
+          </a:p>
+        </p:txBody>
+      </p:sp>
+      <p:sp>
+        <p:nvSpPr>
+          <p:cNvPr id="4" name="Foliennummernplatzhalter 3"/>
+          <p:cNvSpPr>
+            <a:spLocks noGrp="1"/>
+          </p:cNvSpPr>
+          <p:nvPr>
+            <p:ph type="sldNum" sz="quarter" idx="5"/>
+          </p:nvPr>
+        </p:nvSpPr>
+        <p:spPr/>
+        <p:txBody>
+          <a:bodyPr/>
+          <a:lstStyle/>
+          <a:p>
+            <a:fld id="{823CCCFF-C4F6-4072-919E-62EE613AE3DA}" type="slidenum">
+              <a:rPr lang="de-DE" smtClean="0"/>
+              <a:t>7</a:t>
+            </a:fld>
+            <a:endParaRPr lang="de-DE"/>
+          </a:p>
+        </p:txBody>
+      </p:sp>
+    </p:spTree>
+    <p:extLst>
+      <p:ext uri="{BB962C8B-B14F-4D97-AF65-F5344CB8AC3E}">
+        <p14:creationId xmlns:p14="http://schemas.microsoft.com/office/powerpoint/2010/main" val="466372379"/>
+      </p:ext>
+    </p:extLst>
+  </p:cSld>
+  <p:clrMapOvr>
+    <a:masterClrMapping/>
+  </p:clrMapOvr>
+</p:notes>
 </file>
 
 <file path=ppt/slideLayouts/slideLayout1.xml><?xml version="1.0" encoding="utf-8"?>
@@ -3795,7 +3965,1218 @@
 </p:sld>
 </file>
 
+<file path=ppt/slides/slide10.xml><?xml version="1.0" encoding="utf-8"?>
+<p:sld xmlns:a="http://schemas.openxmlformats.org/drawingml/2006/main" xmlns:r="http://schemas.openxmlformats.org/officeDocument/2006/relationships" xmlns:p="http://schemas.openxmlformats.org/presentationml/2006/main">
+  <p:cSld>
+    <p:spTree>
+      <p:nvGrpSpPr>
+        <p:cNvPr id="1" name="">
+          <a:extLst>
+            <a:ext uri="{FF2B5EF4-FFF2-40B4-BE49-F238E27FC236}">
+              <a16:creationId xmlns:a16="http://schemas.microsoft.com/office/drawing/2014/main" id="{91B7864C-5AB3-72BB-24CA-EE904856EB50}"/>
+            </a:ext>
+          </a:extLst>
+        </p:cNvPr>
+        <p:cNvGrpSpPr/>
+        <p:nvPr/>
+      </p:nvGrpSpPr>
+      <p:grpSpPr>
+        <a:xfrm>
+          <a:off x="0" y="0"/>
+          <a:ext cx="0" cy="0"/>
+          <a:chOff x="0" y="0"/>
+          <a:chExt cx="0" cy="0"/>
+        </a:xfrm>
+      </p:grpSpPr>
+      <p:sp>
+        <p:nvSpPr>
+          <p:cNvPr id="2" name="Titel 1">
+            <a:extLst>
+              <a:ext uri="{FF2B5EF4-FFF2-40B4-BE49-F238E27FC236}">
+                <a16:creationId xmlns:a16="http://schemas.microsoft.com/office/drawing/2014/main" id="{02A93D7F-1593-6D11-0B2D-3150AB0C14EB}"/>
+              </a:ext>
+            </a:extLst>
+          </p:cNvPr>
+          <p:cNvSpPr>
+            <a:spLocks noGrp="1"/>
+          </p:cNvSpPr>
+          <p:nvPr>
+            <p:ph type="title"/>
+          </p:nvPr>
+        </p:nvSpPr>
+        <p:spPr>
+          <a:xfrm>
+            <a:off x="838199" y="365125"/>
+            <a:ext cx="10915185" cy="1325563"/>
+          </a:xfrm>
+        </p:spPr>
+        <p:txBody>
+          <a:bodyPr>
+            <a:normAutofit/>
+          </a:bodyPr>
+          <a:lstStyle/>
+          <a:p>
+            <a:r>
+              <a:rPr lang="de-AT" dirty="0"/>
+              <a:t>Score Analysis – </a:t>
+            </a:r>
+            <a:r>
+              <a:rPr lang="de-AT" dirty="0" err="1"/>
+              <a:t>Skill</a:t>
+            </a:r>
+            <a:r>
+              <a:rPr lang="de-AT" dirty="0"/>
+              <a:t> </a:t>
+            </a:r>
+            <a:r>
+              <a:rPr lang="de-AT" dirty="0" err="1"/>
+              <a:t>constraint</a:t>
+            </a:r>
+            <a:r>
+              <a:rPr lang="de-AT" dirty="0"/>
+              <a:t> </a:t>
+            </a:r>
+            <a:r>
+              <a:rPr lang="de-AT" dirty="0" err="1"/>
+              <a:t>estimates</a:t>
+            </a:r>
+            <a:r>
+              <a:rPr lang="de-AT" dirty="0"/>
+              <a:t> </a:t>
+            </a:r>
+            <a:r>
+              <a:rPr lang="de-AT" dirty="0" err="1"/>
+              <a:t>over</a:t>
+            </a:r>
+            <a:r>
+              <a:rPr lang="de-AT" dirty="0"/>
+              <a:t> time </a:t>
+            </a:r>
+            <a:r>
+              <a:rPr lang="de-AT" dirty="0" err="1"/>
+              <a:t>for</a:t>
+            </a:r>
+            <a:r>
+              <a:rPr lang="de-AT" dirty="0"/>
+              <a:t> a </a:t>
+            </a:r>
+            <a:r>
+              <a:rPr lang="de-AT" dirty="0" err="1"/>
+              <a:t>random</a:t>
+            </a:r>
+            <a:r>
+              <a:rPr lang="de-AT" dirty="0"/>
+              <a:t> </a:t>
+            </a:r>
+            <a:r>
+              <a:rPr lang="de-AT" dirty="0" err="1"/>
+              <a:t>user</a:t>
+            </a:r>
+            <a:r>
+              <a:rPr lang="de-AT" dirty="0"/>
+              <a:t>.</a:t>
+            </a:r>
+          </a:p>
+        </p:txBody>
+      </p:sp>
+      <p:pic>
+        <p:nvPicPr>
+          <p:cNvPr id="6" name="Grafik 5" descr="Ein Bild, das Text, Screenshot, Schrift, Diagramm enthält.&#10;&#10;KI-generierte Inhalte können fehlerhaft sein.">
+            <a:extLst>
+              <a:ext uri="{FF2B5EF4-FFF2-40B4-BE49-F238E27FC236}">
+                <a16:creationId xmlns:a16="http://schemas.microsoft.com/office/drawing/2014/main" id="{8B5887E3-4037-DE5E-8288-B7D87092B454}"/>
+              </a:ext>
+            </a:extLst>
+          </p:cNvPr>
+          <p:cNvPicPr>
+            <a:picLocks noChangeAspect="1"/>
+          </p:cNvPicPr>
+          <p:nvPr/>
+        </p:nvPicPr>
+        <p:blipFill>
+          <a:blip r:embed="rId2">
+            <a:extLst>
+              <a:ext uri="{28A0092B-C50C-407E-A947-70E740481C1C}">
+                <a14:useLocalDpi xmlns:a14="http://schemas.microsoft.com/office/drawing/2010/main" val="0"/>
+              </a:ext>
+            </a:extLst>
+          </a:blip>
+          <a:stretch>
+            <a:fillRect/>
+          </a:stretch>
+        </p:blipFill>
+        <p:spPr>
+          <a:xfrm>
+            <a:off x="644652" y="1773657"/>
+            <a:ext cx="7865364" cy="4719218"/>
+          </a:xfrm>
+          <a:prstGeom prst="rect">
+            <a:avLst/>
+          </a:prstGeom>
+        </p:spPr>
+      </p:pic>
+      <p:sp>
+        <p:nvSpPr>
+          <p:cNvPr id="10" name="Rechteck 9">
+            <a:extLst>
+              <a:ext uri="{FF2B5EF4-FFF2-40B4-BE49-F238E27FC236}">
+                <a16:creationId xmlns:a16="http://schemas.microsoft.com/office/drawing/2014/main" id="{329210C2-275A-7134-1834-3D2BA74C052F}"/>
+              </a:ext>
+            </a:extLst>
+          </p:cNvPr>
+          <p:cNvSpPr/>
+          <p:nvPr/>
+        </p:nvSpPr>
+        <p:spPr>
+          <a:xfrm>
+            <a:off x="164592" y="1984248"/>
+            <a:ext cx="1472184" cy="4306824"/>
+          </a:xfrm>
+          <a:prstGeom prst="rect">
+            <a:avLst/>
+          </a:prstGeom>
+          <a:solidFill>
+            <a:schemeClr val="bg1"/>
+          </a:solidFill>
+          <a:ln>
+            <a:solidFill>
+              <a:schemeClr val="bg1"/>
+            </a:solidFill>
+          </a:ln>
+        </p:spPr>
+        <p:style>
+          <a:lnRef idx="2">
+            <a:schemeClr val="accent1">
+              <a:shade val="15000"/>
+            </a:schemeClr>
+          </a:lnRef>
+          <a:fillRef idx="1">
+            <a:schemeClr val="accent1"/>
+          </a:fillRef>
+          <a:effectRef idx="0">
+            <a:schemeClr val="accent1"/>
+          </a:effectRef>
+          <a:fontRef idx="minor">
+            <a:schemeClr val="lt1"/>
+          </a:fontRef>
+        </p:style>
+        <p:txBody>
+          <a:bodyPr rtlCol="0" anchor="ctr"/>
+          <a:lstStyle/>
+          <a:p>
+            <a:pPr algn="ctr"/>
+            <a:endParaRPr lang="de-DE" dirty="0"/>
+          </a:p>
+        </p:txBody>
+      </p:sp>
+      <p:sp>
+        <p:nvSpPr>
+          <p:cNvPr id="18" name="Rechteck 17">
+            <a:extLst>
+              <a:ext uri="{FF2B5EF4-FFF2-40B4-BE49-F238E27FC236}">
+                <a16:creationId xmlns:a16="http://schemas.microsoft.com/office/drawing/2014/main" id="{39D6F805-68EA-16E3-7F99-7C9BB4D375F6}"/>
+              </a:ext>
+            </a:extLst>
+          </p:cNvPr>
+          <p:cNvSpPr/>
+          <p:nvPr/>
+        </p:nvSpPr>
+        <p:spPr>
+          <a:xfrm>
+            <a:off x="-1" y="5696240"/>
+            <a:ext cx="1572493" cy="393664"/>
+          </a:xfrm>
+          <a:prstGeom prst="rect">
+            <a:avLst/>
+          </a:prstGeom>
+          <a:solidFill>
+            <a:schemeClr val="bg1"/>
+          </a:solidFill>
+          <a:ln>
+            <a:solidFill>
+              <a:schemeClr val="bg1"/>
+            </a:solidFill>
+          </a:ln>
+        </p:spPr>
+        <p:style>
+          <a:lnRef idx="2">
+            <a:schemeClr val="dk1">
+              <a:shade val="15000"/>
+            </a:schemeClr>
+          </a:lnRef>
+          <a:fillRef idx="1">
+            <a:schemeClr val="dk1"/>
+          </a:fillRef>
+          <a:effectRef idx="0">
+            <a:schemeClr val="dk1"/>
+          </a:effectRef>
+          <a:fontRef idx="minor">
+            <a:schemeClr val="lt1"/>
+          </a:fontRef>
+        </p:style>
+        <p:txBody>
+          <a:bodyPr rtlCol="0" anchor="ctr"/>
+          <a:lstStyle/>
+          <a:p>
+            <a:pPr algn="ctr"/>
+            <a:r>
+              <a:rPr lang="de-DE" b="1" dirty="0" err="1">
+                <a:solidFill>
+                  <a:schemeClr val="tx1"/>
+                </a:solidFill>
+              </a:rPr>
+              <a:t>star_diff</a:t>
+            </a:r>
+            <a:endParaRPr lang="de-DE" b="1" dirty="0">
+              <a:solidFill>
+                <a:schemeClr val="tx1"/>
+              </a:solidFill>
+            </a:endParaRPr>
+          </a:p>
+        </p:txBody>
+      </p:sp>
+      <p:sp>
+        <p:nvSpPr>
+          <p:cNvPr id="16" name="Rechteck 15">
+            <a:extLst>
+              <a:ext uri="{FF2B5EF4-FFF2-40B4-BE49-F238E27FC236}">
+                <a16:creationId xmlns:a16="http://schemas.microsoft.com/office/drawing/2014/main" id="{5425CF16-BDCB-E8F6-F881-A39CD0635DA9}"/>
+              </a:ext>
+            </a:extLst>
+          </p:cNvPr>
+          <p:cNvSpPr/>
+          <p:nvPr/>
+        </p:nvSpPr>
+        <p:spPr>
+          <a:xfrm>
+            <a:off x="0" y="3429000"/>
+            <a:ext cx="1572493" cy="393664"/>
+          </a:xfrm>
+          <a:prstGeom prst="rect">
+            <a:avLst/>
+          </a:prstGeom>
+          <a:solidFill>
+            <a:schemeClr val="bg1"/>
+          </a:solidFill>
+          <a:ln>
+            <a:solidFill>
+              <a:schemeClr val="bg1"/>
+            </a:solidFill>
+          </a:ln>
+        </p:spPr>
+        <p:style>
+          <a:lnRef idx="2">
+            <a:schemeClr val="dk1">
+              <a:shade val="15000"/>
+            </a:schemeClr>
+          </a:lnRef>
+          <a:fillRef idx="1">
+            <a:schemeClr val="dk1"/>
+          </a:fillRef>
+          <a:effectRef idx="0">
+            <a:schemeClr val="dk1"/>
+          </a:effectRef>
+          <a:fontRef idx="minor">
+            <a:schemeClr val="lt1"/>
+          </a:fontRef>
+        </p:style>
+        <p:txBody>
+          <a:bodyPr rtlCol="0" anchor="ctr"/>
+          <a:lstStyle/>
+          <a:p>
+            <a:pPr algn="ctr"/>
+            <a:r>
+              <a:rPr lang="de-DE" b="1" dirty="0" err="1">
+                <a:solidFill>
+                  <a:schemeClr val="tx1"/>
+                </a:solidFill>
+              </a:rPr>
+              <a:t>aim</a:t>
+            </a:r>
+            <a:endParaRPr lang="de-DE" b="1" dirty="0">
+              <a:solidFill>
+                <a:schemeClr val="tx1"/>
+              </a:solidFill>
+            </a:endParaRPr>
+          </a:p>
+        </p:txBody>
+      </p:sp>
+      <p:sp>
+        <p:nvSpPr>
+          <p:cNvPr id="17" name="Rechteck 16">
+            <a:extLst>
+              <a:ext uri="{FF2B5EF4-FFF2-40B4-BE49-F238E27FC236}">
+                <a16:creationId xmlns:a16="http://schemas.microsoft.com/office/drawing/2014/main" id="{F7A13015-EB05-E0AB-A0AD-83291C74E1C2}"/>
+              </a:ext>
+            </a:extLst>
+          </p:cNvPr>
+          <p:cNvSpPr/>
+          <p:nvPr/>
+        </p:nvSpPr>
+        <p:spPr>
+          <a:xfrm>
+            <a:off x="0" y="4482692"/>
+            <a:ext cx="1700510" cy="393664"/>
+          </a:xfrm>
+          <a:prstGeom prst="rect">
+            <a:avLst/>
+          </a:prstGeom>
+          <a:noFill/>
+          <a:ln>
+            <a:noFill/>
+          </a:ln>
+        </p:spPr>
+        <p:style>
+          <a:lnRef idx="2">
+            <a:schemeClr val="dk1">
+              <a:shade val="15000"/>
+            </a:schemeClr>
+          </a:lnRef>
+          <a:fillRef idx="1">
+            <a:schemeClr val="dk1"/>
+          </a:fillRef>
+          <a:effectRef idx="0">
+            <a:schemeClr val="dk1"/>
+          </a:effectRef>
+          <a:fontRef idx="minor">
+            <a:schemeClr val="lt1"/>
+          </a:fontRef>
+        </p:style>
+        <p:txBody>
+          <a:bodyPr rtlCol="0" anchor="ctr"/>
+          <a:lstStyle/>
+          <a:p>
+            <a:pPr algn="ctr"/>
+            <a:r>
+              <a:rPr lang="de-DE" b="1" dirty="0" err="1">
+                <a:solidFill>
+                  <a:schemeClr val="tx1"/>
+                </a:solidFill>
+              </a:rPr>
+              <a:t>approach</a:t>
+            </a:r>
+            <a:r>
+              <a:rPr lang="de-DE" b="1" dirty="0">
+                <a:solidFill>
+                  <a:schemeClr val="tx1"/>
+                </a:solidFill>
+              </a:rPr>
+              <a:t> rate</a:t>
+            </a:r>
+          </a:p>
+        </p:txBody>
+      </p:sp>
+      <p:sp>
+        <p:nvSpPr>
+          <p:cNvPr id="19" name="Rechteck 18">
+            <a:extLst>
+              <a:ext uri="{FF2B5EF4-FFF2-40B4-BE49-F238E27FC236}">
+                <a16:creationId xmlns:a16="http://schemas.microsoft.com/office/drawing/2014/main" id="{5132C7C1-72C2-C784-1B05-51FA60D9AF9A}"/>
+              </a:ext>
+            </a:extLst>
+          </p:cNvPr>
+          <p:cNvSpPr/>
+          <p:nvPr/>
+        </p:nvSpPr>
+        <p:spPr>
+          <a:xfrm>
+            <a:off x="51952" y="2375308"/>
+            <a:ext cx="1572493" cy="393664"/>
+          </a:xfrm>
+          <a:prstGeom prst="rect">
+            <a:avLst/>
+          </a:prstGeom>
+          <a:solidFill>
+            <a:schemeClr val="bg1"/>
+          </a:solidFill>
+          <a:ln>
+            <a:solidFill>
+              <a:schemeClr val="bg1"/>
+            </a:solidFill>
+          </a:ln>
+        </p:spPr>
+        <p:style>
+          <a:lnRef idx="2">
+            <a:schemeClr val="dk1">
+              <a:shade val="15000"/>
+            </a:schemeClr>
+          </a:lnRef>
+          <a:fillRef idx="1">
+            <a:schemeClr val="dk1"/>
+          </a:fillRef>
+          <a:effectRef idx="0">
+            <a:schemeClr val="dk1"/>
+          </a:effectRef>
+          <a:fontRef idx="minor">
+            <a:schemeClr val="lt1"/>
+          </a:fontRef>
+        </p:style>
+        <p:txBody>
+          <a:bodyPr rtlCol="0" anchor="ctr"/>
+          <a:lstStyle/>
+          <a:p>
+            <a:pPr algn="ctr"/>
+            <a:r>
+              <a:rPr lang="de-DE" b="1" dirty="0" err="1"/>
+              <a:t>S</a:t>
+            </a:r>
+            <a:r>
+              <a:rPr lang="de-DE" b="1" dirty="0" err="1">
+                <a:solidFill>
+                  <a:schemeClr val="tx1"/>
+                </a:solidFill>
+              </a:rPr>
+              <a:t>speed</a:t>
+            </a:r>
+            <a:endParaRPr lang="de-DE" b="1" dirty="0"/>
+          </a:p>
+        </p:txBody>
+      </p:sp>
+      <p:sp>
+        <p:nvSpPr>
+          <p:cNvPr id="20" name="Textfeld 19">
+            <a:extLst>
+              <a:ext uri="{FF2B5EF4-FFF2-40B4-BE49-F238E27FC236}">
+                <a16:creationId xmlns:a16="http://schemas.microsoft.com/office/drawing/2014/main" id="{66B4DCD5-DECF-4C72-C475-D06889F62CFE}"/>
+              </a:ext>
+            </a:extLst>
+          </p:cNvPr>
+          <p:cNvSpPr txBox="1"/>
+          <p:nvPr/>
+        </p:nvSpPr>
+        <p:spPr>
+          <a:xfrm>
+            <a:off x="8533172" y="3999193"/>
+            <a:ext cx="3220212" cy="1754326"/>
+          </a:xfrm>
+          <a:prstGeom prst="rect">
+            <a:avLst/>
+          </a:prstGeom>
+          <a:noFill/>
+        </p:spPr>
+        <p:txBody>
+          <a:bodyPr wrap="square" rtlCol="0">
+            <a:spAutoFit/>
+          </a:bodyPr>
+          <a:lstStyle/>
+          <a:p>
+            <a:r>
+              <a:rPr lang="de-DE" dirty="0" err="1"/>
+              <a:t>For</a:t>
+            </a:r>
+            <a:r>
+              <a:rPr lang="de-DE" dirty="0"/>
+              <a:t> </a:t>
+            </a:r>
+            <a:r>
+              <a:rPr lang="de-DE" dirty="0" err="1"/>
+              <a:t>any</a:t>
+            </a:r>
+            <a:r>
+              <a:rPr lang="de-DE" dirty="0"/>
+              <a:t> </a:t>
+            </a:r>
+            <a:r>
+              <a:rPr lang="de-DE" dirty="0" err="1"/>
+              <a:t>give</a:t>
+            </a:r>
+            <a:r>
+              <a:rPr lang="de-DE" dirty="0"/>
+              <a:t> </a:t>
+            </a:r>
+            <a:r>
+              <a:rPr lang="de-DE" dirty="0" err="1"/>
+              <a:t>chunk</a:t>
+            </a:r>
+            <a:r>
+              <a:rPr lang="de-DE" dirty="0"/>
+              <a:t> </a:t>
+            </a:r>
+            <a:r>
+              <a:rPr lang="de-DE" b="1" dirty="0" err="1"/>
+              <a:t>notice</a:t>
+            </a:r>
+            <a:r>
+              <a:rPr lang="de-DE" b="1" dirty="0"/>
+              <a:t>:</a:t>
+            </a:r>
+          </a:p>
+          <a:p>
+            <a:pPr marL="285750" indent="-285750">
+              <a:buFontTx/>
+              <a:buChar char="-"/>
+            </a:pPr>
+            <a:r>
+              <a:rPr lang="de-DE" dirty="0"/>
+              <a:t>Rather sharp </a:t>
+            </a:r>
+            <a:r>
+              <a:rPr lang="de-DE" dirty="0" err="1"/>
+              <a:t>cut</a:t>
+            </a:r>
+            <a:r>
+              <a:rPr lang="de-DE" dirty="0"/>
+              <a:t> off </a:t>
+            </a:r>
+            <a:r>
+              <a:rPr lang="de-DE" dirty="0" err="1"/>
+              <a:t>to</a:t>
+            </a:r>
+            <a:r>
+              <a:rPr lang="de-DE" dirty="0"/>
+              <a:t> </a:t>
+            </a:r>
+            <a:r>
+              <a:rPr lang="de-DE" dirty="0" err="1"/>
+              <a:t>the</a:t>
+            </a:r>
+            <a:r>
+              <a:rPr lang="de-DE" dirty="0"/>
+              <a:t> </a:t>
+            </a:r>
+            <a:r>
+              <a:rPr lang="de-DE" dirty="0" err="1"/>
+              <a:t>right</a:t>
+            </a:r>
+            <a:r>
+              <a:rPr lang="de-DE" dirty="0"/>
+              <a:t> </a:t>
+            </a:r>
+            <a:r>
+              <a:rPr lang="de-DE" dirty="0" err="1"/>
+              <a:t>of</a:t>
+            </a:r>
+            <a:r>
+              <a:rPr lang="de-DE" dirty="0"/>
+              <a:t> </a:t>
+            </a:r>
+            <a:r>
+              <a:rPr lang="de-DE" dirty="0" err="1"/>
+              <a:t>distributions</a:t>
+            </a:r>
+            <a:r>
+              <a:rPr lang="de-DE" dirty="0"/>
+              <a:t>, </a:t>
+            </a:r>
+          </a:p>
+          <a:p>
+            <a:pPr marL="285750" indent="-285750">
+              <a:buFontTx/>
+              <a:buChar char="-"/>
+            </a:pPr>
+            <a:r>
+              <a:rPr lang="de-DE" dirty="0"/>
+              <a:t>Points </a:t>
+            </a:r>
+            <a:r>
+              <a:rPr lang="de-DE" dirty="0" err="1"/>
+              <a:t>beyond</a:t>
+            </a:r>
+            <a:r>
+              <a:rPr lang="de-DE" dirty="0"/>
+              <a:t> </a:t>
+            </a:r>
+            <a:r>
+              <a:rPr lang="de-DE" dirty="0" err="1"/>
+              <a:t>the</a:t>
+            </a:r>
+            <a:r>
+              <a:rPr lang="de-DE" dirty="0"/>
+              <a:t> </a:t>
+            </a:r>
+            <a:r>
+              <a:rPr lang="de-DE" dirty="0" err="1"/>
+              <a:t>dotted</a:t>
+            </a:r>
+            <a:r>
+              <a:rPr lang="de-DE" dirty="0"/>
+              <a:t> </a:t>
+            </a:r>
+            <a:r>
+              <a:rPr lang="de-DE" dirty="0" err="1"/>
+              <a:t>are</a:t>
+            </a:r>
+            <a:r>
+              <a:rPr lang="de-DE" dirty="0"/>
+              <a:t> </a:t>
+            </a:r>
+            <a:r>
+              <a:rPr lang="de-DE" dirty="0" err="1"/>
+              <a:t>quite</a:t>
+            </a:r>
+            <a:r>
+              <a:rPr lang="de-DE" dirty="0"/>
+              <a:t> </a:t>
+            </a:r>
+            <a:r>
+              <a:rPr lang="de-DE" dirty="0" err="1"/>
+              <a:t>red</a:t>
+            </a:r>
+            <a:r>
+              <a:rPr lang="de-DE" dirty="0"/>
+              <a:t> </a:t>
+            </a:r>
+            <a:r>
+              <a:rPr lang="de-DE" dirty="0" err="1"/>
+              <a:t>usually</a:t>
+            </a:r>
+            <a:endParaRPr lang="de-DE" dirty="0"/>
+          </a:p>
+          <a:p>
+            <a:pPr marL="285750" indent="-285750">
+              <a:buFontTx/>
+              <a:buChar char="-"/>
+            </a:pPr>
+            <a:endParaRPr lang="de-DE" dirty="0"/>
+          </a:p>
+        </p:txBody>
+      </p:sp>
+      <p:sp>
+        <p:nvSpPr>
+          <p:cNvPr id="21" name="Textfeld 20">
+            <a:extLst>
+              <a:ext uri="{FF2B5EF4-FFF2-40B4-BE49-F238E27FC236}">
+                <a16:creationId xmlns:a16="http://schemas.microsoft.com/office/drawing/2014/main" id="{91017E18-4944-6656-DEB4-82C9C3C93185}"/>
+              </a:ext>
+            </a:extLst>
+          </p:cNvPr>
+          <p:cNvSpPr txBox="1"/>
+          <p:nvPr/>
+        </p:nvSpPr>
+        <p:spPr>
+          <a:xfrm>
+            <a:off x="8340689" y="2110345"/>
+            <a:ext cx="3927485" cy="923330"/>
+          </a:xfrm>
+          <a:prstGeom prst="rect">
+            <a:avLst/>
+          </a:prstGeom>
+          <a:noFill/>
+        </p:spPr>
+        <p:txBody>
+          <a:bodyPr wrap="none" rtlCol="0">
+            <a:spAutoFit/>
+          </a:bodyPr>
+          <a:lstStyle/>
+          <a:p>
+            <a:r>
+              <a:rPr lang="de-DE" b="1" dirty="0" err="1"/>
+              <a:t>Dotted</a:t>
+            </a:r>
+            <a:r>
+              <a:rPr lang="de-DE" b="1" dirty="0"/>
+              <a:t> </a:t>
+            </a:r>
+            <a:r>
+              <a:rPr lang="de-DE" b="1" dirty="0" err="1"/>
+              <a:t>lines</a:t>
+            </a:r>
+            <a:r>
+              <a:rPr lang="de-DE" b="1" dirty="0"/>
+              <a:t>: </a:t>
+            </a:r>
+            <a:r>
+              <a:rPr lang="de-DE" dirty="0" err="1"/>
+              <a:t>constraint</a:t>
+            </a:r>
+            <a:r>
+              <a:rPr lang="de-DE" dirty="0"/>
+              <a:t> </a:t>
+            </a:r>
+            <a:r>
+              <a:rPr lang="de-DE" dirty="0" err="1"/>
+              <a:t>estimates</a:t>
+            </a:r>
+            <a:endParaRPr lang="de-DE" dirty="0"/>
+          </a:p>
+          <a:p>
+            <a:r>
+              <a:rPr lang="de-DE" b="1" dirty="0"/>
+              <a:t>Dots:  </a:t>
+            </a:r>
+            <a:r>
+              <a:rPr lang="de-DE" dirty="0"/>
+              <a:t>Scores </a:t>
+            </a:r>
+            <a:r>
+              <a:rPr lang="de-DE" dirty="0" err="1"/>
+              <a:t>performed</a:t>
+            </a:r>
+            <a:r>
+              <a:rPr lang="de-DE" dirty="0"/>
+              <a:t> in </a:t>
+            </a:r>
+            <a:r>
+              <a:rPr lang="de-DE" dirty="0" err="1"/>
+              <a:t>timeframe</a:t>
+            </a:r>
+            <a:endParaRPr lang="de-DE" dirty="0"/>
+          </a:p>
+          <a:p>
+            <a:r>
+              <a:rPr lang="de-DE" b="1" dirty="0"/>
+              <a:t>Color: </a:t>
+            </a:r>
+            <a:r>
+              <a:rPr lang="de-DE" dirty="0"/>
+              <a:t>Score </a:t>
+            </a:r>
+            <a:r>
+              <a:rPr lang="de-DE" dirty="0" err="1"/>
+              <a:t>accuracy</a:t>
+            </a:r>
+            <a:endParaRPr lang="de-DE" b="1" dirty="0"/>
+          </a:p>
+        </p:txBody>
+      </p:sp>
+    </p:spTree>
+    <p:extLst>
+      <p:ext uri="{BB962C8B-B14F-4D97-AF65-F5344CB8AC3E}">
+        <p14:creationId xmlns:p14="http://schemas.microsoft.com/office/powerpoint/2010/main" val="1724479969"/>
+      </p:ext>
+    </p:extLst>
+  </p:cSld>
+  <p:clrMapOvr>
+    <a:masterClrMapping/>
+  </p:clrMapOvr>
+</p:sld>
+</file>
+
 <file path=ppt/slides/slide2.xml><?xml version="1.0" encoding="utf-8"?>
+<p:sld xmlns:a="http://schemas.openxmlformats.org/drawingml/2006/main" xmlns:r="http://schemas.openxmlformats.org/officeDocument/2006/relationships" xmlns:p="http://schemas.openxmlformats.org/presentationml/2006/main">
+  <p:cSld>
+    <p:spTree>
+      <p:nvGrpSpPr>
+        <p:cNvPr id="1" name=""/>
+        <p:cNvGrpSpPr/>
+        <p:nvPr/>
+      </p:nvGrpSpPr>
+      <p:grpSpPr>
+        <a:xfrm>
+          <a:off x="0" y="0"/>
+          <a:ext cx="0" cy="0"/>
+          <a:chOff x="0" y="0"/>
+          <a:chExt cx="0" cy="0"/>
+        </a:xfrm>
+      </p:grpSpPr>
+      <p:sp>
+        <p:nvSpPr>
+          <p:cNvPr id="2" name="Titel 1">
+            <a:extLst>
+              <a:ext uri="{FF2B5EF4-FFF2-40B4-BE49-F238E27FC236}">
+                <a16:creationId xmlns:a16="http://schemas.microsoft.com/office/drawing/2014/main" id="{4D946DBC-DC4E-A985-2327-946B960FAF73}"/>
+              </a:ext>
+            </a:extLst>
+          </p:cNvPr>
+          <p:cNvSpPr>
+            <a:spLocks noGrp="1"/>
+          </p:cNvSpPr>
+          <p:nvPr>
+            <p:ph type="title"/>
+          </p:nvPr>
+        </p:nvSpPr>
+        <p:spPr/>
+        <p:txBody>
+          <a:bodyPr/>
+          <a:lstStyle/>
+          <a:p>
+            <a:r>
+              <a:rPr lang="de-DE" dirty="0" err="1"/>
+              <a:t>Important</a:t>
+            </a:r>
+            <a:r>
+              <a:rPr lang="de-DE" dirty="0"/>
+              <a:t> </a:t>
+            </a:r>
+            <a:r>
+              <a:rPr lang="de-DE" dirty="0" err="1"/>
+              <a:t>Step</a:t>
+            </a:r>
+            <a:r>
+              <a:rPr lang="de-DE" dirty="0"/>
+              <a:t>: Data </a:t>
+            </a:r>
+            <a:r>
+              <a:rPr lang="de-DE" dirty="0" err="1"/>
+              <a:t>Simplification</a:t>
+            </a:r>
+            <a:endParaRPr lang="de-DE" dirty="0"/>
+          </a:p>
+        </p:txBody>
+      </p:sp>
+      <p:sp>
+        <p:nvSpPr>
+          <p:cNvPr id="3" name="Inhaltsplatzhalter 2">
+            <a:extLst>
+              <a:ext uri="{FF2B5EF4-FFF2-40B4-BE49-F238E27FC236}">
+                <a16:creationId xmlns:a16="http://schemas.microsoft.com/office/drawing/2014/main" id="{E76A012F-0E36-6BAE-0472-4830AC015AFD}"/>
+              </a:ext>
+            </a:extLst>
+          </p:cNvPr>
+          <p:cNvSpPr>
+            <a:spLocks noGrp="1"/>
+          </p:cNvSpPr>
+          <p:nvPr>
+            <p:ph idx="1"/>
+          </p:nvPr>
+        </p:nvSpPr>
+        <p:spPr/>
+        <p:txBody>
+          <a:bodyPr>
+            <a:normAutofit fontScale="55000" lnSpcReduction="20000"/>
+          </a:bodyPr>
+          <a:lstStyle/>
+          <a:p>
+            <a:pPr marL="0" indent="0">
+              <a:buNone/>
+            </a:pPr>
+            <a:r>
+              <a:rPr lang="de-DE" sz="2400" dirty="0"/>
+              <a:t>Free </a:t>
+            </a:r>
+            <a:r>
+              <a:rPr lang="de-DE" sz="2400" dirty="0" err="1"/>
+              <a:t>Combination</a:t>
+            </a:r>
+            <a:r>
+              <a:rPr lang="de-DE" sz="2400" dirty="0"/>
+              <a:t> </a:t>
+            </a:r>
+            <a:r>
+              <a:rPr lang="de-DE" sz="2400" dirty="0" err="1"/>
+              <a:t>of</a:t>
+            </a:r>
+            <a:r>
+              <a:rPr lang="de-DE" sz="2400" dirty="0"/>
+              <a:t> all </a:t>
+            </a:r>
+            <a:r>
+              <a:rPr lang="de-DE" sz="2400" dirty="0" err="1"/>
+              <a:t>kinds</a:t>
+            </a:r>
+            <a:r>
+              <a:rPr lang="de-DE" sz="2400" dirty="0"/>
+              <a:t> </a:t>
+            </a:r>
+            <a:r>
+              <a:rPr lang="de-DE" sz="2400" dirty="0" err="1"/>
+              <a:t>of</a:t>
+            </a:r>
+            <a:r>
+              <a:rPr lang="de-DE" sz="2400" dirty="0"/>
+              <a:t> gameplay-</a:t>
+            </a:r>
+            <a:r>
+              <a:rPr lang="de-DE" sz="2400" dirty="0" err="1"/>
+              <a:t>mods</a:t>
+            </a:r>
+            <a:r>
+              <a:rPr lang="de-DE" sz="2400" dirty="0"/>
+              <a:t> </a:t>
+            </a:r>
+            <a:r>
+              <a:rPr lang="de-DE" sz="2400" dirty="0" err="1"/>
+              <a:t>leads</a:t>
+            </a:r>
+            <a:r>
+              <a:rPr lang="de-DE" sz="2400" dirty="0"/>
+              <a:t> </a:t>
+            </a:r>
+            <a:r>
+              <a:rPr lang="de-DE" sz="2400" dirty="0" err="1"/>
+              <a:t>to</a:t>
+            </a:r>
+            <a:r>
+              <a:rPr lang="de-DE" sz="2400" dirty="0"/>
+              <a:t> in </a:t>
+            </a:r>
+            <a:r>
+              <a:rPr lang="de-DE" sz="2400" dirty="0" err="1"/>
+              <a:t>theory</a:t>
+            </a:r>
+            <a:r>
+              <a:rPr lang="de-DE" sz="2400" dirty="0"/>
+              <a:t> </a:t>
+            </a:r>
+            <a:r>
+              <a:rPr lang="de-DE" sz="2400" dirty="0" err="1"/>
+              <a:t>endless</a:t>
+            </a:r>
+            <a:r>
+              <a:rPr lang="de-DE" sz="2400" dirty="0"/>
+              <a:t> „</a:t>
+            </a:r>
+            <a:r>
+              <a:rPr lang="de-DE" sz="2400" dirty="0" err="1"/>
+              <a:t>items</a:t>
+            </a:r>
+            <a:r>
+              <a:rPr lang="de-DE" sz="2400" dirty="0"/>
+              <a:t>“</a:t>
+            </a:r>
+          </a:p>
+          <a:p>
+            <a:pPr marL="457200" indent="-457200">
+              <a:buAutoNum type="arabicPeriod"/>
+            </a:pPr>
+            <a:r>
+              <a:rPr lang="en-US" sz="2000" dirty="0"/>
+              <a:t>Filtered out all rows where difficulty/map/pp altering Mods were used, except for the </a:t>
+            </a:r>
+            <a:r>
+              <a:rPr lang="en-US" sz="2000" dirty="0" err="1"/>
+              <a:t>competetively</a:t>
+            </a:r>
+            <a:r>
+              <a:rPr lang="en-US" sz="2000" dirty="0"/>
+              <a:t> viable (and most common) ones.</a:t>
+            </a:r>
+          </a:p>
+          <a:p>
+            <a:pPr marL="457200" indent="-457200">
+              <a:buFont typeface="Arial" panose="020B0604020202020204" pitchFamily="34" charset="0"/>
+              <a:buAutoNum type="arabicPeriod"/>
+            </a:pPr>
+            <a:r>
+              <a:rPr lang="en-US" sz="2000" dirty="0"/>
+              <a:t> Merged all "preference" mods if used, that change gameplay only a little into the remaining 4 main categories:  </a:t>
+            </a:r>
+          </a:p>
+          <a:p>
+            <a:pPr marL="0" indent="0">
+              <a:buNone/>
+            </a:pPr>
+            <a:endParaRPr lang="en-US" sz="2400" b="1" dirty="0"/>
+          </a:p>
+          <a:p>
+            <a:pPr marL="0" indent="0">
+              <a:buNone/>
+            </a:pPr>
+            <a:r>
+              <a:rPr lang="en-US" sz="2400" b="1" dirty="0"/>
+              <a:t>- NM</a:t>
+            </a:r>
+            <a:r>
+              <a:rPr lang="en-US" sz="2400" dirty="0"/>
+              <a:t>(No Mod)</a:t>
+            </a:r>
+          </a:p>
+          <a:p>
+            <a:pPr marL="0" indent="0">
+              <a:buNone/>
+            </a:pPr>
+            <a:r>
+              <a:rPr lang="en-US" sz="2400" b="1" dirty="0"/>
+              <a:t>- DT</a:t>
+            </a:r>
+            <a:r>
+              <a:rPr lang="en-US" sz="2400" dirty="0"/>
+              <a:t>(Double Time), </a:t>
+            </a:r>
+          </a:p>
+          <a:p>
+            <a:pPr marL="0" indent="0">
+              <a:buNone/>
+            </a:pPr>
+            <a:r>
+              <a:rPr lang="en-US" sz="2400" b="1" dirty="0"/>
+              <a:t>- HR</a:t>
+            </a:r>
+            <a:r>
+              <a:rPr lang="en-US" sz="2400" dirty="0"/>
+              <a:t>(Hard Rock), </a:t>
+            </a:r>
+          </a:p>
+          <a:p>
+            <a:pPr marL="0" indent="0">
+              <a:buNone/>
+            </a:pPr>
+            <a:r>
+              <a:rPr lang="en-US" sz="2400" b="1" dirty="0"/>
+              <a:t>- DTHR</a:t>
+            </a:r>
+            <a:r>
+              <a:rPr lang="en-US" sz="2400" dirty="0"/>
+              <a:t>(Double Time + Hardrock)  </a:t>
+            </a:r>
+          </a:p>
+          <a:p>
+            <a:pPr marL="0" indent="0">
+              <a:buNone/>
+            </a:pPr>
+            <a:endParaRPr lang="de-DE" sz="2400" dirty="0"/>
+          </a:p>
+          <a:p>
+            <a:pPr marL="0" indent="0">
+              <a:buNone/>
+            </a:pPr>
+            <a:r>
+              <a:rPr lang="en-US" sz="3200" dirty="0"/>
+              <a:t>4. treat each </a:t>
+            </a:r>
+            <a:r>
+              <a:rPr lang="en-US" sz="3200" dirty="0" err="1"/>
+              <a:t>beatmap_id</a:t>
+            </a:r>
+            <a:r>
+              <a:rPr lang="en-US" sz="3200" dirty="0"/>
+              <a:t> + </a:t>
+            </a:r>
+            <a:r>
+              <a:rPr lang="en-US" sz="3200" dirty="0" err="1"/>
+              <a:t>Mod_string</a:t>
+            </a:r>
+            <a:r>
+              <a:rPr lang="en-US" sz="3200" dirty="0"/>
+              <a:t> combination as a unique item and assign a new "item id":</a:t>
+            </a:r>
+            <a:r>
+              <a:rPr lang="en-US" sz="3200" dirty="0" err="1"/>
+              <a:t>mod_beatmap_id</a:t>
+            </a:r>
+            <a:endParaRPr lang="de-DE" sz="2400" dirty="0"/>
+          </a:p>
+          <a:p>
+            <a:pPr marL="0" indent="0">
+              <a:buNone/>
+            </a:pPr>
+            <a:endParaRPr lang="de-DE" sz="2400" dirty="0"/>
+          </a:p>
+          <a:p>
+            <a:pPr>
+              <a:buFont typeface="Symbol" panose="05050102010706020507" pitchFamily="18" charset="2"/>
+              <a:buChar char="Þ"/>
+            </a:pPr>
+            <a:r>
+              <a:rPr lang="de-DE" sz="3800" dirty="0"/>
+              <a:t>50.000 </a:t>
+            </a:r>
+            <a:r>
+              <a:rPr lang="de-DE" sz="3800" dirty="0" err="1"/>
+              <a:t>to</a:t>
+            </a:r>
+            <a:r>
+              <a:rPr lang="de-DE" sz="3800" dirty="0"/>
+              <a:t> 200.000 </a:t>
+            </a:r>
+            <a:r>
+              <a:rPr lang="de-DE" sz="3800" dirty="0" err="1"/>
+              <a:t>items</a:t>
+            </a:r>
+            <a:endParaRPr lang="de-DE" sz="3800" dirty="0"/>
+          </a:p>
+          <a:p>
+            <a:pPr>
+              <a:buFont typeface="Symbol" panose="05050102010706020507" pitchFamily="18" charset="2"/>
+              <a:buChar char="Þ"/>
+            </a:pPr>
+            <a:r>
+              <a:rPr lang="de-DE" sz="3800" dirty="0" err="1"/>
+              <a:t>Retained</a:t>
+            </a:r>
+            <a:r>
+              <a:rPr lang="de-DE" sz="3800" dirty="0"/>
+              <a:t> </a:t>
+            </a:r>
+            <a:r>
+              <a:rPr lang="de-DE" sz="3800" dirty="0" err="1"/>
+              <a:t>around</a:t>
+            </a:r>
+            <a:r>
+              <a:rPr lang="de-DE" sz="3800" dirty="0"/>
+              <a:t> 80% </a:t>
+            </a:r>
+            <a:r>
+              <a:rPr lang="de-DE" sz="3800" dirty="0" err="1"/>
+              <a:t>of</a:t>
+            </a:r>
+            <a:r>
+              <a:rPr lang="de-DE" sz="3800"/>
+              <a:t> Scores.</a:t>
+            </a:r>
+            <a:endParaRPr lang="de-DE" sz="3800" dirty="0"/>
+          </a:p>
+          <a:p>
+            <a:pPr marL="0" indent="0">
+              <a:buNone/>
+            </a:pPr>
+            <a:endParaRPr lang="de-DE" sz="2400" dirty="0"/>
+          </a:p>
+          <a:p>
+            <a:pPr marL="0" indent="0">
+              <a:buNone/>
+            </a:pPr>
+            <a:r>
+              <a:rPr lang="de-DE" sz="2400" dirty="0" err="1"/>
+              <a:t>Reduction</a:t>
+            </a:r>
+            <a:r>
+              <a:rPr lang="de-DE" sz="2400" dirty="0"/>
+              <a:t> </a:t>
+            </a:r>
+            <a:r>
+              <a:rPr lang="de-DE" sz="2400" dirty="0" err="1"/>
+              <a:t>of</a:t>
+            </a:r>
+            <a:r>
+              <a:rPr lang="de-DE" sz="2400" dirty="0"/>
+              <a:t> </a:t>
+            </a:r>
+            <a:r>
+              <a:rPr lang="de-DE" sz="2400" dirty="0" err="1"/>
+              <a:t>features</a:t>
+            </a:r>
+            <a:r>
+              <a:rPr lang="de-DE" sz="2400" dirty="0"/>
+              <a:t> and </a:t>
+            </a:r>
+            <a:r>
+              <a:rPr lang="de-DE" sz="2400" dirty="0" err="1"/>
+              <a:t>organization</a:t>
+            </a:r>
+            <a:r>
+              <a:rPr lang="de-DE" sz="2400" dirty="0"/>
+              <a:t> </a:t>
+            </a:r>
+            <a:r>
+              <a:rPr lang="de-DE" sz="2400" dirty="0" err="1"/>
+              <a:t>into</a:t>
+            </a:r>
+            <a:r>
+              <a:rPr lang="de-DE" sz="2400" dirty="0"/>
+              <a:t> User, </a:t>
+            </a:r>
+            <a:r>
+              <a:rPr lang="de-DE" sz="2400" dirty="0" err="1"/>
+              <a:t>Beatmap</a:t>
+            </a:r>
+            <a:r>
+              <a:rPr lang="de-DE" sz="2400" dirty="0"/>
+              <a:t> and Score Table</a:t>
+            </a:r>
+          </a:p>
+          <a:p>
+            <a:pPr marL="0" indent="0">
+              <a:buNone/>
+            </a:pPr>
+            <a:endParaRPr lang="de-DE" sz="2400" dirty="0"/>
+          </a:p>
+        </p:txBody>
+      </p:sp>
+    </p:spTree>
+    <p:extLst>
+      <p:ext uri="{BB962C8B-B14F-4D97-AF65-F5344CB8AC3E}">
+        <p14:creationId xmlns:p14="http://schemas.microsoft.com/office/powerpoint/2010/main" val="1660304398"/>
+      </p:ext>
+    </p:extLst>
+  </p:cSld>
+  <p:clrMapOvr>
+    <a:masterClrMapping/>
+  </p:clrMapOvr>
+</p:sld>
+</file>
+
+<file path=ppt/slides/slide3.xml><?xml version="1.0" encoding="utf-8"?>
 <p:sld xmlns:a="http://schemas.openxmlformats.org/drawingml/2006/main" xmlns:r="http://schemas.openxmlformats.org/officeDocument/2006/relationships" xmlns:p="http://schemas.openxmlformats.org/presentationml/2006/main">
   <p:cSld>
     <p:spTree>
@@ -3834,42 +5215,13 @@
           <a:lstStyle/>
           <a:p>
             <a:r>
-              <a:rPr lang="de-AT" dirty="0"/>
+              <a:rPr lang="de-AT"/>
               <a:t>User Analysis – Playtime Distribution</a:t>
             </a:r>
+            <a:endParaRPr lang="de-AT" dirty="0"/>
           </a:p>
         </p:txBody>
       </p:sp>
-      <p:pic>
-        <p:nvPicPr>
-          <p:cNvPr id="7" name="Grafik 6">
-            <a:extLst>
-              <a:ext uri="{FF2B5EF4-FFF2-40B4-BE49-F238E27FC236}">
-                <a16:creationId xmlns:a16="http://schemas.microsoft.com/office/drawing/2014/main" id="{D2EB52C7-07F4-1C93-9705-8BA813E87351}"/>
-              </a:ext>
-            </a:extLst>
-          </p:cNvPr>
-          <p:cNvPicPr>
-            <a:picLocks noChangeAspect="1"/>
-          </p:cNvPicPr>
-          <p:nvPr/>
-        </p:nvPicPr>
-        <p:blipFill>
-          <a:blip r:embed="rId2"/>
-          <a:stretch>
-            <a:fillRect/>
-          </a:stretch>
-        </p:blipFill>
-        <p:spPr>
-          <a:xfrm>
-            <a:off x="733425" y="1509713"/>
-            <a:ext cx="7524750" cy="4667250"/>
-          </a:xfrm>
-          <a:prstGeom prst="rect">
-            <a:avLst/>
-          </a:prstGeom>
-        </p:spPr>
-      </p:pic>
       <p:sp>
         <p:nvSpPr>
           <p:cNvPr id="9" name="Rectangle 2">
@@ -3888,8 +5240,8 @@
         </p:nvSpPr>
         <p:spPr bwMode="auto">
           <a:xfrm>
-            <a:off x="8258175" y="2112095"/>
-            <a:ext cx="3480440" cy="3462486"/>
+            <a:off x="8258175" y="2827675"/>
+            <a:ext cx="3480440" cy="2031325"/>
           </a:xfrm>
           <a:prstGeom prst="rect">
             <a:avLst/>
@@ -4327,7 +5679,7 @@
                 <a:effectLst/>
                 <a:latin typeface="Arial" panose="020B0604020202020204" pitchFamily="34" charset="0"/>
               </a:rPr>
-              <a:t>well</a:t>
+              <a:t>around</a:t>
             </a:r>
             <a:r>
               <a:rPr kumimoji="0" lang="de-DE" altLang="de-DE" sz="1500" b="0" i="0" u="none" strike="noStrike" cap="none" normalizeH="0" baseline="0" dirty="0">
@@ -4340,7 +5692,7 @@
                 <a:effectLst/>
                 <a:latin typeface="Arial" panose="020B0604020202020204" pitchFamily="34" charset="0"/>
               </a:rPr>
-              <a:t> </a:t>
+              <a:t> 1300 </a:t>
             </a:r>
             <a:r>
               <a:rPr kumimoji="0" lang="de-DE" altLang="de-DE" sz="1500" b="0" i="0" u="none" strike="noStrike" cap="none" normalizeH="0" baseline="0" dirty="0" err="1">
@@ -4353,111 +5705,7 @@
                 <a:effectLst/>
                 <a:latin typeface="Arial" panose="020B0604020202020204" pitchFamily="34" charset="0"/>
               </a:rPr>
-              <a:t>to</a:t>
-            </a:r>
-            <a:r>
-              <a:rPr kumimoji="0" lang="de-DE" altLang="de-DE" sz="1500" b="0" i="0" u="none" strike="noStrike" cap="none" normalizeH="0" baseline="0" dirty="0">
-                <a:ln>
-                  <a:noFill/>
-                </a:ln>
-                <a:solidFill>
-                  <a:schemeClr val="tx1"/>
-                </a:solidFill>
-                <a:effectLst/>
-                <a:latin typeface="Arial" panose="020B0604020202020204" pitchFamily="34" charset="0"/>
-              </a:rPr>
-              <a:t> </a:t>
-            </a:r>
-            <a:r>
-              <a:rPr kumimoji="0" lang="de-DE" altLang="de-DE" sz="1500" b="0" i="0" u="none" strike="noStrike" cap="none" normalizeH="0" baseline="0" dirty="0" err="1">
-                <a:ln>
-                  <a:noFill/>
-                </a:ln>
-                <a:solidFill>
-                  <a:schemeClr val="tx1"/>
-                </a:solidFill>
-                <a:effectLst/>
-                <a:latin typeface="Arial" panose="020B0604020202020204" pitchFamily="34" charset="0"/>
-              </a:rPr>
-              <a:t>the</a:t>
-            </a:r>
-            <a:r>
-              <a:rPr kumimoji="0" lang="de-DE" altLang="de-DE" sz="1500" b="0" i="0" u="none" strike="noStrike" cap="none" normalizeH="0" baseline="0" dirty="0">
-                <a:ln>
-                  <a:noFill/>
-                </a:ln>
-                <a:solidFill>
-                  <a:schemeClr val="tx1"/>
-                </a:solidFill>
-                <a:effectLst/>
-                <a:latin typeface="Arial" panose="020B0604020202020204" pitchFamily="34" charset="0"/>
-              </a:rPr>
-              <a:t> </a:t>
-            </a:r>
-            <a:r>
-              <a:rPr kumimoji="0" lang="de-DE" altLang="de-DE" sz="1500" b="0" i="0" u="none" strike="noStrike" cap="none" normalizeH="0" baseline="0" dirty="0" err="1">
-                <a:ln>
-                  <a:noFill/>
-                </a:ln>
-                <a:solidFill>
-                  <a:schemeClr val="tx1"/>
-                </a:solidFill>
-                <a:effectLst/>
-                <a:latin typeface="Arial" panose="020B0604020202020204" pitchFamily="34" charset="0"/>
-              </a:rPr>
-              <a:t>right</a:t>
-            </a:r>
-            <a:r>
-              <a:rPr kumimoji="0" lang="de-DE" altLang="de-DE" sz="1500" b="0" i="0" u="none" strike="noStrike" cap="none" normalizeH="0" baseline="0" dirty="0">
-                <a:ln>
-                  <a:noFill/>
-                </a:ln>
-                <a:solidFill>
-                  <a:schemeClr val="tx1"/>
-                </a:solidFill>
-                <a:effectLst/>
-                <a:latin typeface="Arial" panose="020B0604020202020204" pitchFamily="34" charset="0"/>
-              </a:rPr>
-              <a:t> </a:t>
-            </a:r>
-            <a:r>
-              <a:rPr kumimoji="0" lang="de-DE" altLang="de-DE" sz="1500" b="0" i="0" u="none" strike="noStrike" cap="none" normalizeH="0" baseline="0" dirty="0" err="1">
-                <a:ln>
-                  <a:noFill/>
-                </a:ln>
-                <a:solidFill>
-                  <a:schemeClr val="tx1"/>
-                </a:solidFill>
-                <a:effectLst/>
-                <a:latin typeface="Arial" panose="020B0604020202020204" pitchFamily="34" charset="0"/>
-              </a:rPr>
-              <a:t>of</a:t>
-            </a:r>
-            <a:r>
-              <a:rPr kumimoji="0" lang="de-DE" altLang="de-DE" sz="1500" b="0" i="0" u="none" strike="noStrike" cap="none" normalizeH="0" baseline="0" dirty="0">
-                <a:ln>
-                  <a:noFill/>
-                </a:ln>
-                <a:solidFill>
-                  <a:schemeClr val="tx1"/>
-                </a:solidFill>
-                <a:effectLst/>
-                <a:latin typeface="Arial" panose="020B0604020202020204" pitchFamily="34" charset="0"/>
-              </a:rPr>
-              <a:t> </a:t>
-            </a:r>
-            <a:r>
-              <a:rPr kumimoji="0" lang="de-DE" altLang="de-DE" sz="1500" b="0" i="0" u="none" strike="noStrike" cap="none" normalizeH="0" baseline="0" dirty="0" err="1">
-                <a:ln>
-                  <a:noFill/>
-                </a:ln>
-                <a:solidFill>
-                  <a:schemeClr val="tx1"/>
-                </a:solidFill>
-                <a:effectLst/>
-                <a:latin typeface="Arial" panose="020B0604020202020204" pitchFamily="34" charset="0"/>
-              </a:rPr>
-              <a:t>zero</a:t>
+              <a:t>hours</a:t>
             </a:r>
             <a:endParaRPr lang="de-DE" altLang="de-DE" sz="1500" dirty="0">
               <a:latin typeface="Arial" panose="020B0604020202020204" pitchFamily="34" charset="0"/>
@@ -4602,598 +5850,44 @@
               <a:latin typeface="Arial" panose="020B0604020202020204" pitchFamily="34" charset="0"/>
             </a:endParaRPr>
           </a:p>
-          <a:p>
-            <a:pPr eaLnBrk="0" fontAlgn="base" hangingPunct="0">
-              <a:lnSpc>
-                <a:spcPct val="100000"/>
-              </a:lnSpc>
-              <a:spcBef>
-                <a:spcPct val="0"/>
-              </a:spcBef>
-              <a:spcAft>
-                <a:spcPct val="0"/>
-              </a:spcAft>
-            </a:pPr>
-            <a:r>
-              <a:rPr kumimoji="0" lang="de-DE" altLang="de-DE" sz="1800" b="1" i="0" u="none" strike="noStrike" cap="none" normalizeH="0" baseline="0" dirty="0" err="1">
-                <a:ln>
-                  <a:noFill/>
-                </a:ln>
-                <a:solidFill>
-                  <a:schemeClr val="tx1"/>
-                </a:solidFill>
-                <a:effectLst/>
-                <a:latin typeface="Arial" panose="020B0604020202020204" pitchFamily="34" charset="0"/>
-              </a:rPr>
-              <a:t>There</a:t>
-            </a:r>
-            <a:r>
-              <a:rPr kumimoji="0" lang="de-DE" altLang="de-DE" sz="1800" b="1" i="0" u="none" strike="noStrike" cap="none" normalizeH="0" baseline="0" dirty="0">
-                <a:ln>
-                  <a:noFill/>
-                </a:ln>
-                <a:solidFill>
-                  <a:schemeClr val="tx1"/>
-                </a:solidFill>
-                <a:effectLst/>
-                <a:latin typeface="Arial" panose="020B0604020202020204" pitchFamily="34" charset="0"/>
-              </a:rPr>
-              <a:t> </a:t>
-            </a:r>
-            <a:r>
-              <a:rPr kumimoji="0" lang="de-DE" altLang="de-DE" sz="1800" b="1" i="0" u="none" strike="noStrike" cap="none" normalizeH="0" baseline="0" dirty="0" err="1">
-                <a:ln>
-                  <a:noFill/>
-                </a:ln>
-                <a:solidFill>
-                  <a:schemeClr val="tx1"/>
-                </a:solidFill>
-                <a:effectLst/>
-                <a:latin typeface="Arial" panose="020B0604020202020204" pitchFamily="34" charset="0"/>
-              </a:rPr>
-              <a:t>is</a:t>
-            </a:r>
-            <a:r>
-              <a:rPr kumimoji="0" lang="de-DE" altLang="de-DE" sz="1800" b="1" i="0" u="none" strike="noStrike" cap="none" normalizeH="0" baseline="0" dirty="0">
-                <a:ln>
-                  <a:noFill/>
-                </a:ln>
-                <a:solidFill>
-                  <a:schemeClr val="tx1"/>
-                </a:solidFill>
-                <a:effectLst/>
-                <a:latin typeface="Arial" panose="020B0604020202020204" pitchFamily="34" charset="0"/>
-              </a:rPr>
-              <a:t> </a:t>
-            </a:r>
-            <a:r>
-              <a:rPr kumimoji="0" lang="de-DE" altLang="de-DE" sz="1800" b="1" i="0" u="none" strike="noStrike" cap="none" normalizeH="0" baseline="0" dirty="0" err="1">
-                <a:ln>
-                  <a:noFill/>
-                </a:ln>
-                <a:solidFill>
-                  <a:schemeClr val="tx1"/>
-                </a:solidFill>
-                <a:effectLst/>
-                <a:latin typeface="Arial" panose="020B0604020202020204" pitchFamily="34" charset="0"/>
-              </a:rPr>
-              <a:t>almost</a:t>
-            </a:r>
-            <a:r>
-              <a:rPr kumimoji="0" lang="de-DE" altLang="de-DE" sz="1800" b="1" i="0" u="none" strike="noStrike" cap="none" normalizeH="0" baseline="0" dirty="0">
-                <a:ln>
-                  <a:noFill/>
-                </a:ln>
-                <a:solidFill>
-                  <a:schemeClr val="tx1"/>
-                </a:solidFill>
-                <a:effectLst/>
-                <a:latin typeface="Arial" panose="020B0604020202020204" pitchFamily="34" charset="0"/>
-              </a:rPr>
-              <a:t> </a:t>
-            </a:r>
-            <a:r>
-              <a:rPr kumimoji="0" lang="de-DE" altLang="de-DE" sz="1800" b="1" i="0" u="none" strike="noStrike" cap="none" normalizeH="0" baseline="0" dirty="0" err="1">
-                <a:ln>
-                  <a:noFill/>
-                </a:ln>
-                <a:solidFill>
-                  <a:schemeClr val="tx1"/>
-                </a:solidFill>
-                <a:effectLst/>
-                <a:latin typeface="Arial" panose="020B0604020202020204" pitchFamily="34" charset="0"/>
-              </a:rPr>
-              <a:t>no</a:t>
-            </a:r>
-            <a:r>
-              <a:rPr kumimoji="0" lang="de-DE" altLang="de-DE" sz="1800" b="1" i="0" u="none" strike="noStrike" cap="none" normalizeH="0" baseline="0" dirty="0">
-                <a:ln>
-                  <a:noFill/>
-                </a:ln>
-                <a:solidFill>
-                  <a:schemeClr val="tx1"/>
-                </a:solidFill>
-                <a:effectLst/>
-                <a:latin typeface="Arial" panose="020B0604020202020204" pitchFamily="34" charset="0"/>
-              </a:rPr>
-              <a:t> </a:t>
-            </a:r>
-            <a:r>
-              <a:rPr kumimoji="0" lang="de-DE" altLang="de-DE" sz="1800" b="1" i="0" u="none" strike="noStrike" cap="none" normalizeH="0" baseline="0" dirty="0" err="1">
-                <a:ln>
-                  <a:noFill/>
-                </a:ln>
-                <a:solidFill>
-                  <a:schemeClr val="tx1"/>
-                </a:solidFill>
-                <a:effectLst/>
-                <a:latin typeface="Arial" panose="020B0604020202020204" pitchFamily="34" charset="0"/>
-              </a:rPr>
-              <a:t>overlap</a:t>
-            </a:r>
-            <a:r>
-              <a:rPr kumimoji="0" lang="de-DE" altLang="de-DE" sz="1800" b="0" i="0" u="none" strike="noStrike" cap="none" normalizeH="0" baseline="0" dirty="0">
-                <a:ln>
-                  <a:noFill/>
-                </a:ln>
-                <a:solidFill>
-                  <a:schemeClr val="tx1"/>
-                </a:solidFill>
-                <a:effectLst/>
-                <a:latin typeface="Arial" panose="020B0604020202020204" pitchFamily="34" charset="0"/>
-              </a:rPr>
-              <a:t> </a:t>
-            </a:r>
-          </a:p>
-          <a:p>
-            <a:pPr lvl="1" eaLnBrk="0" fontAlgn="base" hangingPunct="0">
-              <a:lnSpc>
-                <a:spcPct val="100000"/>
-              </a:lnSpc>
-              <a:spcBef>
-                <a:spcPct val="0"/>
-              </a:spcBef>
-              <a:spcAft>
-                <a:spcPct val="0"/>
-              </a:spcAft>
-            </a:pPr>
-            <a:r>
-              <a:rPr kumimoji="0" lang="de-DE" altLang="de-DE" sz="1500" b="0" i="0" u="none" strike="noStrike" cap="none" normalizeH="0" baseline="0" dirty="0" err="1">
-                <a:ln>
-                  <a:noFill/>
-                </a:ln>
-                <a:solidFill>
-                  <a:schemeClr val="tx1"/>
-                </a:solidFill>
-                <a:effectLst/>
-                <a:latin typeface="Arial" panose="020B0604020202020204" pitchFamily="34" charset="0"/>
-              </a:rPr>
-              <a:t>except</a:t>
-            </a:r>
-            <a:r>
-              <a:rPr kumimoji="0" lang="de-DE" altLang="de-DE" sz="1500" b="0" i="0" u="none" strike="noStrike" cap="none" normalizeH="0" baseline="0" dirty="0">
-                <a:ln>
-                  <a:noFill/>
-                </a:ln>
-                <a:solidFill>
-                  <a:schemeClr val="tx1"/>
-                </a:solidFill>
-                <a:effectLst/>
-                <a:latin typeface="Arial" panose="020B0604020202020204" pitchFamily="34" charset="0"/>
-              </a:rPr>
-              <a:t> </a:t>
-            </a:r>
-            <a:r>
-              <a:rPr kumimoji="0" lang="de-DE" altLang="de-DE" sz="1500" b="0" i="0" u="none" strike="noStrike" cap="none" normalizeH="0" baseline="0" dirty="0" err="1">
-                <a:ln>
-                  <a:noFill/>
-                </a:ln>
-                <a:solidFill>
-                  <a:schemeClr val="tx1"/>
-                </a:solidFill>
-                <a:effectLst/>
-                <a:latin typeface="Arial" panose="020B0604020202020204" pitchFamily="34" charset="0"/>
-              </a:rPr>
-              <a:t>near</a:t>
-            </a:r>
-            <a:r>
-              <a:rPr kumimoji="0" lang="de-DE" altLang="de-DE" sz="1500" b="0" i="0" u="none" strike="noStrike" cap="none" normalizeH="0" baseline="0" dirty="0">
-                <a:ln>
-                  <a:noFill/>
-                </a:ln>
-                <a:solidFill>
-                  <a:schemeClr val="tx1"/>
-                </a:solidFill>
-                <a:effectLst/>
-                <a:latin typeface="Arial" panose="020B0604020202020204" pitchFamily="34" charset="0"/>
-              </a:rPr>
-              <a:t> </a:t>
-            </a:r>
-            <a:r>
-              <a:rPr kumimoji="0" lang="de-DE" altLang="de-DE" sz="1500" b="0" i="0" u="none" strike="noStrike" cap="none" normalizeH="0" baseline="0" dirty="0" err="1">
-                <a:ln>
-                  <a:noFill/>
-                </a:ln>
-                <a:solidFill>
-                  <a:schemeClr val="tx1"/>
-                </a:solidFill>
-                <a:effectLst/>
-                <a:latin typeface="Arial" panose="020B0604020202020204" pitchFamily="34" charset="0"/>
-              </a:rPr>
-              <a:t>the</a:t>
-            </a:r>
-            <a:r>
-              <a:rPr kumimoji="0" lang="de-DE" altLang="de-DE" sz="1500" b="0" i="0" u="none" strike="noStrike" cap="none" normalizeH="0" baseline="0" dirty="0">
-                <a:ln>
-                  <a:noFill/>
-                </a:ln>
-                <a:solidFill>
-                  <a:schemeClr val="tx1"/>
-                </a:solidFill>
-                <a:effectLst/>
-                <a:latin typeface="Arial" panose="020B0604020202020204" pitchFamily="34" charset="0"/>
-              </a:rPr>
-              <a:t> </a:t>
-            </a:r>
-            <a:r>
-              <a:rPr kumimoji="0" lang="de-DE" altLang="de-DE" sz="1500" b="0" i="0" u="none" strike="noStrike" cap="none" normalizeH="0" baseline="0" dirty="0" err="1">
-                <a:ln>
-                  <a:noFill/>
-                </a:ln>
-                <a:solidFill>
-                  <a:schemeClr val="tx1"/>
-                </a:solidFill>
-                <a:effectLst/>
-                <a:latin typeface="Arial" panose="020B0604020202020204" pitchFamily="34" charset="0"/>
-              </a:rPr>
-              <a:t>origin</a:t>
-            </a:r>
-            <a:endParaRPr kumimoji="0" lang="de-DE" altLang="de-DE" sz="1500" b="0" i="0" u="none" strike="noStrike" cap="none" normalizeH="0" baseline="0" dirty="0">
-              <a:ln>
-                <a:noFill/>
-              </a:ln>
-              <a:solidFill>
-                <a:schemeClr val="tx1"/>
-              </a:solidFill>
-              <a:effectLst/>
-              <a:latin typeface="Arial" panose="020B0604020202020204" pitchFamily="34" charset="0"/>
-            </a:endParaRPr>
-          </a:p>
-          <a:p>
-            <a:pPr lvl="1" eaLnBrk="0" fontAlgn="base" hangingPunct="0">
-              <a:lnSpc>
-                <a:spcPct val="100000"/>
-              </a:lnSpc>
-              <a:spcBef>
-                <a:spcPct val="0"/>
-              </a:spcBef>
-              <a:spcAft>
-                <a:spcPct val="0"/>
-              </a:spcAft>
-            </a:pPr>
-            <a:r>
-              <a:rPr kumimoji="0" lang="de-DE" altLang="de-DE" sz="1500" b="0" i="0" u="none" strike="noStrike" cap="none" normalizeH="0" baseline="0" dirty="0">
-                <a:ln>
-                  <a:noFill/>
-                </a:ln>
-                <a:solidFill>
-                  <a:schemeClr val="tx1"/>
-                </a:solidFill>
-                <a:effectLst/>
-                <a:latin typeface="Arial" panose="020B0604020202020204" pitchFamily="34" charset="0"/>
-              </a:rPr>
-              <a:t>Top Users </a:t>
-            </a:r>
-            <a:r>
-              <a:rPr kumimoji="0" lang="de-DE" altLang="de-DE" sz="1500" b="0" i="0" u="none" strike="noStrike" cap="none" normalizeH="0" baseline="0" dirty="0" err="1">
-                <a:ln>
-                  <a:noFill/>
-                </a:ln>
-                <a:solidFill>
-                  <a:schemeClr val="tx1"/>
-                </a:solidFill>
-                <a:effectLst/>
-                <a:latin typeface="Arial" panose="020B0604020202020204" pitchFamily="34" charset="0"/>
-              </a:rPr>
-              <a:t>dominate</a:t>
-            </a:r>
-            <a:r>
-              <a:rPr kumimoji="0" lang="de-DE" altLang="de-DE" sz="1500" b="0" i="0" u="none" strike="noStrike" cap="none" normalizeH="0" baseline="0" dirty="0">
-                <a:ln>
-                  <a:noFill/>
-                </a:ln>
-                <a:solidFill>
-                  <a:schemeClr val="tx1"/>
-                </a:solidFill>
-                <a:effectLst/>
-                <a:latin typeface="Arial" panose="020B0604020202020204" pitchFamily="34" charset="0"/>
-              </a:rPr>
-              <a:t> </a:t>
-            </a:r>
-            <a:r>
-              <a:rPr kumimoji="0" lang="de-DE" altLang="de-DE" sz="1500" b="0" i="0" u="none" strike="noStrike" cap="none" normalizeH="0" baseline="0" dirty="0" err="1">
-                <a:ln>
-                  <a:noFill/>
-                </a:ln>
-                <a:solidFill>
-                  <a:schemeClr val="tx1"/>
-                </a:solidFill>
-                <a:effectLst/>
-                <a:latin typeface="Arial" panose="020B0604020202020204" pitchFamily="34" charset="0"/>
-              </a:rPr>
-              <a:t>higher</a:t>
-            </a:r>
-            <a:r>
-              <a:rPr kumimoji="0" lang="de-DE" altLang="de-DE" sz="1500" b="0" i="0" u="none" strike="noStrike" cap="none" normalizeH="0" baseline="0" dirty="0">
-                <a:ln>
-                  <a:noFill/>
-                </a:ln>
-                <a:solidFill>
-                  <a:schemeClr val="tx1"/>
-                </a:solidFill>
-                <a:effectLst/>
-                <a:latin typeface="Arial" panose="020B0604020202020204" pitchFamily="34" charset="0"/>
-              </a:rPr>
-              <a:t> </a:t>
-            </a:r>
-            <a:br>
-              <a:rPr kumimoji="0" lang="de-DE" altLang="de-DE" sz="1500" b="0" i="0" u="none" strike="noStrike" cap="none" normalizeH="0" baseline="0" dirty="0">
-                <a:ln>
-                  <a:noFill/>
-                </a:ln>
-                <a:solidFill>
-                  <a:schemeClr val="tx1"/>
-                </a:solidFill>
-                <a:effectLst/>
-                <a:latin typeface="Arial" panose="020B0604020202020204" pitchFamily="34" charset="0"/>
-              </a:rPr>
-            </a:br>
-            <a:r>
-              <a:rPr kumimoji="0" lang="de-DE" altLang="de-DE" sz="1500" b="0" i="0" u="none" strike="noStrike" cap="none" normalizeH="0" baseline="0" dirty="0" err="1">
-                <a:ln>
-                  <a:noFill/>
-                </a:ln>
-                <a:solidFill>
-                  <a:schemeClr val="tx1"/>
-                </a:solidFill>
-                <a:effectLst/>
-                <a:latin typeface="Arial" panose="020B0604020202020204" pitchFamily="34" charset="0"/>
-              </a:rPr>
-              <a:t>playtime</a:t>
-            </a:r>
-            <a:r>
-              <a:rPr kumimoji="0" lang="de-DE" altLang="de-DE" sz="1500" b="0" i="0" u="none" strike="noStrike" cap="none" normalizeH="0" baseline="0" dirty="0">
-                <a:ln>
-                  <a:noFill/>
-                </a:ln>
-                <a:solidFill>
-                  <a:schemeClr val="tx1"/>
-                </a:solidFill>
-                <a:effectLst/>
-                <a:latin typeface="Arial" panose="020B0604020202020204" pitchFamily="34" charset="0"/>
-              </a:rPr>
-              <a:t> </a:t>
-            </a:r>
-            <a:r>
-              <a:rPr kumimoji="0" lang="de-DE" altLang="de-DE" sz="1500" b="0" i="0" u="none" strike="noStrike" cap="none" normalizeH="0" baseline="0" dirty="0" err="1">
-                <a:ln>
-                  <a:noFill/>
-                </a:ln>
-                <a:solidFill>
-                  <a:schemeClr val="tx1"/>
-                </a:solidFill>
-                <a:effectLst/>
-                <a:latin typeface="Arial" panose="020B0604020202020204" pitchFamily="34" charset="0"/>
-              </a:rPr>
-              <a:t>buckets</a:t>
-            </a:r>
-            <a:r>
-              <a:rPr kumimoji="0" lang="de-DE" altLang="de-DE" sz="1500" b="0" i="0" u="none" strike="noStrike" cap="none" normalizeH="0" baseline="0" dirty="0">
-                <a:ln>
-                  <a:noFill/>
-                </a:ln>
-                <a:solidFill>
-                  <a:schemeClr val="tx1"/>
-                </a:solidFill>
-                <a:effectLst/>
-                <a:latin typeface="Arial" panose="020B0604020202020204" pitchFamily="34" charset="0"/>
-              </a:rPr>
-              <a:t> </a:t>
-            </a:r>
-          </a:p>
-          <a:p>
-            <a:pPr lvl="1" eaLnBrk="0" fontAlgn="base" hangingPunct="0">
-              <a:lnSpc>
-                <a:spcPct val="100000"/>
-              </a:lnSpc>
-              <a:spcBef>
-                <a:spcPct val="0"/>
-              </a:spcBef>
-              <a:spcAft>
-                <a:spcPct val="0"/>
-              </a:spcAft>
-            </a:pPr>
-            <a:r>
-              <a:rPr kumimoji="0" lang="de-DE" altLang="de-DE" sz="1500" b="0" i="0" u="none" strike="noStrike" cap="none" normalizeH="0" baseline="0" dirty="0">
-                <a:ln>
-                  <a:noFill/>
-                </a:ln>
-                <a:solidFill>
-                  <a:schemeClr val="tx1"/>
-                </a:solidFill>
-                <a:effectLst/>
-                <a:latin typeface="Arial" panose="020B0604020202020204" pitchFamily="34" charset="0"/>
-              </a:rPr>
-              <a:t>Random Users’ </a:t>
-            </a:r>
-            <a:r>
-              <a:rPr kumimoji="0" lang="de-DE" altLang="de-DE" sz="1500" b="0" i="0" u="none" strike="noStrike" cap="none" normalizeH="0" baseline="0" dirty="0" err="1">
-                <a:ln>
-                  <a:noFill/>
-                </a:ln>
-                <a:solidFill>
-                  <a:schemeClr val="tx1"/>
-                </a:solidFill>
-                <a:effectLst/>
-                <a:latin typeface="Arial" panose="020B0604020202020204" pitchFamily="34" charset="0"/>
-              </a:rPr>
-              <a:t>density</a:t>
-            </a:r>
-            <a:r>
-              <a:rPr kumimoji="0" lang="de-DE" altLang="de-DE" sz="1500" b="0" i="0" u="none" strike="noStrike" cap="none" normalizeH="0" baseline="0" dirty="0">
-                <a:ln>
-                  <a:noFill/>
-                </a:ln>
-                <a:solidFill>
-                  <a:schemeClr val="tx1"/>
-                </a:solidFill>
-                <a:effectLst/>
-                <a:latin typeface="Arial" panose="020B0604020202020204" pitchFamily="34" charset="0"/>
-              </a:rPr>
-              <a:t> </a:t>
-            </a:r>
-            <a:r>
-              <a:rPr kumimoji="0" lang="de-DE" altLang="de-DE" sz="1500" b="0" i="0" u="none" strike="noStrike" cap="none" normalizeH="0" baseline="0" dirty="0" err="1">
-                <a:ln>
-                  <a:noFill/>
-                </a:ln>
-                <a:solidFill>
-                  <a:schemeClr val="tx1"/>
-                </a:solidFill>
-                <a:effectLst/>
-                <a:latin typeface="Arial" panose="020B0604020202020204" pitchFamily="34" charset="0"/>
-              </a:rPr>
-              <a:t>has</a:t>
-            </a:r>
-            <a:r>
-              <a:rPr kumimoji="0" lang="de-DE" altLang="de-DE" sz="1500" b="0" i="0" u="none" strike="noStrike" cap="none" normalizeH="0" baseline="0" dirty="0">
-                <a:ln>
-                  <a:noFill/>
-                </a:ln>
-                <a:solidFill>
-                  <a:schemeClr val="tx1"/>
-                </a:solidFill>
-                <a:effectLst/>
-                <a:latin typeface="Arial" panose="020B0604020202020204" pitchFamily="34" charset="0"/>
-              </a:rPr>
-              <a:t> </a:t>
-            </a:r>
-            <a:br>
-              <a:rPr kumimoji="0" lang="de-DE" altLang="de-DE" sz="1500" b="0" i="0" u="none" strike="noStrike" cap="none" normalizeH="0" baseline="0" dirty="0">
-                <a:ln>
-                  <a:noFill/>
-                </a:ln>
-                <a:solidFill>
-                  <a:schemeClr val="tx1"/>
-                </a:solidFill>
-                <a:effectLst/>
-                <a:latin typeface="Arial" panose="020B0604020202020204" pitchFamily="34" charset="0"/>
-              </a:rPr>
-            </a:br>
-            <a:r>
-              <a:rPr kumimoji="0" lang="de-DE" altLang="de-DE" sz="1500" b="0" i="0" u="none" strike="noStrike" cap="none" normalizeH="0" baseline="0" dirty="0" err="1">
-                <a:ln>
-                  <a:noFill/>
-                </a:ln>
-                <a:solidFill>
-                  <a:schemeClr val="tx1"/>
-                </a:solidFill>
-                <a:effectLst/>
-                <a:latin typeface="Arial" panose="020B0604020202020204" pitchFamily="34" charset="0"/>
-              </a:rPr>
-              <a:t>effectively</a:t>
-            </a:r>
-            <a:r>
-              <a:rPr kumimoji="0" lang="de-DE" altLang="de-DE" sz="1500" b="0" i="0" u="none" strike="noStrike" cap="none" normalizeH="0" baseline="0" dirty="0">
-                <a:ln>
-                  <a:noFill/>
-                </a:ln>
-                <a:solidFill>
-                  <a:schemeClr val="tx1"/>
-                </a:solidFill>
-                <a:effectLst/>
-                <a:latin typeface="Arial" panose="020B0604020202020204" pitchFamily="34" charset="0"/>
-              </a:rPr>
-              <a:t> </a:t>
-            </a:r>
-            <a:r>
-              <a:rPr kumimoji="0" lang="de-DE" altLang="de-DE" sz="1500" b="0" i="0" u="none" strike="noStrike" cap="none" normalizeH="0" baseline="0" dirty="0" err="1">
-                <a:ln>
-                  <a:noFill/>
-                </a:ln>
-                <a:solidFill>
-                  <a:schemeClr val="tx1"/>
-                </a:solidFill>
-                <a:effectLst/>
-                <a:latin typeface="Arial" panose="020B0604020202020204" pitchFamily="34" charset="0"/>
-              </a:rPr>
-              <a:t>dropped</a:t>
-            </a:r>
-            <a:r>
-              <a:rPr kumimoji="0" lang="de-DE" altLang="de-DE" sz="1500" b="0" i="0" u="none" strike="noStrike" cap="none" normalizeH="0" baseline="0" dirty="0">
-                <a:ln>
-                  <a:noFill/>
-                </a:ln>
-                <a:solidFill>
-                  <a:schemeClr val="tx1"/>
-                </a:solidFill>
-                <a:effectLst/>
-                <a:latin typeface="Arial" panose="020B0604020202020204" pitchFamily="34" charset="0"/>
-              </a:rPr>
-              <a:t> </a:t>
-            </a:r>
-            <a:r>
-              <a:rPr kumimoji="0" lang="de-DE" altLang="de-DE" sz="1500" b="0" i="0" u="none" strike="noStrike" cap="none" normalizeH="0" baseline="0" dirty="0" err="1">
-                <a:ln>
-                  <a:noFill/>
-                </a:ln>
-                <a:solidFill>
-                  <a:schemeClr val="tx1"/>
-                </a:solidFill>
-                <a:effectLst/>
-                <a:latin typeface="Arial" panose="020B0604020202020204" pitchFamily="34" charset="0"/>
-              </a:rPr>
-              <a:t>to</a:t>
-            </a:r>
-            <a:r>
-              <a:rPr kumimoji="0" lang="de-DE" altLang="de-DE" sz="1500" b="0" i="0" u="none" strike="noStrike" cap="none" normalizeH="0" baseline="0" dirty="0">
-                <a:ln>
-                  <a:noFill/>
-                </a:ln>
-                <a:solidFill>
-                  <a:schemeClr val="tx1"/>
-                </a:solidFill>
-                <a:effectLst/>
-                <a:latin typeface="Arial" panose="020B0604020202020204" pitchFamily="34" charset="0"/>
-              </a:rPr>
-              <a:t> </a:t>
-            </a:r>
-            <a:r>
-              <a:rPr kumimoji="0" lang="de-DE" altLang="de-DE" sz="1500" b="0" i="0" u="none" strike="noStrike" cap="none" normalizeH="0" baseline="0" dirty="0" err="1">
-                <a:ln>
-                  <a:noFill/>
-                </a:ln>
-                <a:solidFill>
-                  <a:schemeClr val="tx1"/>
-                </a:solidFill>
-                <a:effectLst/>
-                <a:latin typeface="Arial" panose="020B0604020202020204" pitchFamily="34" charset="0"/>
-              </a:rPr>
-              <a:t>zero</a:t>
-            </a:r>
-            <a:endParaRPr kumimoji="0" lang="de-DE" altLang="de-DE" sz="1500" b="0" i="0" u="none" strike="noStrike" cap="none" normalizeH="0" baseline="0" dirty="0">
-              <a:ln>
-                <a:noFill/>
-              </a:ln>
-              <a:solidFill>
-                <a:schemeClr val="tx1"/>
-              </a:solidFill>
-              <a:effectLst/>
-              <a:latin typeface="Arial" panose="020B0604020202020204" pitchFamily="34" charset="0"/>
-            </a:endParaRPr>
-          </a:p>
         </p:txBody>
       </p:sp>
+      <p:pic>
+        <p:nvPicPr>
+          <p:cNvPr id="8" name="Grafik 7" descr="Ein Bild, das Text, Screenshot, Diagramm, Display enthält.&#10;&#10;KI-generierte Inhalte können fehlerhaft sein.">
+            <a:extLst>
+              <a:ext uri="{FF2B5EF4-FFF2-40B4-BE49-F238E27FC236}">
+                <a16:creationId xmlns:a16="http://schemas.microsoft.com/office/drawing/2014/main" id="{BF1B40F9-C0B0-879C-8369-53BE3422B5C0}"/>
+              </a:ext>
+            </a:extLst>
+          </p:cNvPr>
+          <p:cNvPicPr>
+            <a:picLocks noChangeAspect="1"/>
+          </p:cNvPicPr>
+          <p:nvPr/>
+        </p:nvPicPr>
+        <p:blipFill>
+          <a:blip r:embed="rId2">
+            <a:extLst>
+              <a:ext uri="{28A0092B-C50C-407E-A947-70E740481C1C}">
+                <a14:useLocalDpi xmlns:a14="http://schemas.microsoft.com/office/drawing/2010/main" val="0"/>
+              </a:ext>
+            </a:extLst>
+          </a:blip>
+          <a:stretch>
+            <a:fillRect/>
+          </a:stretch>
+        </p:blipFill>
+        <p:spPr>
+          <a:xfrm>
+            <a:off x="722697" y="1690688"/>
+            <a:ext cx="7223774" cy="4480569"/>
+          </a:xfrm>
+          <a:prstGeom prst="rect">
+            <a:avLst/>
+          </a:prstGeom>
+        </p:spPr>
+      </p:pic>
     </p:spTree>
     <p:extLst>
       <p:ext uri="{BB962C8B-B14F-4D97-AF65-F5344CB8AC3E}">
@@ -5207,7 +5901,7 @@
 </p:sld>
 </file>
 
-<file path=ppt/slides/slide3.xml><?xml version="1.0" encoding="utf-8"?>
+<file path=ppt/slides/slide4.xml><?xml version="1.0" encoding="utf-8"?>
 <p:sld xmlns:a="http://schemas.openxmlformats.org/drawingml/2006/main" xmlns:r="http://schemas.openxmlformats.org/officeDocument/2006/relationships" xmlns:p="http://schemas.openxmlformats.org/presentationml/2006/main">
   <p:cSld>
     <p:bg>
@@ -5332,8 +6026,8 @@
         </p:nvSpPr>
         <p:spPr>
           <a:xfrm>
-            <a:off x="614677" y="603504"/>
-            <a:ext cx="10872216" cy="1527048"/>
+            <a:off x="659892" y="413401"/>
+            <a:ext cx="10872216" cy="737001"/>
           </a:xfrm>
         </p:spPr>
         <p:txBody>
@@ -5344,54 +6038,24 @@
           <a:p>
             <a:r>
               <a:rPr lang="de-AT" dirty="0"/>
-              <a:t>User Analysis – </a:t>
-            </a:r>
-            <a:r>
-              <a:rPr lang="en-US" dirty="0"/>
-              <a:t>Median Playtime vs. </a:t>
-            </a:r>
-            <a:r>
-              <a:rPr lang="en-US" dirty="0" err="1"/>
-              <a:t>Playcount</a:t>
-            </a:r>
-            <a:r>
-              <a:rPr lang="en-US" dirty="0"/>
-              <a:t> by Country</a:t>
+              <a:t>User Analysis – Countries on </a:t>
+            </a:r>
+            <a:r>
+              <a:rPr lang="de-AT" dirty="0" err="1"/>
+              <a:t>the</a:t>
+            </a:r>
+            <a:r>
+              <a:rPr lang="de-AT" dirty="0"/>
+              <a:t> </a:t>
+            </a:r>
+            <a:r>
+              <a:rPr lang="de-AT" dirty="0" err="1"/>
+              <a:t>Leaderboard</a:t>
             </a:r>
             <a:endParaRPr lang="de-AT" dirty="0"/>
           </a:p>
         </p:txBody>
       </p:sp>
-      <p:pic>
-        <p:nvPicPr>
-          <p:cNvPr id="4" name="Grafik 3">
-            <a:extLst>
-              <a:ext uri="{FF2B5EF4-FFF2-40B4-BE49-F238E27FC236}">
-                <a16:creationId xmlns:a16="http://schemas.microsoft.com/office/drawing/2014/main" id="{32D344B1-656A-4AF0-8DB4-D76E9785D455}"/>
-              </a:ext>
-            </a:extLst>
-          </p:cNvPr>
-          <p:cNvPicPr>
-            <a:picLocks noChangeAspect="1"/>
-          </p:cNvPicPr>
-          <p:nvPr/>
-        </p:nvPicPr>
-        <p:blipFill>
-          <a:blip r:embed="rId2"/>
-          <a:stretch>
-            <a:fillRect/>
-          </a:stretch>
-        </p:blipFill>
-        <p:spPr>
-          <a:xfrm>
-            <a:off x="614678" y="2441274"/>
-            <a:ext cx="7102834" cy="3089731"/>
-          </a:xfrm>
-          <a:prstGeom prst="rect">
-            <a:avLst/>
-          </a:prstGeom>
-        </p:spPr>
-      </p:pic>
       <p:sp>
         <p:nvSpPr>
           <p:cNvPr id="5" name="Rectangle 1">
@@ -5410,8 +6074,8 @@
         </p:nvSpPr>
         <p:spPr bwMode="auto">
           <a:xfrm>
-            <a:off x="7791450" y="1340505"/>
-            <a:ext cx="4506362" cy="5216813"/>
+            <a:off x="8163947" y="1684917"/>
+            <a:ext cx="3442161" cy="3785652"/>
           </a:xfrm>
           <a:prstGeom prst="rect">
             <a:avLst/>
@@ -5459,7 +6123,7 @@
           </a:bodyPr>
           <a:lstStyle/>
           <a:p>
-            <a:pPr eaLnBrk="0" fontAlgn="base" hangingPunct="0">
+            <a:pPr marR="0" lvl="0" algn="l" defTabSz="914400" rtl="0" eaLnBrk="0" fontAlgn="base" latinLnBrk="0" hangingPunct="0">
               <a:lnSpc>
                 <a:spcPct val="100000"/>
               </a:lnSpc>
@@ -5469,49 +6133,77 @@
               <a:spcAft>
                 <a:spcPct val="0"/>
               </a:spcAft>
+              <a:buClrTx/>
+              <a:buSzTx/>
+              <a:buFontTx/>
+              <a:buChar char="-"/>
+              <a:tabLst/>
             </a:pPr>
             <a:r>
-              <a:rPr kumimoji="0" lang="de-DE" altLang="de-DE" sz="1800" b="1" i="0" u="none" strike="noStrike" cap="none" normalizeH="0" baseline="0" dirty="0">
-                <a:ln>
-                  <a:noFill/>
-                </a:ln>
-                <a:solidFill>
-                  <a:schemeClr val="tx1"/>
-                </a:solidFill>
-                <a:effectLst/>
-                <a:latin typeface="Arial" panose="020B0604020202020204" pitchFamily="34" charset="0"/>
-              </a:rPr>
-              <a:t>Random </a:t>
-            </a:r>
-            <a:r>
-              <a:rPr kumimoji="0" lang="de-DE" altLang="de-DE" sz="1800" b="1" i="0" u="none" strike="noStrike" cap="none" normalizeH="0" baseline="0" dirty="0" err="1">
-                <a:ln>
-                  <a:noFill/>
-                </a:ln>
-                <a:solidFill>
-                  <a:schemeClr val="tx1"/>
-                </a:solidFill>
-                <a:effectLst/>
-                <a:latin typeface="Arial" panose="020B0604020202020204" pitchFamily="34" charset="0"/>
-              </a:rPr>
-              <a:t>users</a:t>
-            </a:r>
-            <a:r>
-              <a:rPr kumimoji="0" lang="de-DE" altLang="de-DE" sz="1800" b="0" i="0" u="none" strike="noStrike" cap="none" normalizeH="0" baseline="0" dirty="0">
-                <a:ln>
-                  <a:noFill/>
-                </a:ln>
-                <a:solidFill>
-                  <a:schemeClr val="tx1"/>
-                </a:solidFill>
-                <a:effectLst/>
-                <a:latin typeface="Arial" panose="020B0604020202020204" pitchFamily="34" charset="0"/>
-              </a:rPr>
-              <a:t> </a:t>
-            </a:r>
-          </a:p>
-          <a:p>
-            <a:pPr lvl="1" eaLnBrk="0" fontAlgn="base" hangingPunct="0">
+              <a:rPr kumimoji="0" lang="de-DE" altLang="de-DE" sz="2000" b="0" i="0" u="none" strike="noStrike" cap="none" normalizeH="0" baseline="0" dirty="0">
+                <a:ln>
+                  <a:noFill/>
+                </a:ln>
+                <a:solidFill>
+                  <a:schemeClr val="tx1"/>
+                </a:solidFill>
+                <a:effectLst/>
+                <a:latin typeface="Arial" panose="020B0604020202020204" pitchFamily="34" charset="0"/>
+              </a:rPr>
+              <a:t>Bubble </a:t>
+            </a:r>
+            <a:r>
+              <a:rPr kumimoji="0" lang="de-DE" altLang="de-DE" sz="2000" b="0" i="0" u="none" strike="noStrike" cap="none" normalizeH="0" baseline="0" dirty="0" err="1">
+                <a:ln>
+                  <a:noFill/>
+                </a:ln>
+                <a:solidFill>
+                  <a:schemeClr val="tx1"/>
+                </a:solidFill>
+                <a:effectLst/>
+                <a:latin typeface="Arial" panose="020B0604020202020204" pitchFamily="34" charset="0"/>
+              </a:rPr>
+              <a:t>size</a:t>
+            </a:r>
+            <a:r>
+              <a:rPr kumimoji="0" lang="de-DE" altLang="de-DE" sz="2000" b="0" i="0" u="none" strike="noStrike" cap="none" normalizeH="0" baseline="0" dirty="0">
+                <a:ln>
+                  <a:noFill/>
+                </a:ln>
+                <a:solidFill>
+                  <a:schemeClr val="tx1"/>
+                </a:solidFill>
+                <a:effectLst/>
+                <a:latin typeface="Arial" panose="020B0604020202020204" pitchFamily="34" charset="0"/>
+              </a:rPr>
+              <a:t>: </a:t>
+            </a:r>
+            <a:r>
+              <a:rPr kumimoji="0" lang="de-DE" altLang="de-DE" sz="2000" b="0" i="0" u="none" strike="noStrike" cap="none" normalizeH="0" baseline="0" dirty="0" err="1">
+                <a:ln>
+                  <a:noFill/>
+                </a:ln>
+                <a:solidFill>
+                  <a:schemeClr val="tx1"/>
+                </a:solidFill>
+                <a:effectLst/>
+                <a:latin typeface="Arial" panose="020B0604020202020204" pitchFamily="34" charset="0"/>
+              </a:rPr>
+              <a:t>Amount</a:t>
+            </a:r>
+            <a:endParaRPr kumimoji="0" lang="de-DE" altLang="de-DE" sz="2000" b="0" i="0" u="none" strike="noStrike" cap="none" normalizeH="0" baseline="0" dirty="0">
+              <a:ln>
+                <a:noFill/>
+              </a:ln>
+              <a:solidFill>
+                <a:schemeClr val="tx1"/>
+              </a:solidFill>
+              <a:effectLst/>
+              <a:latin typeface="Arial" panose="020B0604020202020204" pitchFamily="34" charset="0"/>
+            </a:endParaRPr>
+          </a:p>
+          <a:p>
+            <a:pPr marR="0" lvl="0" algn="l" defTabSz="914400" rtl="0" eaLnBrk="0" fontAlgn="base" latinLnBrk="0" hangingPunct="0">
               <a:lnSpc>
                 <a:spcPct val="100000"/>
               </a:lnSpc>
@@ -5521,104 +6213,30 @@
               <a:spcAft>
                 <a:spcPct val="0"/>
               </a:spcAft>
+              <a:buClrTx/>
+              <a:buSzTx/>
+              <a:buFontTx/>
+              <a:buChar char="-"/>
+              <a:tabLst/>
             </a:pPr>
             <a:r>
-              <a:rPr kumimoji="0" lang="de-DE" altLang="de-DE" sz="1500" b="0" i="0" u="none" strike="noStrike" cap="none" normalizeH="0" baseline="0" dirty="0" err="1">
-                <a:ln>
-                  <a:noFill/>
-                </a:ln>
-                <a:solidFill>
-                  <a:schemeClr val="tx1"/>
-                </a:solidFill>
-                <a:effectLst/>
-                <a:latin typeface="Arial" panose="020B0604020202020204" pitchFamily="34" charset="0"/>
-              </a:rPr>
-              <a:t>cluster</a:t>
-            </a:r>
-            <a:r>
-              <a:rPr kumimoji="0" lang="de-DE" altLang="de-DE" sz="1500" b="0" i="0" u="none" strike="noStrike" cap="none" normalizeH="0" baseline="0" dirty="0">
-                <a:ln>
-                  <a:noFill/>
-                </a:ln>
-                <a:solidFill>
-                  <a:schemeClr val="tx1"/>
-                </a:solidFill>
-                <a:effectLst/>
-                <a:latin typeface="Arial" panose="020B0604020202020204" pitchFamily="34" charset="0"/>
-              </a:rPr>
-              <a:t> at </a:t>
-            </a:r>
-            <a:r>
-              <a:rPr kumimoji="0" lang="de-DE" altLang="de-DE" sz="1500" b="0" i="0" u="none" strike="noStrike" cap="none" normalizeH="0" baseline="0" dirty="0" err="1">
-                <a:ln>
-                  <a:noFill/>
-                </a:ln>
-                <a:solidFill>
-                  <a:schemeClr val="tx1"/>
-                </a:solidFill>
-                <a:effectLst/>
-                <a:latin typeface="Arial" panose="020B0604020202020204" pitchFamily="34" charset="0"/>
-              </a:rPr>
-              <a:t>much</a:t>
-            </a:r>
-            <a:r>
-              <a:rPr kumimoji="0" lang="de-DE" altLang="de-DE" sz="1500" b="0" i="0" u="none" strike="noStrike" cap="none" normalizeH="0" baseline="0" dirty="0">
-                <a:ln>
-                  <a:noFill/>
-                </a:ln>
-                <a:solidFill>
-                  <a:schemeClr val="tx1"/>
-                </a:solidFill>
-                <a:effectLst/>
-                <a:latin typeface="Arial" panose="020B0604020202020204" pitchFamily="34" charset="0"/>
-              </a:rPr>
-              <a:t> </a:t>
-            </a:r>
-            <a:r>
-              <a:rPr kumimoji="0" lang="de-DE" altLang="de-DE" sz="1500" b="0" i="0" u="none" strike="noStrike" cap="none" normalizeH="0" baseline="0" dirty="0" err="1">
-                <a:ln>
-                  <a:noFill/>
-                </a:ln>
-                <a:solidFill>
-                  <a:schemeClr val="tx1"/>
-                </a:solidFill>
-                <a:effectLst/>
-                <a:latin typeface="Arial" panose="020B0604020202020204" pitchFamily="34" charset="0"/>
-              </a:rPr>
-              <a:t>lower</a:t>
-            </a:r>
-            <a:r>
-              <a:rPr kumimoji="0" lang="de-DE" altLang="de-DE" sz="1500" b="0" i="0" u="none" strike="noStrike" cap="none" normalizeH="0" baseline="0" dirty="0">
-                <a:ln>
-                  <a:noFill/>
-                </a:ln>
-                <a:solidFill>
-                  <a:schemeClr val="tx1"/>
-                </a:solidFill>
-                <a:effectLst/>
-                <a:latin typeface="Arial" panose="020B0604020202020204" pitchFamily="34" charset="0"/>
-              </a:rPr>
-              <a:t> </a:t>
-            </a:r>
-            <a:r>
-              <a:rPr kumimoji="0" lang="de-DE" altLang="de-DE" sz="1500" b="0" i="0" u="none" strike="noStrike" cap="none" normalizeH="0" baseline="0" dirty="0" err="1">
-                <a:ln>
-                  <a:noFill/>
-                </a:ln>
-                <a:solidFill>
-                  <a:schemeClr val="tx1"/>
-                </a:solidFill>
-                <a:effectLst/>
-                <a:latin typeface="Arial" panose="020B0604020202020204" pitchFamily="34" charset="0"/>
-              </a:rPr>
-              <a:t>medians</a:t>
-            </a:r>
-            <a:endParaRPr lang="de-DE" altLang="de-DE" sz="1500" dirty="0">
+              <a:rPr lang="de-DE" altLang="de-DE" sz="2000" dirty="0">
+                <a:latin typeface="Arial" panose="020B0604020202020204" pitchFamily="34" charset="0"/>
+              </a:rPr>
+              <a:t>X: Total PP </a:t>
+            </a:r>
+            <a:r>
+              <a:rPr lang="de-DE" altLang="de-DE" sz="2000" dirty="0" err="1">
+                <a:latin typeface="Arial" panose="020B0604020202020204" pitchFamily="34" charset="0"/>
+              </a:rPr>
+              <a:t>weighted</a:t>
+            </a:r>
+            <a:endParaRPr lang="de-DE" altLang="de-DE" sz="2000" dirty="0">
               <a:latin typeface="Arial" panose="020B0604020202020204" pitchFamily="34" charset="0"/>
             </a:endParaRPr>
           </a:p>
           <a:p>
-            <a:pPr lvl="1" eaLnBrk="0" fontAlgn="base" hangingPunct="0">
+            <a:pPr marR="0" lvl="0" algn="l" defTabSz="914400" rtl="0" eaLnBrk="0" fontAlgn="base" latinLnBrk="0" hangingPunct="0">
               <a:lnSpc>
                 <a:spcPct val="100000"/>
               </a:lnSpc>
@@ -5628,62 +6246,43 @@
               <a:spcAft>
                 <a:spcPct val="0"/>
               </a:spcAft>
+              <a:buClrTx/>
+              <a:buSzTx/>
+              <a:buFontTx/>
+              <a:buChar char="-"/>
+              <a:tabLst/>
             </a:pPr>
             <a:r>
-              <a:rPr kumimoji="0" lang="de-DE" altLang="de-DE" sz="1500" b="0" i="0" u="none" strike="noStrike" cap="none" normalizeH="0" baseline="0" dirty="0" err="1">
-                <a:ln>
-                  <a:noFill/>
-                </a:ln>
-                <a:solidFill>
-                  <a:schemeClr val="tx1"/>
-                </a:solidFill>
-                <a:effectLst/>
-                <a:latin typeface="Arial" panose="020B0604020202020204" pitchFamily="34" charset="0"/>
-              </a:rPr>
-              <a:t>playtime</a:t>
-            </a:r>
-            <a:r>
-              <a:rPr kumimoji="0" lang="de-DE" altLang="de-DE" sz="1500" b="0" i="0" u="none" strike="noStrike" cap="none" normalizeH="0" baseline="0" dirty="0">
-                <a:ln>
-                  <a:noFill/>
-                </a:ln>
-                <a:solidFill>
-                  <a:schemeClr val="tx1"/>
-                </a:solidFill>
-                <a:effectLst/>
-                <a:latin typeface="Arial" panose="020B0604020202020204" pitchFamily="34" charset="0"/>
-              </a:rPr>
-              <a:t> </a:t>
-            </a:r>
-            <a:r>
-              <a:rPr kumimoji="0" lang="de-DE" altLang="de-DE" sz="1500" b="0" i="0" u="none" strike="noStrike" cap="none" normalizeH="0" baseline="0" dirty="0" err="1">
-                <a:ln>
-                  <a:noFill/>
-                </a:ln>
-                <a:solidFill>
-                  <a:schemeClr val="tx1"/>
-                </a:solidFill>
-                <a:effectLst/>
-                <a:latin typeface="Arial" panose="020B0604020202020204" pitchFamily="34" charset="0"/>
-              </a:rPr>
-              <a:t>around</a:t>
-            </a:r>
-            <a:r>
-              <a:rPr kumimoji="0" lang="de-DE" altLang="de-DE" sz="1500" b="0" i="0" u="none" strike="noStrike" cap="none" normalizeH="0" baseline="0" dirty="0">
-                <a:ln>
-                  <a:noFill/>
-                </a:ln>
-                <a:solidFill>
-                  <a:schemeClr val="tx1"/>
-                </a:solidFill>
-                <a:effectLst/>
-                <a:latin typeface="Arial" panose="020B0604020202020204" pitchFamily="34" charset="0"/>
-              </a:rPr>
-              <a:t> 35 000–110 000 s </a:t>
-            </a:r>
-          </a:p>
-          <a:p>
-            <a:pPr lvl="1" eaLnBrk="0" fontAlgn="base" hangingPunct="0">
+              <a:rPr kumimoji="0" lang="de-DE" altLang="de-DE" sz="2000" b="0" i="0" u="none" strike="noStrike" cap="none" normalizeH="0" baseline="0" dirty="0">
+                <a:ln>
+                  <a:noFill/>
+                </a:ln>
+                <a:solidFill>
+                  <a:schemeClr val="tx1"/>
+                </a:solidFill>
+                <a:effectLst/>
+                <a:latin typeface="Arial" panose="020B0604020202020204" pitchFamily="34" charset="0"/>
+              </a:rPr>
+              <a:t>Y</a:t>
+            </a:r>
+            <a:r>
+              <a:rPr lang="de-DE" altLang="de-DE" sz="2000" dirty="0">
+                <a:latin typeface="Arial" panose="020B0604020202020204" pitchFamily="34" charset="0"/>
+              </a:rPr>
+              <a:t>: Median Hours </a:t>
+            </a:r>
+            <a:r>
+              <a:rPr lang="de-DE" altLang="de-DE" sz="2000" dirty="0" err="1">
+                <a:latin typeface="Arial" panose="020B0604020202020204" pitchFamily="34" charset="0"/>
+              </a:rPr>
+              <a:t>played</a:t>
+            </a:r>
+            <a:endParaRPr lang="de-DE" altLang="de-DE" sz="2000" dirty="0">
+              <a:latin typeface="Arial" panose="020B0604020202020204" pitchFamily="34" charset="0"/>
+            </a:endParaRPr>
+          </a:p>
+          <a:p>
+            <a:pPr marR="0" lvl="0" algn="l" defTabSz="914400" rtl="0" eaLnBrk="0" fontAlgn="base" latinLnBrk="0" hangingPunct="0">
               <a:lnSpc>
                 <a:spcPct val="100000"/>
               </a:lnSpc>
@@ -5693,1716 +6292,13 @@
               <a:spcAft>
                 <a:spcPct val="0"/>
               </a:spcAft>
+              <a:buClrTx/>
+              <a:buSzTx/>
+              <a:buFontTx/>
+              <a:buChar char="-"/>
+              <a:tabLst/>
             </a:pPr>
-            <a:r>
-              <a:rPr kumimoji="0" lang="de-DE" altLang="de-DE" sz="1500" b="0" i="0" u="none" strike="noStrike" cap="none" normalizeH="0" baseline="0" dirty="0" err="1">
-                <a:ln>
-                  <a:noFill/>
-                </a:ln>
-                <a:solidFill>
-                  <a:schemeClr val="tx1"/>
-                </a:solidFill>
-                <a:effectLst/>
-                <a:latin typeface="Arial" panose="020B0604020202020204" pitchFamily="34" charset="0"/>
-              </a:rPr>
-              <a:t>playcounts</a:t>
-            </a:r>
-            <a:r>
-              <a:rPr kumimoji="0" lang="de-DE" altLang="de-DE" sz="1500" b="0" i="0" u="none" strike="noStrike" cap="none" normalizeH="0" baseline="0" dirty="0">
-                <a:ln>
-                  <a:noFill/>
-                </a:ln>
-                <a:solidFill>
-                  <a:schemeClr val="tx1"/>
-                </a:solidFill>
-                <a:effectLst/>
-                <a:latin typeface="Arial" panose="020B0604020202020204" pitchFamily="34" charset="0"/>
-              </a:rPr>
-              <a:t> </a:t>
-            </a:r>
-            <a:r>
-              <a:rPr kumimoji="0" lang="de-DE" altLang="de-DE" sz="1500" b="0" i="0" u="none" strike="noStrike" cap="none" normalizeH="0" baseline="0" dirty="0" err="1">
-                <a:ln>
-                  <a:noFill/>
-                </a:ln>
-                <a:solidFill>
-                  <a:schemeClr val="tx1"/>
-                </a:solidFill>
-                <a:effectLst/>
-                <a:latin typeface="Arial" panose="020B0604020202020204" pitchFamily="34" charset="0"/>
-              </a:rPr>
-              <a:t>of</a:t>
-            </a:r>
-            <a:r>
-              <a:rPr kumimoji="0" lang="de-DE" altLang="de-DE" sz="1500" b="0" i="0" u="none" strike="noStrike" cap="none" normalizeH="0" baseline="0" dirty="0">
-                <a:ln>
-                  <a:noFill/>
-                </a:ln>
-                <a:solidFill>
-                  <a:schemeClr val="tx1"/>
-                </a:solidFill>
-                <a:effectLst/>
-                <a:latin typeface="Arial" panose="020B0604020202020204" pitchFamily="34" charset="0"/>
-              </a:rPr>
-              <a:t> 600–3 000</a:t>
-            </a:r>
-          </a:p>
-          <a:p>
-            <a:pPr lvl="1" eaLnBrk="0" fontAlgn="base" hangingPunct="0">
-              <a:lnSpc>
-                <a:spcPct val="100000"/>
-              </a:lnSpc>
-              <a:spcBef>
-                <a:spcPct val="0"/>
-              </a:spcBef>
-              <a:spcAft>
-                <a:spcPct val="0"/>
-              </a:spcAft>
-            </a:pPr>
-            <a:r>
-              <a:rPr kumimoji="0" lang="de-DE" altLang="de-DE" sz="1500" b="0" i="0" u="none" strike="noStrike" cap="none" normalizeH="0" baseline="0" dirty="0" err="1">
-                <a:ln>
-                  <a:noFill/>
-                </a:ln>
-                <a:solidFill>
-                  <a:schemeClr val="tx1"/>
-                </a:solidFill>
-                <a:effectLst/>
-                <a:latin typeface="Arial" panose="020B0604020202020204" pitchFamily="34" charset="0"/>
-              </a:rPr>
-              <a:t>with</a:t>
-            </a:r>
-            <a:r>
-              <a:rPr kumimoji="0" lang="de-DE" altLang="de-DE" sz="1500" b="0" i="0" u="none" strike="noStrike" cap="none" normalizeH="0" baseline="0" dirty="0">
-                <a:ln>
-                  <a:noFill/>
-                </a:ln>
-                <a:solidFill>
-                  <a:schemeClr val="tx1"/>
-                </a:solidFill>
-                <a:effectLst/>
-                <a:latin typeface="Arial" panose="020B0604020202020204" pitchFamily="34" charset="0"/>
-              </a:rPr>
-              <a:t> Russia and </a:t>
-            </a:r>
-            <a:r>
-              <a:rPr kumimoji="0" lang="de-DE" altLang="de-DE" sz="1500" b="0" i="0" u="none" strike="noStrike" cap="none" normalizeH="0" baseline="0" dirty="0" err="1">
-                <a:ln>
-                  <a:noFill/>
-                </a:ln>
-                <a:solidFill>
-                  <a:schemeClr val="tx1"/>
-                </a:solidFill>
-                <a:effectLst/>
-                <a:latin typeface="Arial" panose="020B0604020202020204" pitchFamily="34" charset="0"/>
-              </a:rPr>
-              <a:t>the</a:t>
-            </a:r>
-            <a:r>
-              <a:rPr kumimoji="0" lang="de-DE" altLang="de-DE" sz="1500" b="0" i="0" u="none" strike="noStrike" cap="none" normalizeH="0" baseline="0" dirty="0">
-                <a:ln>
-                  <a:noFill/>
-                </a:ln>
-                <a:solidFill>
-                  <a:schemeClr val="tx1"/>
-                </a:solidFill>
-                <a:effectLst/>
-                <a:latin typeface="Arial" panose="020B0604020202020204" pitchFamily="34" charset="0"/>
-              </a:rPr>
-              <a:t> US </a:t>
-            </a:r>
-            <a:r>
-              <a:rPr kumimoji="0" lang="de-DE" altLang="de-DE" sz="1500" b="0" i="0" u="none" strike="noStrike" cap="none" normalizeH="0" baseline="0" dirty="0" err="1">
-                <a:ln>
-                  <a:noFill/>
-                </a:ln>
-                <a:solidFill>
-                  <a:schemeClr val="tx1"/>
-                </a:solidFill>
-                <a:effectLst/>
-                <a:latin typeface="Arial" panose="020B0604020202020204" pitchFamily="34" charset="0"/>
-              </a:rPr>
-              <a:t>having</a:t>
-            </a:r>
-            <a:r>
-              <a:rPr kumimoji="0" lang="de-DE" altLang="de-DE" sz="1500" b="0" i="0" u="none" strike="noStrike" cap="none" normalizeH="0" baseline="0" dirty="0">
-                <a:ln>
-                  <a:noFill/>
-                </a:ln>
-                <a:solidFill>
-                  <a:schemeClr val="tx1"/>
-                </a:solidFill>
-                <a:effectLst/>
-                <a:latin typeface="Arial" panose="020B0604020202020204" pitchFamily="34" charset="0"/>
-              </a:rPr>
-              <a:t> </a:t>
-            </a:r>
-            <a:r>
-              <a:rPr kumimoji="0" lang="de-DE" altLang="de-DE" sz="1500" b="0" i="0" u="none" strike="noStrike" cap="none" normalizeH="0" baseline="0" dirty="0" err="1">
-                <a:ln>
-                  <a:noFill/>
-                </a:ln>
-                <a:solidFill>
-                  <a:schemeClr val="tx1"/>
-                </a:solidFill>
-                <a:effectLst/>
-                <a:latin typeface="Arial" panose="020B0604020202020204" pitchFamily="34" charset="0"/>
-              </a:rPr>
-              <a:t>the</a:t>
-            </a:r>
-            <a:r>
-              <a:rPr kumimoji="0" lang="de-DE" altLang="de-DE" sz="1500" b="0" i="0" u="none" strike="noStrike" cap="none" normalizeH="0" baseline="0" dirty="0">
-                <a:ln>
-                  <a:noFill/>
-                </a:ln>
-                <a:solidFill>
-                  <a:schemeClr val="tx1"/>
-                </a:solidFill>
-                <a:effectLst/>
-                <a:latin typeface="Arial" panose="020B0604020202020204" pitchFamily="34" charset="0"/>
-              </a:rPr>
-              <a:t> </a:t>
-            </a:r>
-            <a:r>
-              <a:rPr kumimoji="0" lang="de-DE" altLang="de-DE" sz="1500" b="0" i="0" u="none" strike="noStrike" cap="none" normalizeH="0" baseline="0" dirty="0" err="1">
-                <a:ln>
-                  <a:noFill/>
-                </a:ln>
-                <a:solidFill>
-                  <a:schemeClr val="tx1"/>
-                </a:solidFill>
-                <a:effectLst/>
-                <a:latin typeface="Arial" panose="020B0604020202020204" pitchFamily="34" charset="0"/>
-              </a:rPr>
-              <a:t>largest</a:t>
-            </a:r>
-            <a:r>
-              <a:rPr kumimoji="0" lang="de-DE" altLang="de-DE" sz="1500" b="0" i="0" u="none" strike="noStrike" cap="none" normalizeH="0" baseline="0" dirty="0">
-                <a:ln>
-                  <a:noFill/>
-                </a:ln>
-                <a:solidFill>
-                  <a:schemeClr val="tx1"/>
-                </a:solidFill>
-                <a:effectLst/>
-                <a:latin typeface="Arial" panose="020B0604020202020204" pitchFamily="34" charset="0"/>
-              </a:rPr>
-              <a:t> </a:t>
-            </a:r>
-            <a:br>
-              <a:rPr kumimoji="0" lang="de-DE" altLang="de-DE" sz="1500" b="0" i="0" u="none" strike="noStrike" cap="none" normalizeH="0" baseline="0" dirty="0">
-                <a:ln>
-                  <a:noFill/>
-                </a:ln>
-                <a:solidFill>
-                  <a:schemeClr val="tx1"/>
-                </a:solidFill>
-                <a:effectLst/>
-                <a:latin typeface="Arial" panose="020B0604020202020204" pitchFamily="34" charset="0"/>
-              </a:rPr>
-            </a:br>
-            <a:r>
-              <a:rPr kumimoji="0" lang="de-DE" altLang="de-DE" sz="1500" b="0" i="0" u="none" strike="noStrike" cap="none" normalizeH="0" baseline="0" dirty="0" err="1">
-                <a:ln>
-                  <a:noFill/>
-                </a:ln>
-                <a:solidFill>
-                  <a:schemeClr val="tx1"/>
-                </a:solidFill>
-                <a:effectLst/>
-                <a:latin typeface="Arial" panose="020B0604020202020204" pitchFamily="34" charset="0"/>
-              </a:rPr>
-              <a:t>bubble</a:t>
-            </a:r>
-            <a:r>
-              <a:rPr kumimoji="0" lang="de-DE" altLang="de-DE" sz="1500" b="0" i="0" u="none" strike="noStrike" cap="none" normalizeH="0" baseline="0" dirty="0">
-                <a:ln>
-                  <a:noFill/>
-                </a:ln>
-                <a:solidFill>
-                  <a:schemeClr val="tx1"/>
-                </a:solidFill>
-                <a:effectLst/>
-                <a:latin typeface="Arial" panose="020B0604020202020204" pitchFamily="34" charset="0"/>
-              </a:rPr>
-              <a:t> </a:t>
-            </a:r>
-            <a:r>
-              <a:rPr kumimoji="0" lang="de-DE" altLang="de-DE" sz="1500" b="0" i="0" u="none" strike="noStrike" cap="none" normalizeH="0" baseline="0" dirty="0" err="1">
-                <a:ln>
-                  <a:noFill/>
-                </a:ln>
-                <a:solidFill>
-                  <a:schemeClr val="tx1"/>
-                </a:solidFill>
-                <a:effectLst/>
-                <a:latin typeface="Arial" panose="020B0604020202020204" pitchFamily="34" charset="0"/>
-              </a:rPr>
-              <a:t>sizes</a:t>
-            </a:r>
-            <a:r>
-              <a:rPr kumimoji="0" lang="de-DE" altLang="de-DE" sz="1500" b="0" i="0" u="none" strike="noStrike" cap="none" normalizeH="0" baseline="0" dirty="0">
-                <a:ln>
-                  <a:noFill/>
-                </a:ln>
-                <a:solidFill>
-                  <a:schemeClr val="tx1"/>
-                </a:solidFill>
-                <a:effectLst/>
-                <a:latin typeface="Arial" panose="020B0604020202020204" pitchFamily="34" charset="0"/>
-              </a:rPr>
-              <a:t> (</a:t>
-            </a:r>
-            <a:r>
-              <a:rPr kumimoji="0" lang="de-DE" altLang="de-DE" sz="1500" b="0" i="0" u="none" strike="noStrike" cap="none" normalizeH="0" baseline="0" dirty="0" err="1">
-                <a:ln>
-                  <a:noFill/>
-                </a:ln>
-                <a:solidFill>
-                  <a:schemeClr val="tx1"/>
-                </a:solidFill>
-                <a:effectLst/>
-                <a:latin typeface="Arial" panose="020B0604020202020204" pitchFamily="34" charset="0"/>
-              </a:rPr>
-              <a:t>most</a:t>
-            </a:r>
-            <a:r>
-              <a:rPr kumimoji="0" lang="de-DE" altLang="de-DE" sz="1500" b="0" i="0" u="none" strike="noStrike" cap="none" normalizeH="0" baseline="0" dirty="0">
-                <a:ln>
-                  <a:noFill/>
-                </a:ln>
-                <a:solidFill>
-                  <a:schemeClr val="tx1"/>
-                </a:solidFill>
-                <a:effectLst/>
-                <a:latin typeface="Arial" panose="020B0604020202020204" pitchFamily="34" charset="0"/>
-              </a:rPr>
-              <a:t> </a:t>
-            </a:r>
-            <a:r>
-              <a:rPr kumimoji="0" lang="de-DE" altLang="de-DE" sz="1500" b="0" i="0" u="none" strike="noStrike" cap="none" normalizeH="0" baseline="0" dirty="0" err="1">
-                <a:ln>
-                  <a:noFill/>
-                </a:ln>
-                <a:solidFill>
-                  <a:schemeClr val="tx1"/>
-                </a:solidFill>
-                <a:effectLst/>
-                <a:latin typeface="Arial" panose="020B0604020202020204" pitchFamily="34" charset="0"/>
-              </a:rPr>
-              <a:t>users</a:t>
-            </a:r>
-            <a:r>
-              <a:rPr kumimoji="0" lang="de-DE" altLang="de-DE" sz="1500" b="0" i="0" u="none" strike="noStrike" cap="none" normalizeH="0" baseline="0" dirty="0">
-                <a:ln>
-                  <a:noFill/>
-                </a:ln>
-                <a:solidFill>
-                  <a:schemeClr val="tx1"/>
-                </a:solidFill>
-                <a:effectLst/>
-                <a:latin typeface="Arial" panose="020B0604020202020204" pitchFamily="34" charset="0"/>
-              </a:rPr>
-              <a:t>)</a:t>
-            </a:r>
-          </a:p>
-          <a:p>
-            <a:pPr eaLnBrk="0" fontAlgn="base" hangingPunct="0">
-              <a:lnSpc>
-                <a:spcPct val="100000"/>
-              </a:lnSpc>
-              <a:spcBef>
-                <a:spcPct val="0"/>
-              </a:spcBef>
-              <a:spcAft>
-                <a:spcPct val="0"/>
-              </a:spcAft>
-            </a:pPr>
-            <a:r>
-              <a:rPr kumimoji="0" lang="de-DE" altLang="de-DE" sz="1800" b="1" i="0" u="none" strike="noStrike" cap="none" normalizeH="0" baseline="0" dirty="0">
-                <a:ln>
-                  <a:noFill/>
-                </a:ln>
-                <a:solidFill>
-                  <a:schemeClr val="tx1"/>
-                </a:solidFill>
-                <a:effectLst/>
-                <a:latin typeface="Arial" panose="020B0604020202020204" pitchFamily="34" charset="0"/>
-              </a:rPr>
-              <a:t>Top </a:t>
-            </a:r>
-            <a:r>
-              <a:rPr kumimoji="0" lang="de-DE" altLang="de-DE" sz="1800" b="1" i="0" u="none" strike="noStrike" cap="none" normalizeH="0" baseline="0" dirty="0" err="1">
-                <a:ln>
-                  <a:noFill/>
-                </a:ln>
-                <a:solidFill>
-                  <a:schemeClr val="tx1"/>
-                </a:solidFill>
-                <a:effectLst/>
-                <a:latin typeface="Arial" panose="020B0604020202020204" pitchFamily="34" charset="0"/>
-              </a:rPr>
-              <a:t>users</a:t>
-            </a:r>
-            <a:r>
-              <a:rPr kumimoji="0" lang="de-DE" altLang="de-DE" sz="1800" b="0" i="0" u="none" strike="noStrike" cap="none" normalizeH="0" baseline="0" dirty="0">
-                <a:ln>
-                  <a:noFill/>
-                </a:ln>
-                <a:solidFill>
-                  <a:schemeClr val="tx1"/>
-                </a:solidFill>
-                <a:effectLst/>
-                <a:latin typeface="Arial" panose="020B0604020202020204" pitchFamily="34" charset="0"/>
-              </a:rPr>
-              <a:t> </a:t>
-            </a:r>
-          </a:p>
-          <a:p>
-            <a:pPr lvl="1" eaLnBrk="0" fontAlgn="base" hangingPunct="0">
-              <a:lnSpc>
-                <a:spcPct val="100000"/>
-              </a:lnSpc>
-              <a:spcBef>
-                <a:spcPct val="0"/>
-              </a:spcBef>
-              <a:spcAft>
-                <a:spcPct val="0"/>
-              </a:spcAft>
-            </a:pPr>
-            <a:r>
-              <a:rPr kumimoji="0" lang="de-DE" altLang="de-DE" sz="1500" b="0" i="0" u="none" strike="noStrike" cap="none" normalizeH="0" baseline="0" dirty="0" err="1">
-                <a:ln>
-                  <a:noFill/>
-                </a:ln>
-                <a:solidFill>
-                  <a:schemeClr val="tx1"/>
-                </a:solidFill>
-                <a:effectLst/>
-                <a:latin typeface="Arial" panose="020B0604020202020204" pitchFamily="34" charset="0"/>
-              </a:rPr>
-              <a:t>sit</a:t>
-            </a:r>
-            <a:r>
-              <a:rPr kumimoji="0" lang="de-DE" altLang="de-DE" sz="1500" b="0" i="0" u="none" strike="noStrike" cap="none" normalizeH="0" baseline="0" dirty="0">
-                <a:ln>
-                  <a:noFill/>
-                </a:ln>
-                <a:solidFill>
-                  <a:schemeClr val="tx1"/>
-                </a:solidFill>
-                <a:effectLst/>
-                <a:latin typeface="Arial" panose="020B0604020202020204" pitchFamily="34" charset="0"/>
-              </a:rPr>
-              <a:t> at multi-million </a:t>
-            </a:r>
-            <a:r>
-              <a:rPr kumimoji="0" lang="de-DE" altLang="de-DE" sz="1500" b="0" i="0" u="none" strike="noStrike" cap="none" normalizeH="0" baseline="0" dirty="0" err="1">
-                <a:ln>
-                  <a:noFill/>
-                </a:ln>
-                <a:solidFill>
-                  <a:schemeClr val="tx1"/>
-                </a:solidFill>
-                <a:effectLst/>
-                <a:latin typeface="Arial" panose="020B0604020202020204" pitchFamily="34" charset="0"/>
-              </a:rPr>
-              <a:t>seconds</a:t>
-            </a:r>
-            <a:r>
-              <a:rPr kumimoji="0" lang="de-DE" altLang="de-DE" sz="1500" b="0" i="0" u="none" strike="noStrike" cap="none" normalizeH="0" baseline="0" dirty="0">
-                <a:ln>
-                  <a:noFill/>
-                </a:ln>
-                <a:solidFill>
-                  <a:schemeClr val="tx1"/>
-                </a:solidFill>
-                <a:effectLst/>
-                <a:latin typeface="Arial" panose="020B0604020202020204" pitchFamily="34" charset="0"/>
-              </a:rPr>
-              <a:t> (≈4.9–5.6 M s) </a:t>
-            </a:r>
-          </a:p>
-          <a:p>
-            <a:pPr lvl="1" eaLnBrk="0" fontAlgn="base" hangingPunct="0">
-              <a:lnSpc>
-                <a:spcPct val="100000"/>
-              </a:lnSpc>
-              <a:spcBef>
-                <a:spcPct val="0"/>
-              </a:spcBef>
-              <a:spcAft>
-                <a:spcPct val="0"/>
-              </a:spcAft>
-            </a:pPr>
-            <a:r>
-              <a:rPr kumimoji="0" lang="de-DE" altLang="de-DE" sz="1500" b="0" i="0" u="none" strike="noStrike" cap="none" normalizeH="0" baseline="0" dirty="0" err="1">
-                <a:ln>
-                  <a:noFill/>
-                </a:ln>
-                <a:solidFill>
-                  <a:schemeClr val="tx1"/>
-                </a:solidFill>
-                <a:effectLst/>
-                <a:latin typeface="Arial" panose="020B0604020202020204" pitchFamily="34" charset="0"/>
-              </a:rPr>
-              <a:t>very</a:t>
-            </a:r>
-            <a:r>
-              <a:rPr kumimoji="0" lang="de-DE" altLang="de-DE" sz="1500" b="0" i="0" u="none" strike="noStrike" cap="none" normalizeH="0" baseline="0" dirty="0">
-                <a:ln>
-                  <a:noFill/>
-                </a:ln>
-                <a:solidFill>
-                  <a:schemeClr val="tx1"/>
-                </a:solidFill>
-                <a:effectLst/>
-                <a:latin typeface="Arial" panose="020B0604020202020204" pitchFamily="34" charset="0"/>
-              </a:rPr>
-              <a:t> high </a:t>
-            </a:r>
-            <a:r>
-              <a:rPr kumimoji="0" lang="de-DE" altLang="de-DE" sz="1500" b="0" i="0" u="none" strike="noStrike" cap="none" normalizeH="0" baseline="0" dirty="0" err="1">
-                <a:ln>
-                  <a:noFill/>
-                </a:ln>
-                <a:solidFill>
-                  <a:schemeClr val="tx1"/>
-                </a:solidFill>
-                <a:effectLst/>
-                <a:latin typeface="Arial" panose="020B0604020202020204" pitchFamily="34" charset="0"/>
-              </a:rPr>
-              <a:t>playcounts</a:t>
-            </a:r>
-            <a:r>
-              <a:rPr kumimoji="0" lang="de-DE" altLang="de-DE" sz="1500" b="0" i="0" u="none" strike="noStrike" cap="none" normalizeH="0" baseline="0" dirty="0">
-                <a:ln>
-                  <a:noFill/>
-                </a:ln>
-                <a:solidFill>
-                  <a:schemeClr val="tx1"/>
-                </a:solidFill>
-                <a:effectLst/>
-                <a:latin typeface="Arial" panose="020B0604020202020204" pitchFamily="34" charset="0"/>
-              </a:rPr>
-              <a:t> (≈93 000–110 000)</a:t>
-            </a:r>
-          </a:p>
-          <a:p>
-            <a:pPr lvl="1" eaLnBrk="0" fontAlgn="base" hangingPunct="0">
-              <a:lnSpc>
-                <a:spcPct val="100000"/>
-              </a:lnSpc>
-              <a:spcBef>
-                <a:spcPct val="0"/>
-              </a:spcBef>
-              <a:spcAft>
-                <a:spcPct val="0"/>
-              </a:spcAft>
-            </a:pPr>
-            <a:r>
-              <a:rPr lang="de-DE" altLang="de-DE" sz="1500" dirty="0" err="1">
-                <a:latin typeface="Arial" panose="020B0604020202020204" pitchFamily="34" charset="0"/>
-              </a:rPr>
-              <a:t>aga</a:t>
-            </a:r>
-            <a:r>
-              <a:rPr kumimoji="0" lang="de-DE" altLang="de-DE" sz="1500" b="0" i="0" u="none" strike="noStrike" cap="none" normalizeH="0" baseline="0" dirty="0" err="1">
-                <a:ln>
-                  <a:noFill/>
-                </a:ln>
-                <a:solidFill>
-                  <a:schemeClr val="tx1"/>
-                </a:solidFill>
-                <a:effectLst/>
-                <a:latin typeface="Arial" panose="020B0604020202020204" pitchFamily="34" charset="0"/>
-              </a:rPr>
-              <a:t>in</a:t>
-            </a:r>
-            <a:r>
-              <a:rPr kumimoji="0" lang="de-DE" altLang="de-DE" sz="1500" b="0" i="0" u="none" strike="noStrike" cap="none" normalizeH="0" baseline="0" dirty="0">
-                <a:ln>
-                  <a:noFill/>
-                </a:ln>
-                <a:solidFill>
-                  <a:schemeClr val="tx1"/>
-                </a:solidFill>
-                <a:effectLst/>
-                <a:latin typeface="Arial" panose="020B0604020202020204" pitchFamily="34" charset="0"/>
-              </a:rPr>
-              <a:t> </a:t>
-            </a:r>
-            <a:r>
-              <a:rPr kumimoji="0" lang="de-DE" altLang="de-DE" sz="1500" b="0" i="0" u="none" strike="noStrike" cap="none" normalizeH="0" baseline="0" dirty="0" err="1">
-                <a:ln>
-                  <a:noFill/>
-                </a:ln>
-                <a:solidFill>
-                  <a:schemeClr val="tx1"/>
-                </a:solidFill>
-                <a:effectLst/>
-                <a:latin typeface="Arial" panose="020B0604020202020204" pitchFamily="34" charset="0"/>
-              </a:rPr>
-              <a:t>with</a:t>
-            </a:r>
-            <a:r>
-              <a:rPr kumimoji="0" lang="de-DE" altLang="de-DE" sz="1500" b="0" i="0" u="none" strike="noStrike" cap="none" normalizeH="0" baseline="0" dirty="0">
-                <a:ln>
-                  <a:noFill/>
-                </a:ln>
-                <a:solidFill>
-                  <a:schemeClr val="tx1"/>
-                </a:solidFill>
-                <a:effectLst/>
-                <a:latin typeface="Arial" panose="020B0604020202020204" pitchFamily="34" charset="0"/>
-              </a:rPr>
-              <a:t> </a:t>
-            </a:r>
-            <a:r>
-              <a:rPr kumimoji="0" lang="de-DE" altLang="de-DE" sz="1500" b="0" i="0" u="none" strike="noStrike" cap="none" normalizeH="0" baseline="0" dirty="0" err="1">
-                <a:ln>
-                  <a:noFill/>
-                </a:ln>
-                <a:solidFill>
-                  <a:schemeClr val="tx1"/>
-                </a:solidFill>
-                <a:effectLst/>
-                <a:latin typeface="Arial" panose="020B0604020202020204" pitchFamily="34" charset="0"/>
-              </a:rPr>
-              <a:t>the</a:t>
-            </a:r>
-            <a:r>
-              <a:rPr kumimoji="0" lang="de-DE" altLang="de-DE" sz="1500" b="0" i="0" u="none" strike="noStrike" cap="none" normalizeH="0" baseline="0" dirty="0">
-                <a:ln>
-                  <a:noFill/>
-                </a:ln>
-                <a:solidFill>
-                  <a:schemeClr val="tx1"/>
-                </a:solidFill>
-                <a:effectLst/>
-                <a:latin typeface="Arial" panose="020B0604020202020204" pitchFamily="34" charset="0"/>
-              </a:rPr>
-              <a:t> US and Russia </a:t>
-            </a:r>
-            <a:r>
-              <a:rPr kumimoji="0" lang="de-DE" altLang="de-DE" sz="1500" b="0" i="0" u="none" strike="noStrike" cap="none" normalizeH="0" baseline="0" dirty="0" err="1">
-                <a:ln>
-                  <a:noFill/>
-                </a:ln>
-                <a:solidFill>
-                  <a:schemeClr val="tx1"/>
-                </a:solidFill>
-                <a:effectLst/>
-                <a:latin typeface="Arial" panose="020B0604020202020204" pitchFamily="34" charset="0"/>
-              </a:rPr>
-              <a:t>largest</a:t>
-            </a:r>
-            <a:endParaRPr kumimoji="0" lang="de-DE" altLang="de-DE" sz="1400" b="0" i="0" u="none" strike="noStrike" cap="none" normalizeH="0" baseline="0" dirty="0">
-              <a:ln>
-                <a:noFill/>
-              </a:ln>
-              <a:solidFill>
-                <a:schemeClr val="tx1"/>
-              </a:solidFill>
-              <a:effectLst/>
-              <a:latin typeface="Arial" panose="020B0604020202020204" pitchFamily="34" charset="0"/>
-            </a:endParaRPr>
-          </a:p>
-          <a:p>
-            <a:pPr eaLnBrk="0" fontAlgn="base" hangingPunct="0">
-              <a:lnSpc>
-                <a:spcPct val="100000"/>
-              </a:lnSpc>
-              <a:spcBef>
-                <a:spcPct val="0"/>
-              </a:spcBef>
-              <a:spcAft>
-                <a:spcPct val="0"/>
-              </a:spcAft>
-            </a:pPr>
-            <a:r>
-              <a:rPr kumimoji="0" lang="de-DE" altLang="de-DE" sz="1800" b="0" i="0" u="none" strike="noStrike" cap="none" normalizeH="0" baseline="0" dirty="0">
-                <a:ln>
-                  <a:noFill/>
-                </a:ln>
-                <a:solidFill>
-                  <a:schemeClr val="tx1"/>
-                </a:solidFill>
-                <a:effectLst/>
-                <a:latin typeface="Arial" panose="020B0604020202020204" pitchFamily="34" charset="0"/>
-              </a:rPr>
-              <a:t>Countries shift rank: </a:t>
-            </a:r>
-          </a:p>
-          <a:p>
-            <a:pPr lvl="1" eaLnBrk="0" fontAlgn="base" hangingPunct="0">
-              <a:lnSpc>
-                <a:spcPct val="100000"/>
-              </a:lnSpc>
-              <a:spcBef>
-                <a:spcPct val="0"/>
-              </a:spcBef>
-              <a:spcAft>
-                <a:spcPct val="0"/>
-              </a:spcAft>
-            </a:pPr>
-            <a:r>
-              <a:rPr kumimoji="0" lang="de-DE" altLang="de-DE" sz="1500" b="0" i="0" u="none" strike="noStrike" cap="none" normalizeH="0" baseline="0" dirty="0">
-                <a:ln>
-                  <a:noFill/>
-                </a:ln>
-                <a:solidFill>
-                  <a:schemeClr val="tx1"/>
-                </a:solidFill>
-                <a:effectLst/>
-                <a:latin typeface="Arial" panose="020B0604020202020204" pitchFamily="34" charset="0"/>
-              </a:rPr>
-              <a:t>e.g., Brazil </a:t>
-            </a:r>
-            <a:r>
-              <a:rPr kumimoji="0" lang="de-DE" altLang="de-DE" sz="1500" b="0" i="0" u="none" strike="noStrike" cap="none" normalizeH="0" baseline="0" dirty="0" err="1">
-                <a:ln>
-                  <a:noFill/>
-                </a:ln>
-                <a:solidFill>
-                  <a:schemeClr val="tx1"/>
-                </a:solidFill>
-                <a:effectLst/>
-                <a:latin typeface="Arial" panose="020B0604020202020204" pitchFamily="34" charset="0"/>
-              </a:rPr>
-              <a:t>moves</a:t>
-            </a:r>
-            <a:r>
-              <a:rPr kumimoji="0" lang="de-DE" altLang="de-DE" sz="1500" b="0" i="0" u="none" strike="noStrike" cap="none" normalizeH="0" baseline="0" dirty="0">
-                <a:ln>
-                  <a:noFill/>
-                </a:ln>
-                <a:solidFill>
-                  <a:schemeClr val="tx1"/>
-                </a:solidFill>
-                <a:effectLst/>
-                <a:latin typeface="Arial" panose="020B0604020202020204" pitchFamily="34" charset="0"/>
-              </a:rPr>
-              <a:t> </a:t>
-            </a:r>
-            <a:r>
-              <a:rPr kumimoji="0" lang="de-DE" altLang="de-DE" sz="1500" b="0" i="0" u="none" strike="noStrike" cap="none" normalizeH="0" baseline="0" dirty="0" err="1">
-                <a:ln>
-                  <a:noFill/>
-                </a:ln>
-                <a:solidFill>
-                  <a:schemeClr val="tx1"/>
-                </a:solidFill>
-                <a:effectLst/>
-                <a:latin typeface="Arial" panose="020B0604020202020204" pitchFamily="34" charset="0"/>
-              </a:rPr>
-              <a:t>from</a:t>
-            </a:r>
-            <a:r>
-              <a:rPr kumimoji="0" lang="de-DE" altLang="de-DE" sz="1500" b="0" i="0" u="none" strike="noStrike" cap="none" normalizeH="0" baseline="0" dirty="0">
-                <a:ln>
-                  <a:noFill/>
-                </a:ln>
-                <a:solidFill>
-                  <a:schemeClr val="tx1"/>
-                </a:solidFill>
-                <a:effectLst/>
-                <a:latin typeface="Arial" panose="020B0604020202020204" pitchFamily="34" charset="0"/>
-              </a:rPr>
-              <a:t> </a:t>
-            </a:r>
-            <a:r>
-              <a:rPr kumimoji="0" lang="de-DE" altLang="de-DE" sz="1500" b="0" i="0" u="none" strike="noStrike" cap="none" normalizeH="0" baseline="0" dirty="0" err="1">
-                <a:ln>
-                  <a:noFill/>
-                </a:ln>
-                <a:solidFill>
-                  <a:schemeClr val="tx1"/>
-                </a:solidFill>
-                <a:effectLst/>
-                <a:latin typeface="Arial" panose="020B0604020202020204" pitchFamily="34" charset="0"/>
-              </a:rPr>
-              <a:t>lowest</a:t>
-            </a:r>
-            <a:r>
-              <a:rPr kumimoji="0" lang="de-DE" altLang="de-DE" sz="1500" b="0" i="0" u="none" strike="noStrike" cap="none" normalizeH="0" baseline="0" dirty="0">
-                <a:ln>
-                  <a:noFill/>
-                </a:ln>
-                <a:solidFill>
-                  <a:schemeClr val="tx1"/>
-                </a:solidFill>
-                <a:effectLst/>
-                <a:latin typeface="Arial" panose="020B0604020202020204" pitchFamily="34" charset="0"/>
-              </a:rPr>
-              <a:t> </a:t>
-            </a:r>
-            <a:r>
-              <a:rPr kumimoji="0" lang="de-DE" altLang="de-DE" sz="1500" b="0" i="0" u="none" strike="noStrike" cap="none" normalizeH="0" baseline="0" dirty="0" err="1">
-                <a:ln>
-                  <a:noFill/>
-                </a:ln>
-                <a:solidFill>
-                  <a:schemeClr val="tx1"/>
-                </a:solidFill>
-                <a:effectLst/>
-                <a:latin typeface="Arial" panose="020B0604020202020204" pitchFamily="34" charset="0"/>
-              </a:rPr>
-              <a:t>medians</a:t>
-            </a:r>
-            <a:r>
-              <a:rPr kumimoji="0" lang="de-DE" altLang="de-DE" sz="1500" b="0" i="0" u="none" strike="noStrike" cap="none" normalizeH="0" baseline="0" dirty="0">
-                <a:ln>
-                  <a:noFill/>
-                </a:ln>
-                <a:solidFill>
-                  <a:schemeClr val="tx1"/>
-                </a:solidFill>
-                <a:effectLst/>
-                <a:latin typeface="Arial" panose="020B0604020202020204" pitchFamily="34" charset="0"/>
-              </a:rPr>
-              <a:t> </a:t>
-            </a:r>
-            <a:br>
-              <a:rPr kumimoji="0" lang="de-DE" altLang="de-DE" sz="1500" b="0" i="0" u="none" strike="noStrike" cap="none" normalizeH="0" baseline="0" dirty="0">
-                <a:ln>
-                  <a:noFill/>
-                </a:ln>
-                <a:solidFill>
-                  <a:schemeClr val="tx1"/>
-                </a:solidFill>
-                <a:effectLst/>
-                <a:latin typeface="Arial" panose="020B0604020202020204" pitchFamily="34" charset="0"/>
-              </a:rPr>
-            </a:br>
-            <a:r>
-              <a:rPr kumimoji="0" lang="de-DE" altLang="de-DE" sz="1500" b="0" i="0" u="none" strike="noStrike" cap="none" normalizeH="0" baseline="0" dirty="0" err="1">
-                <a:ln>
-                  <a:noFill/>
-                </a:ln>
-                <a:solidFill>
-                  <a:schemeClr val="tx1"/>
-                </a:solidFill>
-                <a:effectLst/>
-                <a:latin typeface="Arial" panose="020B0604020202020204" pitchFamily="34" charset="0"/>
-              </a:rPr>
-              <a:t>among</a:t>
-            </a:r>
-            <a:r>
-              <a:rPr kumimoji="0" lang="de-DE" altLang="de-DE" sz="1500" b="0" i="0" u="none" strike="noStrike" cap="none" normalizeH="0" baseline="0" dirty="0">
-                <a:ln>
-                  <a:noFill/>
-                </a:ln>
-                <a:solidFill>
-                  <a:schemeClr val="tx1"/>
-                </a:solidFill>
-                <a:effectLst/>
-                <a:latin typeface="Arial" panose="020B0604020202020204" pitchFamily="34" charset="0"/>
-              </a:rPr>
-              <a:t> </a:t>
-            </a:r>
-            <a:r>
-              <a:rPr kumimoji="0" lang="de-DE" altLang="de-DE" sz="1500" b="0" i="0" u="none" strike="noStrike" cap="none" normalizeH="0" baseline="0" dirty="0" err="1">
-                <a:ln>
-                  <a:noFill/>
-                </a:ln>
-                <a:solidFill>
-                  <a:schemeClr val="tx1"/>
-                </a:solidFill>
-                <a:effectLst/>
-                <a:latin typeface="Arial" panose="020B0604020202020204" pitchFamily="34" charset="0"/>
-              </a:rPr>
-              <a:t>random</a:t>
-            </a:r>
-            <a:r>
-              <a:rPr kumimoji="0" lang="de-DE" altLang="de-DE" sz="1500" b="0" i="0" u="none" strike="noStrike" cap="none" normalizeH="0" baseline="0" dirty="0">
-                <a:ln>
-                  <a:noFill/>
-                </a:ln>
-                <a:solidFill>
-                  <a:schemeClr val="tx1"/>
-                </a:solidFill>
-                <a:effectLst/>
-                <a:latin typeface="Arial" panose="020B0604020202020204" pitchFamily="34" charset="0"/>
-              </a:rPr>
-              <a:t> </a:t>
-            </a:r>
-            <a:r>
-              <a:rPr kumimoji="0" lang="de-DE" altLang="de-DE" sz="1500" b="0" i="0" u="none" strike="noStrike" cap="none" normalizeH="0" baseline="0" dirty="0" err="1">
-                <a:ln>
-                  <a:noFill/>
-                </a:ln>
-                <a:solidFill>
-                  <a:schemeClr val="tx1"/>
-                </a:solidFill>
-                <a:effectLst/>
-                <a:latin typeface="Arial" panose="020B0604020202020204" pitchFamily="34" charset="0"/>
-              </a:rPr>
-              <a:t>users</a:t>
-            </a:r>
-            <a:r>
-              <a:rPr kumimoji="0" lang="de-DE" altLang="de-DE" sz="1500" b="0" i="0" u="none" strike="noStrike" cap="none" normalizeH="0" baseline="0" dirty="0">
-                <a:ln>
-                  <a:noFill/>
-                </a:ln>
-                <a:solidFill>
-                  <a:schemeClr val="tx1"/>
-                </a:solidFill>
-                <a:effectLst/>
-                <a:latin typeface="Arial" panose="020B0604020202020204" pitchFamily="34" charset="0"/>
-              </a:rPr>
-              <a:t> </a:t>
-            </a:r>
-            <a:r>
-              <a:rPr kumimoji="0" lang="de-DE" altLang="de-DE" sz="1500" b="0" i="0" u="none" strike="noStrike" cap="none" normalizeH="0" baseline="0" dirty="0" err="1">
-                <a:ln>
-                  <a:noFill/>
-                </a:ln>
-                <a:solidFill>
-                  <a:schemeClr val="tx1"/>
-                </a:solidFill>
-                <a:effectLst/>
-                <a:latin typeface="Arial" panose="020B0604020202020204" pitchFamily="34" charset="0"/>
-              </a:rPr>
-              <a:t>to</a:t>
-            </a:r>
-            <a:r>
-              <a:rPr kumimoji="0" lang="de-DE" altLang="de-DE" sz="1500" b="0" i="0" u="none" strike="noStrike" cap="none" normalizeH="0" baseline="0" dirty="0">
-                <a:ln>
-                  <a:noFill/>
-                </a:ln>
-                <a:solidFill>
-                  <a:schemeClr val="tx1"/>
-                </a:solidFill>
-                <a:effectLst/>
-                <a:latin typeface="Arial" panose="020B0604020202020204" pitchFamily="34" charset="0"/>
-              </a:rPr>
-              <a:t> high </a:t>
-            </a:r>
-            <a:r>
-              <a:rPr kumimoji="0" lang="de-DE" altLang="de-DE" sz="1500" b="0" i="0" u="none" strike="noStrike" cap="none" normalizeH="0" baseline="0" dirty="0" err="1">
-                <a:ln>
-                  <a:noFill/>
-                </a:ln>
-                <a:solidFill>
-                  <a:schemeClr val="tx1"/>
-                </a:solidFill>
-                <a:effectLst/>
-                <a:latin typeface="Arial" panose="020B0604020202020204" pitchFamily="34" charset="0"/>
-              </a:rPr>
-              <a:t>medians</a:t>
-            </a:r>
-            <a:r>
-              <a:rPr kumimoji="0" lang="de-DE" altLang="de-DE" sz="1500" b="0" i="0" u="none" strike="noStrike" cap="none" normalizeH="0" baseline="0" dirty="0">
-                <a:ln>
-                  <a:noFill/>
-                </a:ln>
-                <a:solidFill>
-                  <a:schemeClr val="tx1"/>
-                </a:solidFill>
-                <a:effectLst/>
-                <a:latin typeface="Arial" panose="020B0604020202020204" pitchFamily="34" charset="0"/>
-              </a:rPr>
-              <a:t> </a:t>
-            </a:r>
-            <a:br>
-              <a:rPr kumimoji="0" lang="de-DE" altLang="de-DE" sz="1500" b="0" i="0" u="none" strike="noStrike" cap="none" normalizeH="0" baseline="0" dirty="0">
-                <a:ln>
-                  <a:noFill/>
-                </a:ln>
-                <a:solidFill>
-                  <a:schemeClr val="tx1"/>
-                </a:solidFill>
-                <a:effectLst/>
-                <a:latin typeface="Arial" panose="020B0604020202020204" pitchFamily="34" charset="0"/>
-              </a:rPr>
-            </a:br>
-            <a:r>
-              <a:rPr kumimoji="0" lang="de-DE" altLang="de-DE" sz="1500" b="0" i="0" u="none" strike="noStrike" cap="none" normalizeH="0" baseline="0" dirty="0" err="1">
-                <a:ln>
-                  <a:noFill/>
-                </a:ln>
-                <a:solidFill>
-                  <a:schemeClr val="tx1"/>
-                </a:solidFill>
-                <a:effectLst/>
-                <a:latin typeface="Arial" panose="020B0604020202020204" pitchFamily="34" charset="0"/>
-              </a:rPr>
-              <a:t>among</a:t>
-            </a:r>
-            <a:r>
-              <a:rPr kumimoji="0" lang="de-DE" altLang="de-DE" sz="1500" b="0" i="0" u="none" strike="noStrike" cap="none" normalizeH="0" baseline="0" dirty="0">
-                <a:ln>
-                  <a:noFill/>
-                </a:ln>
-                <a:solidFill>
-                  <a:schemeClr val="tx1"/>
-                </a:solidFill>
-                <a:effectLst/>
-                <a:latin typeface="Arial" panose="020B0604020202020204" pitchFamily="34" charset="0"/>
-              </a:rPr>
-              <a:t> top </a:t>
-            </a:r>
-            <a:r>
-              <a:rPr kumimoji="0" lang="de-DE" altLang="de-DE" sz="1500" b="0" i="0" u="none" strike="noStrike" cap="none" normalizeH="0" baseline="0" dirty="0" err="1">
-                <a:ln>
-                  <a:noFill/>
-                </a:ln>
-                <a:solidFill>
-                  <a:schemeClr val="tx1"/>
-                </a:solidFill>
-                <a:effectLst/>
-                <a:latin typeface="Arial" panose="020B0604020202020204" pitchFamily="34" charset="0"/>
-              </a:rPr>
-              <a:t>users</a:t>
-            </a:r>
-            <a:endParaRPr kumimoji="0" lang="de-DE" altLang="de-DE" sz="1500" b="0" i="0" u="none" strike="noStrike" cap="none" normalizeH="0" baseline="0" dirty="0">
-              <a:ln>
-                <a:noFill/>
-              </a:ln>
-              <a:solidFill>
-                <a:schemeClr val="tx1"/>
-              </a:solidFill>
-              <a:effectLst/>
-              <a:latin typeface="Arial" panose="020B0604020202020204" pitchFamily="34" charset="0"/>
-            </a:endParaRPr>
-          </a:p>
-          <a:p>
-            <a:pPr eaLnBrk="0" fontAlgn="base" hangingPunct="0">
-              <a:lnSpc>
-                <a:spcPct val="100000"/>
-              </a:lnSpc>
-              <a:spcBef>
-                <a:spcPct val="0"/>
-              </a:spcBef>
-              <a:spcAft>
-                <a:spcPct val="0"/>
-              </a:spcAft>
-            </a:pPr>
-            <a:r>
-              <a:rPr kumimoji="0" lang="de-DE" altLang="de-DE" sz="1800" b="0" i="0" u="none" strike="noStrike" cap="none" normalizeH="0" baseline="0" dirty="0">
-                <a:ln>
-                  <a:noFill/>
-                </a:ln>
-                <a:solidFill>
-                  <a:schemeClr val="tx1"/>
-                </a:solidFill>
-                <a:effectLst/>
-                <a:latin typeface="Arial" panose="020B0604020202020204" pitchFamily="34" charset="0"/>
-              </a:rPr>
-              <a:t>The </a:t>
-            </a:r>
-            <a:r>
-              <a:rPr kumimoji="0" lang="de-DE" altLang="de-DE" sz="1800" b="0" i="0" u="none" strike="noStrike" cap="none" normalizeH="0" baseline="0" dirty="0" err="1">
-                <a:ln>
-                  <a:noFill/>
-                </a:ln>
-                <a:solidFill>
-                  <a:schemeClr val="tx1"/>
-                </a:solidFill>
-                <a:effectLst/>
-                <a:latin typeface="Arial" panose="020B0604020202020204" pitchFamily="34" charset="0"/>
-              </a:rPr>
-              <a:t>vertical</a:t>
-            </a:r>
-            <a:r>
-              <a:rPr kumimoji="0" lang="de-DE" altLang="de-DE" sz="1800" b="0" i="0" u="none" strike="noStrike" cap="none" normalizeH="0" baseline="0" dirty="0">
-                <a:ln>
-                  <a:noFill/>
-                </a:ln>
-                <a:solidFill>
-                  <a:schemeClr val="tx1"/>
-                </a:solidFill>
-                <a:effectLst/>
-                <a:latin typeface="Arial" panose="020B0604020202020204" pitchFamily="34" charset="0"/>
-              </a:rPr>
-              <a:t> </a:t>
-            </a:r>
-            <a:r>
-              <a:rPr kumimoji="0" lang="de-DE" altLang="de-DE" sz="1800" b="0" i="0" u="none" strike="noStrike" cap="none" normalizeH="0" baseline="0" dirty="0" err="1">
-                <a:ln>
-                  <a:noFill/>
-                </a:ln>
-                <a:solidFill>
-                  <a:schemeClr val="tx1"/>
-                </a:solidFill>
-                <a:effectLst/>
-                <a:latin typeface="Arial" panose="020B0604020202020204" pitchFamily="34" charset="0"/>
-              </a:rPr>
-              <a:t>gap</a:t>
-            </a:r>
-            <a:r>
-              <a:rPr kumimoji="0" lang="de-DE" altLang="de-DE" sz="1800" b="0" i="0" u="none" strike="noStrike" cap="none" normalizeH="0" baseline="0" dirty="0">
-                <a:ln>
-                  <a:noFill/>
-                </a:ln>
-                <a:solidFill>
-                  <a:schemeClr val="tx1"/>
-                </a:solidFill>
-                <a:effectLst/>
-                <a:latin typeface="Arial" panose="020B0604020202020204" pitchFamily="34" charset="0"/>
-              </a:rPr>
-              <a:t> </a:t>
-            </a:r>
-            <a:r>
-              <a:rPr kumimoji="0" lang="de-DE" altLang="de-DE" sz="1800" b="0" i="0" u="none" strike="noStrike" cap="none" normalizeH="0" baseline="0" dirty="0" err="1">
-                <a:ln>
-                  <a:noFill/>
-                </a:ln>
-                <a:solidFill>
-                  <a:schemeClr val="tx1"/>
-                </a:solidFill>
-                <a:effectLst/>
-                <a:latin typeface="Arial" panose="020B0604020202020204" pitchFamily="34" charset="0"/>
-              </a:rPr>
-              <a:t>between</a:t>
-            </a:r>
-            <a:r>
-              <a:rPr kumimoji="0" lang="de-DE" altLang="de-DE" sz="1800" b="0" i="0" u="none" strike="noStrike" cap="none" normalizeH="0" baseline="0" dirty="0">
-                <a:ln>
-                  <a:noFill/>
-                </a:ln>
-                <a:solidFill>
-                  <a:schemeClr val="tx1"/>
-                </a:solidFill>
-                <a:effectLst/>
-                <a:latin typeface="Arial" panose="020B0604020202020204" pitchFamily="34" charset="0"/>
-              </a:rPr>
-              <a:t> </a:t>
-            </a:r>
-            <a:r>
-              <a:rPr kumimoji="0" lang="de-DE" altLang="de-DE" sz="1800" b="0" i="0" u="none" strike="noStrike" cap="none" normalizeH="0" baseline="0" dirty="0" err="1">
-                <a:ln>
-                  <a:noFill/>
-                </a:ln>
-                <a:solidFill>
-                  <a:schemeClr val="tx1"/>
-                </a:solidFill>
-                <a:effectLst/>
-                <a:latin typeface="Arial" panose="020B0604020202020204" pitchFamily="34" charset="0"/>
-              </a:rPr>
-              <a:t>plots</a:t>
-            </a:r>
-            <a:endParaRPr lang="de-DE" altLang="de-DE" sz="1800" dirty="0">
-              <a:latin typeface="Arial" panose="020B0604020202020204" pitchFamily="34" charset="0"/>
-            </a:endParaRPr>
-          </a:p>
-          <a:p>
-            <a:pPr lvl="1" eaLnBrk="0" fontAlgn="base" hangingPunct="0">
-              <a:lnSpc>
-                <a:spcPct val="100000"/>
-              </a:lnSpc>
-              <a:spcBef>
-                <a:spcPct val="0"/>
-              </a:spcBef>
-              <a:spcAft>
-                <a:spcPct val="0"/>
-              </a:spcAft>
-            </a:pPr>
-            <a:r>
-              <a:rPr kumimoji="0" lang="de-DE" altLang="de-DE" sz="1500" b="0" i="0" u="none" strike="noStrike" cap="none" normalizeH="0" baseline="0" dirty="0">
-                <a:ln>
-                  <a:noFill/>
-                </a:ln>
-                <a:solidFill>
-                  <a:schemeClr val="tx1"/>
-                </a:solidFill>
-                <a:effectLst/>
-                <a:latin typeface="Arial" panose="020B0604020202020204" pitchFamily="34" charset="0"/>
-              </a:rPr>
-              <a:t>top </a:t>
-            </a:r>
-            <a:r>
-              <a:rPr kumimoji="0" lang="de-DE" altLang="de-DE" sz="1500" b="0" i="0" u="none" strike="noStrike" cap="none" normalizeH="0" baseline="0" dirty="0" err="1">
-                <a:ln>
-                  <a:noFill/>
-                </a:ln>
-                <a:solidFill>
-                  <a:schemeClr val="tx1"/>
-                </a:solidFill>
-                <a:effectLst/>
-                <a:latin typeface="Arial" panose="020B0604020202020204" pitchFamily="34" charset="0"/>
-              </a:rPr>
-              <a:t>users</a:t>
-            </a:r>
-            <a:r>
-              <a:rPr kumimoji="0" lang="de-DE" altLang="de-DE" sz="1500" b="0" i="0" u="none" strike="noStrike" cap="none" normalizeH="0" baseline="0" dirty="0">
-                <a:ln>
-                  <a:noFill/>
-                </a:ln>
-                <a:solidFill>
-                  <a:schemeClr val="tx1"/>
-                </a:solidFill>
-                <a:effectLst/>
-                <a:latin typeface="Arial" panose="020B0604020202020204" pitchFamily="34" charset="0"/>
-              </a:rPr>
-              <a:t> </a:t>
-            </a:r>
-            <a:r>
-              <a:rPr kumimoji="0" lang="de-DE" altLang="de-DE" sz="1500" b="0" i="0" u="none" strike="noStrike" cap="none" normalizeH="0" baseline="0" dirty="0" err="1">
-                <a:ln>
-                  <a:noFill/>
-                </a:ln>
-                <a:solidFill>
-                  <a:schemeClr val="tx1"/>
-                </a:solidFill>
-                <a:effectLst/>
-                <a:latin typeface="Arial" panose="020B0604020202020204" pitchFamily="34" charset="0"/>
-              </a:rPr>
-              <a:t>play</a:t>
-            </a:r>
-            <a:r>
-              <a:rPr kumimoji="0" lang="de-DE" altLang="de-DE" sz="1500" b="0" i="0" u="none" strike="noStrike" cap="none" normalizeH="0" baseline="0" dirty="0">
-                <a:ln>
-                  <a:noFill/>
-                </a:ln>
-                <a:solidFill>
-                  <a:schemeClr val="tx1"/>
-                </a:solidFill>
-                <a:effectLst/>
-                <a:latin typeface="Arial" panose="020B0604020202020204" pitchFamily="34" charset="0"/>
-              </a:rPr>
-              <a:t> </a:t>
-            </a:r>
-            <a:r>
-              <a:rPr kumimoji="0" lang="de-DE" altLang="de-DE" sz="1500" b="0" i="0" u="none" strike="noStrike" cap="none" normalizeH="0" baseline="0" dirty="0" err="1">
-                <a:ln>
-                  <a:noFill/>
-                </a:ln>
-                <a:solidFill>
-                  <a:schemeClr val="tx1"/>
-                </a:solidFill>
-                <a:effectLst/>
-                <a:latin typeface="Arial" panose="020B0604020202020204" pitchFamily="34" charset="0"/>
-              </a:rPr>
-              <a:t>dozens</a:t>
-            </a:r>
-            <a:r>
-              <a:rPr kumimoji="0" lang="de-DE" altLang="de-DE" sz="1500" b="0" i="0" u="none" strike="noStrike" cap="none" normalizeH="0" baseline="0" dirty="0">
-                <a:ln>
-                  <a:noFill/>
-                </a:ln>
-                <a:solidFill>
-                  <a:schemeClr val="tx1"/>
-                </a:solidFill>
-                <a:effectLst/>
-                <a:latin typeface="Arial" panose="020B0604020202020204" pitchFamily="34" charset="0"/>
-              </a:rPr>
-              <a:t> </a:t>
-            </a:r>
-            <a:r>
-              <a:rPr kumimoji="0" lang="de-DE" altLang="de-DE" sz="1500" b="0" i="0" u="none" strike="noStrike" cap="none" normalizeH="0" baseline="0" dirty="0" err="1">
-                <a:ln>
-                  <a:noFill/>
-                </a:ln>
-                <a:solidFill>
-                  <a:schemeClr val="tx1"/>
-                </a:solidFill>
-                <a:effectLst/>
-                <a:latin typeface="Arial" panose="020B0604020202020204" pitchFamily="34" charset="0"/>
-              </a:rPr>
-              <a:t>of</a:t>
-            </a:r>
-            <a:r>
-              <a:rPr kumimoji="0" lang="de-DE" altLang="de-DE" sz="1500" b="0" i="0" u="none" strike="noStrike" cap="none" normalizeH="0" baseline="0" dirty="0">
-                <a:ln>
-                  <a:noFill/>
-                </a:ln>
-                <a:solidFill>
-                  <a:schemeClr val="tx1"/>
-                </a:solidFill>
-                <a:effectLst/>
-                <a:latin typeface="Arial" panose="020B0604020202020204" pitchFamily="34" charset="0"/>
-              </a:rPr>
-              <a:t> </a:t>
-            </a:r>
-            <a:r>
-              <a:rPr kumimoji="0" lang="de-DE" altLang="de-DE" sz="1500" b="0" i="0" u="none" strike="noStrike" cap="none" normalizeH="0" baseline="0" dirty="0" err="1">
-                <a:ln>
-                  <a:noFill/>
-                </a:ln>
-                <a:solidFill>
-                  <a:schemeClr val="tx1"/>
-                </a:solidFill>
-                <a:effectLst/>
-                <a:latin typeface="Arial" panose="020B0604020202020204" pitchFamily="34" charset="0"/>
-              </a:rPr>
-              <a:t>times</a:t>
-            </a:r>
-            <a:r>
-              <a:rPr kumimoji="0" lang="de-DE" altLang="de-DE" sz="1500" b="0" i="0" u="none" strike="noStrike" cap="none" normalizeH="0" baseline="0" dirty="0">
-                <a:ln>
-                  <a:noFill/>
-                </a:ln>
-                <a:solidFill>
-                  <a:schemeClr val="tx1"/>
-                </a:solidFill>
-                <a:effectLst/>
-                <a:latin typeface="Arial" panose="020B0604020202020204" pitchFamily="34" charset="0"/>
-              </a:rPr>
-              <a:t> </a:t>
-            </a:r>
-            <a:r>
-              <a:rPr kumimoji="0" lang="de-DE" altLang="de-DE" sz="1500" b="0" i="0" u="none" strike="noStrike" cap="none" normalizeH="0" baseline="0" dirty="0" err="1">
-                <a:ln>
-                  <a:noFill/>
-                </a:ln>
-                <a:solidFill>
-                  <a:schemeClr val="tx1"/>
-                </a:solidFill>
-                <a:effectLst/>
-                <a:latin typeface="Arial" panose="020B0604020202020204" pitchFamily="34" charset="0"/>
-              </a:rPr>
-              <a:t>more</a:t>
-            </a:r>
-            <a:r>
-              <a:rPr kumimoji="0" lang="de-DE" altLang="de-DE" sz="1500" b="0" i="0" u="none" strike="noStrike" cap="none" normalizeH="0" baseline="0" dirty="0">
-                <a:ln>
-                  <a:noFill/>
-                </a:ln>
-                <a:solidFill>
-                  <a:schemeClr val="tx1"/>
-                </a:solidFill>
-                <a:effectLst/>
-                <a:latin typeface="Arial" panose="020B0604020202020204" pitchFamily="34" charset="0"/>
-              </a:rPr>
-              <a:t> </a:t>
-            </a:r>
-            <a:r>
-              <a:rPr kumimoji="0" lang="de-DE" altLang="de-DE" sz="1500" b="0" i="0" u="none" strike="noStrike" cap="none" normalizeH="0" baseline="0" dirty="0" err="1">
-                <a:ln>
-                  <a:noFill/>
-                </a:ln>
-                <a:solidFill>
-                  <a:schemeClr val="tx1"/>
-                </a:solidFill>
-                <a:effectLst/>
-                <a:latin typeface="Arial" panose="020B0604020202020204" pitchFamily="34" charset="0"/>
-              </a:rPr>
-              <a:t>than</a:t>
-            </a:r>
-            <a:r>
-              <a:rPr kumimoji="0" lang="de-DE" altLang="de-DE" sz="1500" b="0" i="0" u="none" strike="noStrike" cap="none" normalizeH="0" baseline="0" dirty="0">
-                <a:ln>
-                  <a:noFill/>
-                </a:ln>
-                <a:solidFill>
-                  <a:schemeClr val="tx1"/>
-                </a:solidFill>
-                <a:effectLst/>
-                <a:latin typeface="Arial" panose="020B0604020202020204" pitchFamily="34" charset="0"/>
-              </a:rPr>
-              <a:t> </a:t>
-            </a:r>
-            <a:br>
-              <a:rPr kumimoji="0" lang="de-DE" altLang="de-DE" sz="1500" b="0" i="0" u="none" strike="noStrike" cap="none" normalizeH="0" baseline="0" dirty="0">
-                <a:ln>
-                  <a:noFill/>
-                </a:ln>
-                <a:solidFill>
-                  <a:schemeClr val="tx1"/>
-                </a:solidFill>
-                <a:effectLst/>
-                <a:latin typeface="Arial" panose="020B0604020202020204" pitchFamily="34" charset="0"/>
-              </a:rPr>
-            </a:br>
-            <a:r>
-              <a:rPr kumimoji="0" lang="de-DE" altLang="de-DE" sz="1500" b="0" i="0" u="none" strike="noStrike" cap="none" normalizeH="0" baseline="0" dirty="0" err="1">
-                <a:ln>
-                  <a:noFill/>
-                </a:ln>
-                <a:solidFill>
-                  <a:schemeClr val="tx1"/>
-                </a:solidFill>
-                <a:effectLst/>
-                <a:latin typeface="Arial" panose="020B0604020202020204" pitchFamily="34" charset="0"/>
-              </a:rPr>
-              <a:t>random</a:t>
-            </a:r>
-            <a:r>
-              <a:rPr kumimoji="0" lang="de-DE" altLang="de-DE" sz="1500" b="0" i="0" u="none" strike="noStrike" cap="none" normalizeH="0" baseline="0" dirty="0">
-                <a:ln>
-                  <a:noFill/>
-                </a:ln>
-                <a:solidFill>
-                  <a:schemeClr val="tx1"/>
-                </a:solidFill>
-                <a:effectLst/>
-                <a:latin typeface="Arial" panose="020B0604020202020204" pitchFamily="34" charset="0"/>
-              </a:rPr>
-              <a:t> </a:t>
-            </a:r>
-            <a:r>
-              <a:rPr kumimoji="0" lang="de-DE" altLang="de-DE" sz="1500" b="0" i="0" u="none" strike="noStrike" cap="none" normalizeH="0" baseline="0" dirty="0" err="1">
-                <a:ln>
-                  <a:noFill/>
-                </a:ln>
-                <a:solidFill>
-                  <a:schemeClr val="tx1"/>
-                </a:solidFill>
-                <a:effectLst/>
-                <a:latin typeface="Arial" panose="020B0604020202020204" pitchFamily="34" charset="0"/>
-              </a:rPr>
-              <a:t>ones</a:t>
-            </a:r>
-            <a:endParaRPr kumimoji="0" lang="de-DE" altLang="de-DE" sz="1500" b="0" i="0" u="none" strike="noStrike" cap="none" normalizeH="0" baseline="0" dirty="0">
-              <a:ln>
-                <a:noFill/>
-              </a:ln>
-              <a:solidFill>
-                <a:schemeClr val="tx1"/>
-              </a:solidFill>
-              <a:effectLst/>
-              <a:latin typeface="Arial" panose="020B0604020202020204" pitchFamily="34" charset="0"/>
-            </a:endParaRPr>
-          </a:p>
-          <a:p>
-            <a:pPr eaLnBrk="0" fontAlgn="base" hangingPunct="0">
-              <a:lnSpc>
-                <a:spcPct val="100000"/>
-              </a:lnSpc>
-              <a:spcBef>
-                <a:spcPct val="0"/>
-              </a:spcBef>
-              <a:spcAft>
-                <a:spcPct val="0"/>
-              </a:spcAft>
-            </a:pPr>
-            <a:r>
-              <a:rPr kumimoji="0" lang="de-DE" altLang="de-DE" sz="1800" b="0" i="0" u="none" strike="noStrike" cap="none" normalizeH="0" baseline="0" dirty="0">
-                <a:ln>
-                  <a:noFill/>
-                </a:ln>
-                <a:solidFill>
-                  <a:schemeClr val="tx1"/>
-                </a:solidFill>
-                <a:effectLst/>
-                <a:latin typeface="Arial" panose="020B0604020202020204" pitchFamily="34" charset="0"/>
-              </a:rPr>
-              <a:t>Bubble </a:t>
-            </a:r>
-            <a:r>
-              <a:rPr kumimoji="0" lang="de-DE" altLang="de-DE" sz="1800" b="0" i="0" u="none" strike="noStrike" cap="none" normalizeH="0" baseline="0" dirty="0" err="1">
-                <a:ln>
-                  <a:noFill/>
-                </a:ln>
-                <a:solidFill>
-                  <a:schemeClr val="tx1"/>
-                </a:solidFill>
-                <a:effectLst/>
-                <a:latin typeface="Arial" panose="020B0604020202020204" pitchFamily="34" charset="0"/>
-              </a:rPr>
-              <a:t>sizes</a:t>
-            </a:r>
-            <a:r>
-              <a:rPr kumimoji="0" lang="de-DE" altLang="de-DE" sz="1800" b="0" i="0" u="none" strike="noStrike" cap="none" normalizeH="0" baseline="0" dirty="0">
-                <a:ln>
-                  <a:noFill/>
-                </a:ln>
-                <a:solidFill>
-                  <a:schemeClr val="tx1"/>
-                </a:solidFill>
-                <a:effectLst/>
-                <a:latin typeface="Arial" panose="020B0604020202020204" pitchFamily="34" charset="0"/>
-              </a:rPr>
-              <a:t> (</a:t>
-            </a:r>
-            <a:r>
-              <a:rPr kumimoji="0" lang="de-DE" altLang="de-DE" sz="1800" b="0" i="0" u="none" strike="noStrike" cap="none" normalizeH="0" baseline="0" dirty="0" err="1">
-                <a:ln>
-                  <a:noFill/>
-                </a:ln>
-                <a:solidFill>
-                  <a:schemeClr val="tx1"/>
-                </a:solidFill>
-                <a:effectLst/>
-                <a:latin typeface="Arial" panose="020B0604020202020204" pitchFamily="34" charset="0"/>
-              </a:rPr>
-              <a:t>user</a:t>
-            </a:r>
-            <a:r>
-              <a:rPr kumimoji="0" lang="de-DE" altLang="de-DE" sz="1800" b="0" i="0" u="none" strike="noStrike" cap="none" normalizeH="0" baseline="0" dirty="0">
-                <a:ln>
-                  <a:noFill/>
-                </a:ln>
-                <a:solidFill>
-                  <a:schemeClr val="tx1"/>
-                </a:solidFill>
-                <a:effectLst/>
-                <a:latin typeface="Arial" panose="020B0604020202020204" pitchFamily="34" charset="0"/>
-              </a:rPr>
-              <a:t> </a:t>
-            </a:r>
-            <a:r>
-              <a:rPr kumimoji="0" lang="de-DE" altLang="de-DE" sz="1800" b="0" i="0" u="none" strike="noStrike" cap="none" normalizeH="0" baseline="0" dirty="0" err="1">
-                <a:ln>
-                  <a:noFill/>
-                </a:ln>
-                <a:solidFill>
-                  <a:schemeClr val="tx1"/>
-                </a:solidFill>
-                <a:effectLst/>
-                <a:latin typeface="Arial" panose="020B0604020202020204" pitchFamily="34" charset="0"/>
-              </a:rPr>
-              <a:t>population</a:t>
-            </a:r>
-            <a:r>
-              <a:rPr kumimoji="0" lang="de-DE" altLang="de-DE" sz="1800" b="0" i="0" u="none" strike="noStrike" cap="none" normalizeH="0" baseline="0" dirty="0">
-                <a:ln>
-                  <a:noFill/>
-                </a:ln>
-                <a:solidFill>
-                  <a:schemeClr val="tx1"/>
-                </a:solidFill>
-                <a:effectLst/>
-                <a:latin typeface="Arial" panose="020B0604020202020204" pitchFamily="34" charset="0"/>
-              </a:rPr>
-              <a:t>) </a:t>
-            </a:r>
-            <a:endParaRPr lang="de-DE" altLang="de-DE" sz="1800" dirty="0">
-              <a:latin typeface="Arial" panose="020B0604020202020204" pitchFamily="34" charset="0"/>
-            </a:endParaRPr>
-          </a:p>
-          <a:p>
-            <a:pPr lvl="1" eaLnBrk="0" fontAlgn="base" hangingPunct="0">
-              <a:lnSpc>
-                <a:spcPct val="100000"/>
-              </a:lnSpc>
-              <a:spcBef>
-                <a:spcPct val="0"/>
-              </a:spcBef>
-              <a:spcAft>
-                <a:spcPct val="0"/>
-              </a:spcAft>
-            </a:pPr>
-            <a:r>
-              <a:rPr kumimoji="0" lang="de-DE" altLang="de-DE" sz="1500" b="0" i="0" u="none" strike="noStrike" cap="none" normalizeH="0" baseline="0" dirty="0" err="1">
-                <a:ln>
-                  <a:noFill/>
-                </a:ln>
-                <a:solidFill>
-                  <a:schemeClr val="tx1"/>
-                </a:solidFill>
-                <a:effectLst/>
-                <a:latin typeface="Arial" panose="020B0604020202020204" pitchFamily="34" charset="0"/>
-              </a:rPr>
-              <a:t>remain</a:t>
-            </a:r>
-            <a:r>
-              <a:rPr kumimoji="0" lang="de-DE" altLang="de-DE" sz="1500" b="0" i="0" u="none" strike="noStrike" cap="none" normalizeH="0" baseline="0" dirty="0">
-                <a:ln>
-                  <a:noFill/>
-                </a:ln>
-                <a:solidFill>
-                  <a:schemeClr val="tx1"/>
-                </a:solidFill>
-                <a:effectLst/>
-                <a:latin typeface="Arial" panose="020B0604020202020204" pitchFamily="34" charset="0"/>
-              </a:rPr>
-              <a:t> </a:t>
-            </a:r>
-            <a:r>
-              <a:rPr kumimoji="0" lang="de-DE" altLang="de-DE" sz="1500" b="0" i="0" u="none" strike="noStrike" cap="none" normalizeH="0" baseline="0" dirty="0" err="1">
-                <a:ln>
-                  <a:noFill/>
-                </a:ln>
-                <a:solidFill>
-                  <a:schemeClr val="tx1"/>
-                </a:solidFill>
-                <a:effectLst/>
-                <a:latin typeface="Arial" panose="020B0604020202020204" pitchFamily="34" charset="0"/>
-              </a:rPr>
-              <a:t>similar</a:t>
-            </a:r>
-            <a:r>
-              <a:rPr kumimoji="0" lang="de-DE" altLang="de-DE" sz="1500" b="0" i="0" u="none" strike="noStrike" cap="none" normalizeH="0" baseline="0" dirty="0">
-                <a:ln>
-                  <a:noFill/>
-                </a:ln>
-                <a:solidFill>
-                  <a:schemeClr val="tx1"/>
-                </a:solidFill>
-                <a:effectLst/>
-                <a:latin typeface="Arial" panose="020B0604020202020204" pitchFamily="34" charset="0"/>
-              </a:rPr>
-              <a:t> in relative </a:t>
-            </a:r>
-            <a:r>
-              <a:rPr kumimoji="0" lang="de-DE" altLang="de-DE" sz="1500" b="0" i="0" u="none" strike="noStrike" cap="none" normalizeH="0" baseline="0" dirty="0" err="1">
-                <a:ln>
-                  <a:noFill/>
-                </a:ln>
-                <a:solidFill>
-                  <a:schemeClr val="tx1"/>
-                </a:solidFill>
-                <a:effectLst/>
-                <a:latin typeface="Arial" panose="020B0604020202020204" pitchFamily="34" charset="0"/>
-              </a:rPr>
-              <a:t>order</a:t>
-            </a:r>
-            <a:r>
-              <a:rPr kumimoji="0" lang="de-DE" altLang="de-DE" sz="1500" b="0" i="0" u="none" strike="noStrike" cap="none" normalizeH="0" baseline="0" dirty="0">
-                <a:ln>
-                  <a:noFill/>
-                </a:ln>
-                <a:solidFill>
-                  <a:schemeClr val="tx1"/>
-                </a:solidFill>
-                <a:effectLst/>
-                <a:latin typeface="Arial" panose="020B0604020202020204" pitchFamily="34" charset="0"/>
-              </a:rPr>
-              <a:t> </a:t>
-            </a:r>
-          </a:p>
-          <a:p>
-            <a:pPr lvl="1" eaLnBrk="0" fontAlgn="base" hangingPunct="0">
-              <a:lnSpc>
-                <a:spcPct val="100000"/>
-              </a:lnSpc>
-              <a:spcBef>
-                <a:spcPct val="0"/>
-              </a:spcBef>
-              <a:spcAft>
-                <a:spcPct val="0"/>
-              </a:spcAft>
-            </a:pPr>
-            <a:r>
-              <a:rPr lang="de-DE" altLang="de-DE" sz="1500" dirty="0">
-                <a:latin typeface="Arial" panose="020B0604020202020204" pitchFamily="34" charset="0"/>
-              </a:rPr>
-              <a:t>s</a:t>
-            </a:r>
-            <a:r>
-              <a:rPr kumimoji="0" lang="de-DE" altLang="de-DE" sz="1500" b="0" i="0" u="none" strike="noStrike" cap="none" normalizeH="0" baseline="0" dirty="0">
-                <a:ln>
-                  <a:noFill/>
-                </a:ln>
-                <a:solidFill>
-                  <a:schemeClr val="tx1"/>
-                </a:solidFill>
-                <a:effectLst/>
-                <a:latin typeface="Arial" panose="020B0604020202020204" pitchFamily="34" charset="0"/>
-              </a:rPr>
-              <a:t>hift </a:t>
-            </a:r>
-            <a:r>
-              <a:rPr kumimoji="0" lang="de-DE" altLang="de-DE" sz="1500" b="0" i="0" u="none" strike="noStrike" cap="none" normalizeH="0" baseline="0" dirty="0" err="1">
-                <a:ln>
-                  <a:noFill/>
-                </a:ln>
-                <a:solidFill>
-                  <a:schemeClr val="tx1"/>
-                </a:solidFill>
-                <a:effectLst/>
-                <a:latin typeface="Arial" panose="020B0604020202020204" pitchFamily="34" charset="0"/>
-              </a:rPr>
-              <a:t>right</a:t>
-            </a:r>
-            <a:r>
-              <a:rPr kumimoji="0" lang="de-DE" altLang="de-DE" sz="1500" b="0" i="0" u="none" strike="noStrike" cap="none" normalizeH="0" baseline="0" dirty="0">
-                <a:ln>
-                  <a:noFill/>
-                </a:ln>
-                <a:solidFill>
-                  <a:schemeClr val="tx1"/>
-                </a:solidFill>
-                <a:effectLst/>
-                <a:latin typeface="Arial" panose="020B0604020202020204" pitchFamily="34" charset="0"/>
-              </a:rPr>
-              <a:t>/</a:t>
-            </a:r>
-            <a:r>
-              <a:rPr kumimoji="0" lang="de-DE" altLang="de-DE" sz="1500" b="0" i="0" u="none" strike="noStrike" cap="none" normalizeH="0" baseline="0" dirty="0" err="1">
-                <a:ln>
-                  <a:noFill/>
-                </a:ln>
-                <a:solidFill>
-                  <a:schemeClr val="tx1"/>
-                </a:solidFill>
-                <a:effectLst/>
-                <a:latin typeface="Arial" panose="020B0604020202020204" pitchFamily="34" charset="0"/>
-              </a:rPr>
-              <a:t>up</a:t>
-            </a:r>
-            <a:r>
-              <a:rPr kumimoji="0" lang="de-DE" altLang="de-DE" sz="1500" b="0" i="0" u="none" strike="noStrike" cap="none" normalizeH="0" baseline="0" dirty="0">
-                <a:ln>
-                  <a:noFill/>
-                </a:ln>
-                <a:solidFill>
-                  <a:schemeClr val="tx1"/>
-                </a:solidFill>
-                <a:effectLst/>
-                <a:latin typeface="Arial" panose="020B0604020202020204" pitchFamily="34" charset="0"/>
-              </a:rPr>
-              <a:t> </a:t>
-            </a:r>
-            <a:r>
-              <a:rPr kumimoji="0" lang="de-DE" altLang="de-DE" sz="1500" b="0" i="0" u="none" strike="noStrike" cap="none" normalizeH="0" baseline="0" dirty="0" err="1">
-                <a:ln>
-                  <a:noFill/>
-                </a:ln>
-                <a:solidFill>
-                  <a:schemeClr val="tx1"/>
-                </a:solidFill>
-                <a:effectLst/>
-                <a:latin typeface="Arial" panose="020B0604020202020204" pitchFamily="34" charset="0"/>
-              </a:rPr>
-              <a:t>dramatically</a:t>
-            </a:r>
-            <a:r>
-              <a:rPr kumimoji="0" lang="de-DE" altLang="de-DE" sz="1500" b="0" i="0" u="none" strike="noStrike" cap="none" normalizeH="0" baseline="0" dirty="0">
-                <a:ln>
-                  <a:noFill/>
-                </a:ln>
-                <a:solidFill>
-                  <a:schemeClr val="tx1"/>
-                </a:solidFill>
-                <a:effectLst/>
-                <a:latin typeface="Arial" panose="020B0604020202020204" pitchFamily="34" charset="0"/>
-              </a:rPr>
-              <a:t> </a:t>
-            </a:r>
-            <a:r>
-              <a:rPr kumimoji="0" lang="de-DE" altLang="de-DE" sz="1500" b="0" i="0" u="none" strike="noStrike" cap="none" normalizeH="0" baseline="0" dirty="0" err="1">
-                <a:ln>
-                  <a:noFill/>
-                </a:ln>
-                <a:solidFill>
-                  <a:schemeClr val="tx1"/>
-                </a:solidFill>
-                <a:effectLst/>
-                <a:latin typeface="Arial" panose="020B0604020202020204" pitchFamily="34" charset="0"/>
-              </a:rPr>
-              <a:t>for</a:t>
-            </a:r>
-            <a:r>
-              <a:rPr kumimoji="0" lang="de-DE" altLang="de-DE" sz="1500" b="0" i="0" u="none" strike="noStrike" cap="none" normalizeH="0" baseline="0" dirty="0">
-                <a:ln>
-                  <a:noFill/>
-                </a:ln>
-                <a:solidFill>
-                  <a:schemeClr val="tx1"/>
-                </a:solidFill>
-                <a:effectLst/>
-                <a:latin typeface="Arial" panose="020B0604020202020204" pitchFamily="34" charset="0"/>
-              </a:rPr>
-              <a:t> top </a:t>
-            </a:r>
-            <a:r>
-              <a:rPr kumimoji="0" lang="de-DE" altLang="de-DE" sz="1500" b="0" i="0" u="none" strike="noStrike" cap="none" normalizeH="0" baseline="0" dirty="0" err="1">
-                <a:ln>
-                  <a:noFill/>
-                </a:ln>
-                <a:solidFill>
-                  <a:schemeClr val="tx1"/>
-                </a:solidFill>
-                <a:effectLst/>
-                <a:latin typeface="Arial" panose="020B0604020202020204" pitchFamily="34" charset="0"/>
-              </a:rPr>
-              <a:t>users</a:t>
-            </a:r>
-            <a:endParaRPr kumimoji="0" lang="de-DE" altLang="de-DE" sz="1500" b="0" i="0" u="none" strike="noStrike" cap="none" normalizeH="0" baseline="0" dirty="0">
+            <a:endParaRPr kumimoji="0" lang="de-DE" altLang="de-DE" sz="2000" b="0" i="0" u="none" strike="noStrike" cap="none" normalizeH="0" baseline="0" dirty="0">
               <a:ln>
                 <a:noFill/>
               </a:ln>
@@ -7426,11 +6322,144 @@
               </a:spcAft>
               <a:buClrTx/>
               <a:buSzTx/>
-              <a:buFontTx/>
               <a:buNone/>
               <a:tabLst/>
             </a:pPr>
-            <a:endParaRPr kumimoji="0" lang="de-DE" altLang="de-DE" sz="1800" b="0" i="0" u="none" strike="noStrike" cap="none" normalizeH="0" baseline="0" dirty="0">
+            <a:r>
+              <a:rPr lang="de-DE" altLang="de-DE" sz="2000" b="1" dirty="0" err="1">
+                <a:latin typeface="Arial" panose="020B0604020202020204" pitchFamily="34" charset="0"/>
+              </a:rPr>
+              <a:t>Biggest</a:t>
+            </a:r>
+            <a:r>
+              <a:rPr lang="de-DE" altLang="de-DE" sz="2000" b="1" dirty="0">
+                <a:latin typeface="Arial" panose="020B0604020202020204" pitchFamily="34" charset="0"/>
+              </a:rPr>
+              <a:t> </a:t>
+            </a:r>
+            <a:r>
+              <a:rPr lang="de-DE" altLang="de-DE" sz="2000" b="1" dirty="0" err="1">
+                <a:latin typeface="Arial" panose="020B0604020202020204" pitchFamily="34" charset="0"/>
+              </a:rPr>
+              <a:t>Shifters</a:t>
+            </a:r>
+            <a:r>
+              <a:rPr lang="de-DE" altLang="de-DE" sz="2000" b="1" dirty="0">
+                <a:latin typeface="Arial" panose="020B0604020202020204" pitchFamily="34" charset="0"/>
+              </a:rPr>
+              <a:t>:</a:t>
+            </a:r>
+          </a:p>
+          <a:p>
+            <a:pPr marR="0" lvl="0" algn="l" defTabSz="914400" rtl="0" eaLnBrk="0" fontAlgn="base" latinLnBrk="0" hangingPunct="0">
+              <a:lnSpc>
+                <a:spcPct val="100000"/>
+              </a:lnSpc>
+              <a:spcBef>
+                <a:spcPct val="0"/>
+              </a:spcBef>
+              <a:spcAft>
+                <a:spcPct val="0"/>
+              </a:spcAft>
+              <a:buClrTx/>
+              <a:buSzTx/>
+              <a:buFontTx/>
+              <a:buChar char="-"/>
+              <a:tabLst/>
+            </a:pPr>
+            <a:r>
+              <a:rPr kumimoji="0" lang="de-DE" altLang="de-DE" sz="2000" i="0" u="none" strike="noStrike" cap="none" normalizeH="0" baseline="0" dirty="0">
+                <a:ln>
+                  <a:noFill/>
+                </a:ln>
+                <a:solidFill>
+                  <a:schemeClr val="tx1"/>
+                </a:solidFill>
+                <a:effectLst/>
+                <a:latin typeface="Arial" panose="020B0604020202020204" pitchFamily="34" charset="0"/>
+              </a:rPr>
+              <a:t>BR – Brazil</a:t>
+            </a:r>
+          </a:p>
+          <a:p>
+            <a:pPr marR="0" lvl="0" algn="l" defTabSz="914400" rtl="0" eaLnBrk="0" fontAlgn="base" latinLnBrk="0" hangingPunct="0">
+              <a:lnSpc>
+                <a:spcPct val="100000"/>
+              </a:lnSpc>
+              <a:spcBef>
+                <a:spcPct val="0"/>
+              </a:spcBef>
+              <a:spcAft>
+                <a:spcPct val="0"/>
+              </a:spcAft>
+              <a:buClrTx/>
+              <a:buSzTx/>
+              <a:buFontTx/>
+              <a:buChar char="-"/>
+              <a:tabLst/>
+            </a:pPr>
+            <a:r>
+              <a:rPr lang="de-DE" altLang="de-DE" sz="2000" dirty="0">
+                <a:latin typeface="Arial" panose="020B0604020202020204" pitchFamily="34" charset="0"/>
+              </a:rPr>
+              <a:t>DE – Germany</a:t>
+            </a:r>
+          </a:p>
+          <a:p>
+            <a:pPr marR="0" lvl="0" algn="l" defTabSz="914400" rtl="0" eaLnBrk="0" fontAlgn="base" latinLnBrk="0" hangingPunct="0">
+              <a:lnSpc>
+                <a:spcPct val="100000"/>
+              </a:lnSpc>
+              <a:spcBef>
+                <a:spcPct val="0"/>
+              </a:spcBef>
+              <a:spcAft>
+                <a:spcPct val="0"/>
+              </a:spcAft>
+              <a:buClrTx/>
+              <a:buSzTx/>
+              <a:buFontTx/>
+              <a:buChar char="-"/>
+              <a:tabLst/>
+            </a:pPr>
+            <a:r>
+              <a:rPr kumimoji="0" lang="de-DE" altLang="de-DE" sz="2000" i="0" u="none" strike="noStrike" cap="none" normalizeH="0" baseline="0" dirty="0">
+                <a:ln>
+                  <a:noFill/>
+                </a:ln>
+                <a:solidFill>
+                  <a:schemeClr val="tx1"/>
+                </a:solidFill>
+                <a:effectLst/>
+                <a:latin typeface="Arial" panose="020B0604020202020204" pitchFamily="34" charset="0"/>
+              </a:rPr>
+              <a:t>PH – Philippines</a:t>
+            </a:r>
+          </a:p>
+          <a:p>
+            <a:pPr marR="0" lvl="0" algn="l" defTabSz="914400" rtl="0" eaLnBrk="0" fontAlgn="base" latinLnBrk="0" hangingPunct="0">
+              <a:lnSpc>
+                <a:spcPct val="100000"/>
+              </a:lnSpc>
+              <a:spcBef>
+                <a:spcPct val="0"/>
+              </a:spcBef>
+              <a:spcAft>
+                <a:spcPct val="0"/>
+              </a:spcAft>
+              <a:buClrTx/>
+              <a:buSzTx/>
+              <a:buFontTx/>
+              <a:buChar char="-"/>
+              <a:tabLst/>
+            </a:pPr>
+            <a:r>
+              <a:rPr lang="de-DE" altLang="de-DE" sz="2000" dirty="0">
+                <a:latin typeface="Arial" panose="020B0604020202020204" pitchFamily="34" charset="0"/>
+              </a:rPr>
+              <a:t>CA - Canada</a:t>
+            </a:r>
+            <a:endParaRPr kumimoji="0" lang="de-DE" altLang="de-DE" sz="2000" i="0" u="none" strike="noStrike" cap="none" normalizeH="0" baseline="0" dirty="0">
               <a:ln>
                 <a:noFill/>
               </a:ln>
@@ -7441,8 +6470,240 @@
               <a:latin typeface="Arial" panose="020B0604020202020204" pitchFamily="34" charset="0"/>
             </a:endParaRPr>
           </a:p>
+          <a:p>
+            <a:pPr marR="0" lvl="0" algn="l" defTabSz="914400" rtl="0" eaLnBrk="0" fontAlgn="base" latinLnBrk="0" hangingPunct="0">
+              <a:lnSpc>
+                <a:spcPct val="100000"/>
+              </a:lnSpc>
+              <a:spcBef>
+                <a:spcPct val="0"/>
+              </a:spcBef>
+              <a:spcAft>
+                <a:spcPct val="0"/>
+              </a:spcAft>
+              <a:buClrTx/>
+              <a:buSzTx/>
+              <a:buFontTx/>
+              <a:buChar char="-"/>
+              <a:tabLst/>
+            </a:pPr>
+            <a:endParaRPr lang="de-DE" altLang="de-DE" sz="2000" dirty="0">
+              <a:latin typeface="Arial" panose="020B0604020202020204" pitchFamily="34" charset="0"/>
+            </a:endParaRPr>
+          </a:p>
+          <a:p>
+            <a:pPr marL="0" marR="0" lvl="0" indent="0" algn="l" defTabSz="914400" rtl="0" eaLnBrk="0" fontAlgn="base" latinLnBrk="0" hangingPunct="0">
+              <a:lnSpc>
+                <a:spcPct val="100000"/>
+              </a:lnSpc>
+              <a:spcBef>
+                <a:spcPct val="0"/>
+              </a:spcBef>
+              <a:spcAft>
+                <a:spcPct val="0"/>
+              </a:spcAft>
+              <a:buClrTx/>
+              <a:buSzTx/>
+              <a:buNone/>
+              <a:tabLst/>
+            </a:pPr>
+            <a:r>
+              <a:rPr lang="de-DE" altLang="de-DE" sz="2000" b="1" dirty="0">
+                <a:solidFill>
+                  <a:srgbClr val="FF0000"/>
+                </a:solidFill>
+                <a:latin typeface="Arial" panose="020B0604020202020204" pitchFamily="34" charset="0"/>
+              </a:rPr>
+              <a:t>Attention</a:t>
+            </a:r>
+            <a:r>
+              <a:rPr lang="de-DE" altLang="de-DE" sz="2000" dirty="0">
+                <a:solidFill>
+                  <a:srgbClr val="FF0000"/>
+                </a:solidFill>
+                <a:latin typeface="Arial" panose="020B0604020202020204" pitchFamily="34" charset="0"/>
+              </a:rPr>
+              <a:t>, </a:t>
+            </a:r>
+            <a:r>
+              <a:rPr lang="de-DE" altLang="de-DE" sz="2000" dirty="0" err="1">
+                <a:solidFill>
+                  <a:srgbClr val="FF0000"/>
+                </a:solidFill>
+                <a:latin typeface="Arial" panose="020B0604020202020204" pitchFamily="34" charset="0"/>
+              </a:rPr>
+              <a:t>for</a:t>
+            </a:r>
+            <a:r>
+              <a:rPr lang="de-DE" altLang="de-DE" sz="2000" dirty="0">
+                <a:solidFill>
+                  <a:srgbClr val="FF0000"/>
+                </a:solidFill>
+                <a:latin typeface="Arial" panose="020B0604020202020204" pitchFamily="34" charset="0"/>
+              </a:rPr>
+              <a:t> </a:t>
+            </a:r>
+            <a:r>
+              <a:rPr lang="de-DE" altLang="de-DE" sz="2000" dirty="0" err="1">
+                <a:solidFill>
+                  <a:srgbClr val="FF0000"/>
+                </a:solidFill>
+                <a:latin typeface="Arial" panose="020B0604020202020204" pitchFamily="34" charset="0"/>
+              </a:rPr>
+              <a:t>random</a:t>
+            </a:r>
+            <a:r>
+              <a:rPr lang="de-DE" altLang="de-DE" sz="2000" dirty="0">
+                <a:solidFill>
+                  <a:srgbClr val="FF0000"/>
+                </a:solidFill>
+                <a:latin typeface="Arial" panose="020B0604020202020204" pitchFamily="34" charset="0"/>
+              </a:rPr>
+              <a:t> </a:t>
+            </a:r>
+            <a:r>
+              <a:rPr lang="de-DE" altLang="de-DE" sz="2000" dirty="0" err="1">
+                <a:solidFill>
+                  <a:srgbClr val="FF0000"/>
+                </a:solidFill>
+                <a:latin typeface="Arial" panose="020B0604020202020204" pitchFamily="34" charset="0"/>
+              </a:rPr>
+              <a:t>users</a:t>
+            </a:r>
+            <a:endParaRPr lang="de-DE" altLang="de-DE" sz="2000" dirty="0">
+              <a:solidFill>
+                <a:srgbClr val="FF0000"/>
+              </a:solidFill>
+              <a:latin typeface="Arial" panose="020B0604020202020204" pitchFamily="34" charset="0"/>
+            </a:endParaRPr>
+          </a:p>
+          <a:p>
+            <a:pPr marL="0" marR="0" lvl="0" indent="0" algn="l" defTabSz="914400" rtl="0" eaLnBrk="0" fontAlgn="base" latinLnBrk="0" hangingPunct="0">
+              <a:lnSpc>
+                <a:spcPct val="100000"/>
+              </a:lnSpc>
+              <a:spcBef>
+                <a:spcPct val="0"/>
+              </a:spcBef>
+              <a:spcAft>
+                <a:spcPct val="0"/>
+              </a:spcAft>
+              <a:buClrTx/>
+              <a:buSzTx/>
+              <a:buNone/>
+              <a:tabLst/>
+            </a:pPr>
+            <a:r>
+              <a:rPr kumimoji="0" lang="de-DE" altLang="de-DE" sz="2000" i="0" u="none" strike="noStrike" cap="none" normalizeH="0" baseline="0" dirty="0" err="1">
+                <a:ln>
+                  <a:noFill/>
+                </a:ln>
+                <a:solidFill>
+                  <a:srgbClr val="FF0000"/>
+                </a:solidFill>
+                <a:effectLst/>
+                <a:latin typeface="Arial" panose="020B0604020202020204" pitchFamily="34" charset="0"/>
+              </a:rPr>
+              <a:t>Is</a:t>
+            </a:r>
+            <a:r>
+              <a:rPr kumimoji="0" lang="de-DE" altLang="de-DE" sz="2000" i="0" u="none" strike="noStrike" cap="none" normalizeH="0" baseline="0" dirty="0">
+                <a:ln>
+                  <a:noFill/>
+                </a:ln>
+                <a:solidFill>
+                  <a:srgbClr val="FF0000"/>
+                </a:solidFill>
+                <a:effectLst/>
+                <a:latin typeface="Arial" panose="020B0604020202020204" pitchFamily="34" charset="0"/>
+              </a:rPr>
+              <a:t> a</a:t>
+            </a:r>
+            <a:r>
+              <a:rPr lang="de-DE" altLang="de-DE" sz="2000" dirty="0">
+                <a:solidFill>
+                  <a:srgbClr val="FF0000"/>
+                </a:solidFill>
+                <a:latin typeface="Arial" panose="020B0604020202020204" pitchFamily="34" charset="0"/>
+              </a:rPr>
+              <a:t>n </a:t>
+            </a:r>
+            <a:r>
+              <a:rPr lang="de-DE" altLang="de-DE" sz="2000" dirty="0" err="1">
+                <a:solidFill>
+                  <a:srgbClr val="FF0000"/>
+                </a:solidFill>
+                <a:latin typeface="Arial" panose="020B0604020202020204" pitchFamily="34" charset="0"/>
+              </a:rPr>
+              <a:t>insufficient</a:t>
+            </a:r>
+            <a:r>
+              <a:rPr lang="de-DE" altLang="de-DE" sz="2000" dirty="0">
+                <a:solidFill>
+                  <a:srgbClr val="FF0000"/>
+                </a:solidFill>
+                <a:latin typeface="Arial" panose="020B0604020202020204" pitchFamily="34" charset="0"/>
+              </a:rPr>
+              <a:t> sample </a:t>
+            </a:r>
+            <a:r>
+              <a:rPr lang="de-DE" altLang="de-DE" sz="2000" dirty="0" err="1">
+                <a:solidFill>
+                  <a:srgbClr val="FF0000"/>
+                </a:solidFill>
+                <a:latin typeface="Arial" panose="020B0604020202020204" pitchFamily="34" charset="0"/>
+              </a:rPr>
+              <a:t>size</a:t>
+            </a:r>
+            <a:endParaRPr kumimoji="0" lang="de-DE" altLang="de-DE" sz="2000" i="0" u="none" strike="noStrike" cap="none" normalizeH="0" baseline="0" dirty="0">
+              <a:ln>
+                <a:noFill/>
+              </a:ln>
+              <a:solidFill>
+                <a:srgbClr val="FF0000"/>
+              </a:solidFill>
+              <a:effectLst/>
+              <a:latin typeface="Arial" panose="020B0604020202020204" pitchFamily="34" charset="0"/>
+            </a:endParaRPr>
+          </a:p>
         </p:txBody>
       </p:sp>
+      <p:pic>
+        <p:nvPicPr>
+          <p:cNvPr id="6" name="Grafik 5" descr="Ein Bild, das Screenshot, Diagramm, Kreis enthält.&#10;&#10;KI-generierte Inhalte können fehlerhaft sein.">
+            <a:extLst>
+              <a:ext uri="{FF2B5EF4-FFF2-40B4-BE49-F238E27FC236}">
+                <a16:creationId xmlns:a16="http://schemas.microsoft.com/office/drawing/2014/main" id="{96AEEB06-1CE8-C774-87BA-97429BEEF05A}"/>
+              </a:ext>
+            </a:extLst>
+          </p:cNvPr>
+          <p:cNvPicPr>
+            <a:picLocks noChangeAspect="1"/>
+          </p:cNvPicPr>
+          <p:nvPr/>
+        </p:nvPicPr>
+        <p:blipFill>
+          <a:blip r:embed="rId3">
+            <a:extLst>
+              <a:ext uri="{28A0092B-C50C-407E-A947-70E740481C1C}">
+                <a14:useLocalDpi xmlns:a14="http://schemas.microsoft.com/office/drawing/2010/main" val="0"/>
+              </a:ext>
+            </a:extLst>
+          </a:blip>
+          <a:stretch>
+            <a:fillRect/>
+          </a:stretch>
+        </p:blipFill>
+        <p:spPr>
+          <a:xfrm>
+            <a:off x="86629" y="1933357"/>
+            <a:ext cx="7791450" cy="3383323"/>
+          </a:xfrm>
+          <a:prstGeom prst="rect">
+            <a:avLst/>
+          </a:prstGeom>
+        </p:spPr>
+      </p:pic>
     </p:spTree>
     <p:extLst>
       <p:ext uri="{BB962C8B-B14F-4D97-AF65-F5344CB8AC3E}">
@@ -7456,7 +6717,7 @@
 </p:sld>
 </file>
 
-<file path=ppt/slides/slide4.xml><?xml version="1.0" encoding="utf-8"?>
+<file path=ppt/slides/slide5.xml><?xml version="1.0" encoding="utf-8"?>
 <p:sld xmlns:a="http://schemas.openxmlformats.org/drawingml/2006/main" xmlns:r="http://schemas.openxmlformats.org/officeDocument/2006/relationships" xmlns:p="http://schemas.openxmlformats.org/presentationml/2006/main">
   <p:cSld>
     <p:spTree>
@@ -7524,36 +6785,6 @@
           </a:p>
         </p:txBody>
       </p:sp>
-      <p:pic>
-        <p:nvPicPr>
-          <p:cNvPr id="3" name="Grafik 2">
-            <a:extLst>
-              <a:ext uri="{FF2B5EF4-FFF2-40B4-BE49-F238E27FC236}">
-                <a16:creationId xmlns:a16="http://schemas.microsoft.com/office/drawing/2014/main" id="{B568F33A-02C4-65DF-3BAF-31F93DB6D3E0}"/>
-              </a:ext>
-            </a:extLst>
-          </p:cNvPr>
-          <p:cNvPicPr>
-            <a:picLocks noChangeAspect="1"/>
-          </p:cNvPicPr>
-          <p:nvPr/>
-        </p:nvPicPr>
-        <p:blipFill>
-          <a:blip r:embed="rId2"/>
-          <a:stretch>
-            <a:fillRect/>
-          </a:stretch>
-        </p:blipFill>
-        <p:spPr>
-          <a:xfrm>
-            <a:off x="897710" y="1523420"/>
-            <a:ext cx="7360465" cy="4397878"/>
-          </a:xfrm>
-          <a:prstGeom prst="rect">
-            <a:avLst/>
-          </a:prstGeom>
-        </p:spPr>
-      </p:pic>
       <p:sp>
         <p:nvSpPr>
           <p:cNvPr id="4" name="Rectangle 1">
@@ -7572,8 +6803,8 @@
         </p:nvSpPr>
         <p:spPr bwMode="auto">
           <a:xfrm>
-            <a:off x="8267431" y="2278919"/>
-            <a:ext cx="3831642" cy="2539157"/>
+            <a:off x="2954285" y="5385879"/>
+            <a:ext cx="3831642" cy="369332"/>
           </a:xfrm>
           <a:prstGeom prst="rect">
             <a:avLst/>
@@ -7621,7 +6852,7 @@
           </a:bodyPr>
           <a:lstStyle/>
           <a:p>
-            <a:pPr eaLnBrk="0" fontAlgn="base" hangingPunct="0">
+            <a:pPr marL="0" indent="0" eaLnBrk="0" fontAlgn="base" hangingPunct="0">
               <a:lnSpc>
                 <a:spcPct val="100000"/>
               </a:lnSpc>
@@ -7631,114 +6862,89 @@
               <a:spcAft>
                 <a:spcPct val="0"/>
               </a:spcAft>
+              <a:buNone/>
             </a:pPr>
             <a:r>
-              <a:rPr kumimoji="0" lang="de-DE" altLang="de-DE" sz="1800" b="0" i="0" u="none" strike="noStrike" cap="none" normalizeH="0" baseline="0" dirty="0" err="1">
-                <a:ln>
-                  <a:noFill/>
-                </a:ln>
-                <a:solidFill>
-                  <a:schemeClr val="tx1"/>
-                </a:solidFill>
-                <a:effectLst/>
-                <a:latin typeface="Arial" panose="020B0604020202020204" pitchFamily="34" charset="0"/>
-              </a:rPr>
-              <a:t>vast</a:t>
-            </a:r>
-            <a:r>
-              <a:rPr kumimoji="0" lang="de-DE" altLang="de-DE" sz="1800" b="0" i="0" u="none" strike="noStrike" cap="none" normalizeH="0" baseline="0" dirty="0">
-                <a:ln>
-                  <a:noFill/>
-                </a:ln>
-                <a:solidFill>
-                  <a:schemeClr val="tx1"/>
-                </a:solidFill>
-                <a:effectLst/>
-                <a:latin typeface="Arial" panose="020B0604020202020204" pitchFamily="34" charset="0"/>
-              </a:rPr>
-              <a:t> </a:t>
-            </a:r>
-            <a:r>
-              <a:rPr kumimoji="0" lang="de-DE" altLang="de-DE" sz="1800" b="0" i="0" u="none" strike="noStrike" cap="none" normalizeH="0" baseline="0" dirty="0" err="1">
-                <a:ln>
-                  <a:noFill/>
-                </a:ln>
-                <a:solidFill>
-                  <a:schemeClr val="tx1"/>
-                </a:solidFill>
-                <a:effectLst/>
-                <a:latin typeface="Arial" panose="020B0604020202020204" pitchFamily="34" charset="0"/>
-              </a:rPr>
-              <a:t>majority</a:t>
-            </a:r>
-            <a:r>
-              <a:rPr kumimoji="0" lang="de-DE" altLang="de-DE" sz="1800" b="0" i="0" u="none" strike="noStrike" cap="none" normalizeH="0" baseline="0" dirty="0">
-                <a:ln>
-                  <a:noFill/>
-                </a:ln>
-                <a:solidFill>
-                  <a:schemeClr val="tx1"/>
-                </a:solidFill>
-                <a:effectLst/>
-                <a:latin typeface="Arial" panose="020B0604020202020204" pitchFamily="34" charset="0"/>
-              </a:rPr>
-              <a:t> </a:t>
-            </a:r>
-            <a:r>
-              <a:rPr kumimoji="0" lang="de-DE" altLang="de-DE" sz="1800" b="0" i="0" u="none" strike="noStrike" cap="none" normalizeH="0" baseline="0" dirty="0" err="1">
-                <a:ln>
-                  <a:noFill/>
-                </a:ln>
-                <a:solidFill>
-                  <a:schemeClr val="tx1"/>
-                </a:solidFill>
-                <a:effectLst/>
-                <a:latin typeface="Arial" panose="020B0604020202020204" pitchFamily="34" charset="0"/>
-              </a:rPr>
-              <a:t>of</a:t>
-            </a:r>
-            <a:r>
-              <a:rPr kumimoji="0" lang="de-DE" altLang="de-DE" sz="1800" b="0" i="0" u="none" strike="noStrike" cap="none" normalizeH="0" baseline="0" dirty="0">
-                <a:ln>
-                  <a:noFill/>
-                </a:ln>
-                <a:solidFill>
-                  <a:schemeClr val="tx1"/>
-                </a:solidFill>
-                <a:effectLst/>
-                <a:latin typeface="Arial" panose="020B0604020202020204" pitchFamily="34" charset="0"/>
-              </a:rPr>
-              <a:t> </a:t>
-            </a:r>
-            <a:r>
-              <a:rPr kumimoji="0" lang="de-DE" altLang="de-DE" sz="1800" b="0" i="0" u="none" strike="noStrike" cap="none" normalizeH="0" baseline="0" dirty="0" err="1">
-                <a:ln>
-                  <a:noFill/>
-                </a:ln>
-                <a:solidFill>
-                  <a:schemeClr val="tx1"/>
-                </a:solidFill>
-                <a:effectLst/>
-                <a:latin typeface="Arial" panose="020B0604020202020204" pitchFamily="34" charset="0"/>
-              </a:rPr>
-              <a:t>beatmaps</a:t>
-            </a:r>
-            <a:r>
-              <a:rPr kumimoji="0" lang="de-DE" altLang="de-DE" sz="1800" b="0" i="0" u="none" strike="noStrike" cap="none" normalizeH="0" baseline="0" dirty="0">
-                <a:ln>
-                  <a:noFill/>
-                </a:ln>
-                <a:solidFill>
-                  <a:schemeClr val="tx1"/>
-                </a:solidFill>
-                <a:effectLst/>
-                <a:latin typeface="Arial" panose="020B0604020202020204" pitchFamily="34" charset="0"/>
-              </a:rPr>
-              <a:t> </a:t>
-            </a:r>
-          </a:p>
-          <a:p>
-            <a:pPr lvl="1" eaLnBrk="0" fontAlgn="base" hangingPunct="0">
+              <a:rPr kumimoji="0" lang="de-DE" altLang="de-DE" sz="1800" b="1" i="0" u="none" strike="noStrike" cap="none" normalizeH="0" baseline="0" dirty="0">
+                <a:ln>
+                  <a:noFill/>
+                </a:ln>
+                <a:solidFill>
+                  <a:schemeClr val="tx1"/>
+                </a:solidFill>
+                <a:effectLst/>
+                <a:latin typeface="Arial" panose="020B0604020202020204" pitchFamily="34" charset="0"/>
+              </a:rPr>
+              <a:t>Items normal</a:t>
+            </a:r>
+          </a:p>
+        </p:txBody>
+      </p:sp>
+      <p:pic>
+        <p:nvPicPr>
+          <p:cNvPr id="6" name="Grafik 5" descr="Ein Bild, das Text, Diagramm, Screenshot, Reihe enthält.&#10;&#10;KI-generierte Inhalte können fehlerhaft sein.">
+            <a:extLst>
+              <a:ext uri="{FF2B5EF4-FFF2-40B4-BE49-F238E27FC236}">
+                <a16:creationId xmlns:a16="http://schemas.microsoft.com/office/drawing/2014/main" id="{556FA9E4-5493-651A-8A08-9E4666595C25}"/>
+              </a:ext>
+            </a:extLst>
+          </p:cNvPr>
+          <p:cNvPicPr>
+            <a:picLocks noChangeAspect="1"/>
+          </p:cNvPicPr>
+          <p:nvPr/>
+        </p:nvPicPr>
+        <p:blipFill>
+          <a:blip r:embed="rId2">
+            <a:extLst>
+              <a:ext uri="{28A0092B-C50C-407E-A947-70E740481C1C}">
+                <a14:useLocalDpi xmlns:a14="http://schemas.microsoft.com/office/drawing/2010/main" val="0"/>
+              </a:ext>
+            </a:extLst>
+          </a:blip>
+          <a:stretch>
+            <a:fillRect/>
+          </a:stretch>
+        </p:blipFill>
+        <p:spPr>
+          <a:xfrm>
+            <a:off x="1116531" y="1472121"/>
+            <a:ext cx="10130962" cy="3764022"/>
+          </a:xfrm>
+          <a:prstGeom prst="rect">
+            <a:avLst/>
+          </a:prstGeom>
+        </p:spPr>
+      </p:pic>
+      <p:sp>
+        <p:nvSpPr>
+          <p:cNvPr id="8" name="Textfeld 7">
+            <a:extLst>
+              <a:ext uri="{FF2B5EF4-FFF2-40B4-BE49-F238E27FC236}">
+                <a16:creationId xmlns:a16="http://schemas.microsoft.com/office/drawing/2014/main" id="{9B399F75-AF3A-9754-06DE-E56D0A9E4BB8}"/>
+              </a:ext>
+            </a:extLst>
+          </p:cNvPr>
+          <p:cNvSpPr txBox="1"/>
+          <p:nvPr/>
+        </p:nvSpPr>
+        <p:spPr>
+          <a:xfrm>
+            <a:off x="7748818" y="5304140"/>
+            <a:ext cx="6097604" cy="369332"/>
+          </a:xfrm>
+          <a:prstGeom prst="rect">
+            <a:avLst/>
+          </a:prstGeom>
+          <a:noFill/>
+        </p:spPr>
+        <p:txBody>
+          <a:bodyPr wrap="square">
+            <a:spAutoFit/>
+          </a:bodyPr>
+          <a:lstStyle/>
+          <a:p>
+            <a:pPr marL="0" indent="0" eaLnBrk="0" fontAlgn="base" hangingPunct="0">
               <a:lnSpc>
                 <a:spcPct val="100000"/>
               </a:lnSpc>
@@ -7748,657 +6954,35 @@
               <a:spcAft>
                 <a:spcPct val="0"/>
               </a:spcAft>
+              <a:buNone/>
             </a:pPr>
             <a:r>
-              <a:rPr kumimoji="0" lang="de-DE" altLang="de-DE" sz="1500" b="0" i="0" u="none" strike="noStrike" cap="none" normalizeH="0" baseline="0" dirty="0" err="1">
-                <a:ln>
-                  <a:noFill/>
-                </a:ln>
-                <a:solidFill>
-                  <a:schemeClr val="tx1"/>
-                </a:solidFill>
-                <a:effectLst/>
-                <a:latin typeface="Arial" panose="020B0604020202020204" pitchFamily="34" charset="0"/>
-              </a:rPr>
-              <a:t>very</a:t>
-            </a:r>
-            <a:r>
-              <a:rPr kumimoji="0" lang="de-DE" altLang="de-DE" sz="1500" b="0" i="0" u="none" strike="noStrike" cap="none" normalizeH="0" baseline="0" dirty="0">
-                <a:ln>
-                  <a:noFill/>
-                </a:ln>
-                <a:solidFill>
-                  <a:schemeClr val="tx1"/>
-                </a:solidFill>
-                <a:effectLst/>
-                <a:latin typeface="Arial" panose="020B0604020202020204" pitchFamily="34" charset="0"/>
-              </a:rPr>
-              <a:t> </a:t>
-            </a:r>
-            <a:r>
-              <a:rPr kumimoji="0" lang="de-DE" altLang="de-DE" sz="1500" b="0" i="0" u="none" strike="noStrike" cap="none" normalizeH="0" baseline="0" dirty="0" err="1">
-                <a:ln>
-                  <a:noFill/>
-                </a:ln>
-                <a:solidFill>
-                  <a:schemeClr val="tx1"/>
-                </a:solidFill>
-                <a:effectLst/>
-                <a:latin typeface="Arial" panose="020B0604020202020204" pitchFamily="34" charset="0"/>
-              </a:rPr>
-              <a:t>low</a:t>
-            </a:r>
-            <a:r>
-              <a:rPr kumimoji="0" lang="de-DE" altLang="de-DE" sz="1500" b="0" i="0" u="none" strike="noStrike" cap="none" normalizeH="0" baseline="0" dirty="0">
-                <a:ln>
-                  <a:noFill/>
-                </a:ln>
-                <a:solidFill>
-                  <a:schemeClr val="tx1"/>
-                </a:solidFill>
-                <a:effectLst/>
-                <a:latin typeface="Arial" panose="020B0604020202020204" pitchFamily="34" charset="0"/>
-              </a:rPr>
-              <a:t> </a:t>
-            </a:r>
-            <a:r>
-              <a:rPr kumimoji="0" lang="de-DE" altLang="de-DE" sz="1500" b="0" i="0" u="none" strike="noStrike" cap="none" normalizeH="0" baseline="0" dirty="0" err="1">
-                <a:ln>
-                  <a:noFill/>
-                </a:ln>
-                <a:solidFill>
-                  <a:schemeClr val="tx1"/>
-                </a:solidFill>
-                <a:effectLst/>
-                <a:latin typeface="Arial" panose="020B0604020202020204" pitchFamily="34" charset="0"/>
-              </a:rPr>
-              <a:t>playcounts</a:t>
-            </a:r>
-            <a:r>
-              <a:rPr kumimoji="0" lang="de-DE" altLang="de-DE" sz="1400" b="0" i="0" u="none" strike="noStrike" cap="none" normalizeH="0" baseline="0" dirty="0">
-                <a:ln>
-                  <a:noFill/>
-                </a:ln>
-                <a:solidFill>
-                  <a:schemeClr val="tx1"/>
-                </a:solidFill>
-                <a:effectLst/>
-                <a:latin typeface="Arial" panose="020B0604020202020204" pitchFamily="34" charset="0"/>
-              </a:rPr>
-              <a:t> </a:t>
-            </a:r>
-          </a:p>
-          <a:p>
-            <a:pPr eaLnBrk="0" fontAlgn="base" hangingPunct="0">
-              <a:lnSpc>
-                <a:spcPct val="100000"/>
-              </a:lnSpc>
-              <a:spcBef>
-                <a:spcPct val="0"/>
-              </a:spcBef>
-              <a:spcAft>
-                <a:spcPct val="0"/>
-              </a:spcAft>
-            </a:pPr>
-            <a:r>
-              <a:rPr kumimoji="0" lang="de-DE" altLang="de-DE" sz="1800" b="0" i="0" u="none" strike="noStrike" cap="none" normalizeH="0" baseline="0" dirty="0" err="1">
-                <a:ln>
-                  <a:noFill/>
-                </a:ln>
-                <a:solidFill>
-                  <a:schemeClr val="tx1"/>
-                </a:solidFill>
-                <a:effectLst/>
-                <a:latin typeface="Arial" panose="020B0604020202020204" pitchFamily="34" charset="0"/>
-              </a:rPr>
-              <a:t>small</a:t>
-            </a:r>
-            <a:r>
-              <a:rPr kumimoji="0" lang="de-DE" altLang="de-DE" sz="1800" b="0" i="0" u="none" strike="noStrike" cap="none" normalizeH="0" baseline="0" dirty="0">
-                <a:ln>
-                  <a:noFill/>
-                </a:ln>
-                <a:solidFill>
-                  <a:schemeClr val="tx1"/>
-                </a:solidFill>
-                <a:effectLst/>
-                <a:latin typeface="Arial" panose="020B0604020202020204" pitchFamily="34" charset="0"/>
-              </a:rPr>
-              <a:t> </a:t>
-            </a:r>
-            <a:r>
-              <a:rPr kumimoji="0" lang="de-DE" altLang="de-DE" sz="1800" b="0" i="0" u="none" strike="noStrike" cap="none" normalizeH="0" baseline="0" dirty="0" err="1">
-                <a:ln>
-                  <a:noFill/>
-                </a:ln>
-                <a:solidFill>
-                  <a:schemeClr val="tx1"/>
-                </a:solidFill>
-                <a:effectLst/>
-                <a:latin typeface="Arial" panose="020B0604020202020204" pitchFamily="34" charset="0"/>
-              </a:rPr>
-              <a:t>number</a:t>
-            </a:r>
-            <a:r>
-              <a:rPr kumimoji="0" lang="de-DE" altLang="de-DE" sz="1800" b="0" i="0" u="none" strike="noStrike" cap="none" normalizeH="0" baseline="0" dirty="0">
-                <a:ln>
-                  <a:noFill/>
-                </a:ln>
-                <a:solidFill>
-                  <a:schemeClr val="tx1"/>
-                </a:solidFill>
-                <a:effectLst/>
-                <a:latin typeface="Arial" panose="020B0604020202020204" pitchFamily="34" charset="0"/>
-              </a:rPr>
-              <a:t> </a:t>
-            </a:r>
-            <a:r>
-              <a:rPr kumimoji="0" lang="de-DE" altLang="de-DE" sz="1800" b="0" i="0" u="none" strike="noStrike" cap="none" normalizeH="0" baseline="0" dirty="0" err="1">
-                <a:ln>
-                  <a:noFill/>
-                </a:ln>
-                <a:solidFill>
-                  <a:schemeClr val="tx1"/>
-                </a:solidFill>
-                <a:effectLst/>
-                <a:latin typeface="Arial" panose="020B0604020202020204" pitchFamily="34" charset="0"/>
-              </a:rPr>
-              <a:t>of</a:t>
-            </a:r>
-            <a:r>
-              <a:rPr kumimoji="0" lang="de-DE" altLang="de-DE" sz="1800" b="0" i="0" u="none" strike="noStrike" cap="none" normalizeH="0" baseline="0" dirty="0">
-                <a:ln>
-                  <a:noFill/>
-                </a:ln>
-                <a:solidFill>
-                  <a:schemeClr val="tx1"/>
-                </a:solidFill>
-                <a:effectLst/>
-                <a:latin typeface="Arial" panose="020B0604020202020204" pitchFamily="34" charset="0"/>
-              </a:rPr>
-              <a:t> </a:t>
-            </a:r>
-            <a:r>
-              <a:rPr kumimoji="0" lang="de-DE" altLang="de-DE" sz="1800" b="0" i="0" u="none" strike="noStrike" cap="none" normalizeH="0" baseline="0" dirty="0" err="1">
-                <a:ln>
-                  <a:noFill/>
-                </a:ln>
-                <a:solidFill>
-                  <a:schemeClr val="tx1"/>
-                </a:solidFill>
-                <a:effectLst/>
-                <a:latin typeface="Arial" panose="020B0604020202020204" pitchFamily="34" charset="0"/>
-              </a:rPr>
-              <a:t>beatmaps</a:t>
-            </a:r>
-            <a:endParaRPr kumimoji="0" lang="de-DE" altLang="de-DE" sz="1800" b="0" i="0" u="none" strike="noStrike" cap="none" normalizeH="0" baseline="0" dirty="0">
-              <a:ln>
-                <a:noFill/>
-              </a:ln>
-              <a:solidFill>
-                <a:schemeClr val="tx1"/>
-              </a:solidFill>
-              <a:effectLst/>
-              <a:latin typeface="Arial" panose="020B0604020202020204" pitchFamily="34" charset="0"/>
-            </a:endParaRPr>
-          </a:p>
-          <a:p>
-            <a:pPr lvl="1" eaLnBrk="0" fontAlgn="base" hangingPunct="0">
-              <a:lnSpc>
-                <a:spcPct val="100000"/>
-              </a:lnSpc>
-              <a:spcBef>
-                <a:spcPct val="0"/>
-              </a:spcBef>
-              <a:spcAft>
-                <a:spcPct val="0"/>
-              </a:spcAft>
-            </a:pPr>
-            <a:r>
-              <a:rPr kumimoji="0" lang="de-DE" altLang="de-DE" sz="1500" b="0" i="0" u="none" strike="noStrike" cap="none" normalizeH="0" baseline="0" dirty="0" err="1">
-                <a:ln>
-                  <a:noFill/>
-                </a:ln>
-                <a:solidFill>
-                  <a:schemeClr val="tx1"/>
-                </a:solidFill>
-                <a:effectLst/>
-                <a:latin typeface="Arial" panose="020B0604020202020204" pitchFamily="34" charset="0"/>
-              </a:rPr>
-              <a:t>accumulate</a:t>
-            </a:r>
-            <a:r>
-              <a:rPr kumimoji="0" lang="de-DE" altLang="de-DE" sz="1500" b="0" i="0" u="none" strike="noStrike" cap="none" normalizeH="0" baseline="0" dirty="0">
-                <a:ln>
-                  <a:noFill/>
-                </a:ln>
-                <a:solidFill>
-                  <a:schemeClr val="tx1"/>
-                </a:solidFill>
-                <a:effectLst/>
-                <a:latin typeface="Arial" panose="020B0604020202020204" pitchFamily="34" charset="0"/>
-              </a:rPr>
-              <a:t> </a:t>
-            </a:r>
-            <a:r>
-              <a:rPr kumimoji="0" lang="de-DE" altLang="de-DE" sz="1500" b="0" i="0" u="none" strike="noStrike" cap="none" normalizeH="0" baseline="0" dirty="0" err="1">
-                <a:ln>
-                  <a:noFill/>
-                </a:ln>
-                <a:solidFill>
-                  <a:schemeClr val="tx1"/>
-                </a:solidFill>
-                <a:effectLst/>
-                <a:latin typeface="Arial" panose="020B0604020202020204" pitchFamily="34" charset="0"/>
-              </a:rPr>
-              <a:t>extremely</a:t>
-            </a:r>
-            <a:r>
-              <a:rPr kumimoji="0" lang="de-DE" altLang="de-DE" sz="1500" b="0" i="0" u="none" strike="noStrike" cap="none" normalizeH="0" baseline="0" dirty="0">
-                <a:ln>
-                  <a:noFill/>
-                </a:ln>
-                <a:solidFill>
-                  <a:schemeClr val="tx1"/>
-                </a:solidFill>
-                <a:effectLst/>
-                <a:latin typeface="Arial" panose="020B0604020202020204" pitchFamily="34" charset="0"/>
-              </a:rPr>
-              <a:t> high</a:t>
-            </a:r>
-            <a:br>
-              <a:rPr kumimoji="0" lang="de-DE" altLang="de-DE" sz="1500" b="0" i="0" u="none" strike="noStrike" cap="none" normalizeH="0" baseline="0" dirty="0">
-                <a:ln>
-                  <a:noFill/>
-                </a:ln>
-                <a:solidFill>
-                  <a:schemeClr val="tx1"/>
-                </a:solidFill>
-                <a:effectLst/>
-                <a:latin typeface="Arial" panose="020B0604020202020204" pitchFamily="34" charset="0"/>
-              </a:rPr>
-            </a:br>
-            <a:r>
-              <a:rPr kumimoji="0" lang="de-DE" altLang="de-DE" sz="1500" b="0" i="0" u="none" strike="noStrike" cap="none" normalizeH="0" baseline="0" dirty="0" err="1">
-                <a:ln>
-                  <a:noFill/>
-                </a:ln>
-                <a:solidFill>
-                  <a:schemeClr val="tx1"/>
-                </a:solidFill>
-                <a:effectLst/>
-                <a:latin typeface="Arial" panose="020B0604020202020204" pitchFamily="34" charset="0"/>
-              </a:rPr>
-              <a:t>playcounts</a:t>
-            </a:r>
-            <a:endParaRPr kumimoji="0" lang="de-DE" altLang="de-DE" sz="1500" b="0" i="0" u="none" strike="noStrike" cap="none" normalizeH="0" baseline="0" dirty="0">
-              <a:ln>
-                <a:noFill/>
-              </a:ln>
-              <a:solidFill>
-                <a:schemeClr val="tx1"/>
-              </a:solidFill>
-              <a:effectLst/>
-              <a:latin typeface="Arial" panose="020B0604020202020204" pitchFamily="34" charset="0"/>
-            </a:endParaRPr>
-          </a:p>
-          <a:p>
-            <a:pPr lvl="1" eaLnBrk="0" fontAlgn="base" hangingPunct="0">
-              <a:lnSpc>
-                <a:spcPct val="100000"/>
-              </a:lnSpc>
-              <a:spcBef>
-                <a:spcPct val="0"/>
-              </a:spcBef>
-              <a:spcAft>
-                <a:spcPct val="0"/>
-              </a:spcAft>
-            </a:pPr>
-            <a:r>
-              <a:rPr kumimoji="0" lang="de-DE" altLang="de-DE" sz="1500" b="0" i="0" u="none" strike="noStrike" cap="none" normalizeH="0" baseline="0" dirty="0" err="1">
-                <a:ln>
-                  <a:noFill/>
-                </a:ln>
-                <a:solidFill>
-                  <a:schemeClr val="tx1"/>
-                </a:solidFill>
-                <a:effectLst/>
-                <a:latin typeface="Arial" panose="020B0604020202020204" pitchFamily="34" charset="0"/>
-              </a:rPr>
-              <a:t>forming</a:t>
-            </a:r>
-            <a:r>
-              <a:rPr kumimoji="0" lang="de-DE" altLang="de-DE" sz="1500" b="0" i="0" u="none" strike="noStrike" cap="none" normalizeH="0" baseline="0" dirty="0">
-                <a:ln>
-                  <a:noFill/>
-                </a:ln>
-                <a:solidFill>
-                  <a:schemeClr val="tx1"/>
-                </a:solidFill>
-                <a:effectLst/>
-                <a:latin typeface="Arial" panose="020B0604020202020204" pitchFamily="34" charset="0"/>
-              </a:rPr>
-              <a:t> a heavy “</a:t>
-            </a:r>
-            <a:r>
-              <a:rPr kumimoji="0" lang="de-DE" altLang="de-DE" sz="1500" b="0" i="0" u="none" strike="noStrike" cap="none" normalizeH="0" baseline="0" dirty="0" err="1">
-                <a:ln>
-                  <a:noFill/>
-                </a:ln>
-                <a:solidFill>
-                  <a:schemeClr val="tx1"/>
-                </a:solidFill>
-                <a:effectLst/>
-                <a:latin typeface="Arial" panose="020B0604020202020204" pitchFamily="34" charset="0"/>
-              </a:rPr>
-              <a:t>long</a:t>
-            </a:r>
-            <a:r>
-              <a:rPr kumimoji="0" lang="de-DE" altLang="de-DE" sz="1500" b="0" i="0" u="none" strike="noStrike" cap="none" normalizeH="0" baseline="0" dirty="0">
-                <a:ln>
-                  <a:noFill/>
-                </a:ln>
-                <a:solidFill>
-                  <a:schemeClr val="tx1"/>
-                </a:solidFill>
-                <a:effectLst/>
-                <a:latin typeface="Arial" panose="020B0604020202020204" pitchFamily="34" charset="0"/>
-              </a:rPr>
-              <a:t> </a:t>
-            </a:r>
-            <a:r>
-              <a:rPr kumimoji="0" lang="de-DE" altLang="de-DE" sz="1500" b="0" i="0" u="none" strike="noStrike" cap="none" normalizeH="0" baseline="0" dirty="0" err="1">
-                <a:ln>
-                  <a:noFill/>
-                </a:ln>
-                <a:solidFill>
-                  <a:schemeClr val="tx1"/>
-                </a:solidFill>
-                <a:effectLst/>
-                <a:latin typeface="Arial" panose="020B0604020202020204" pitchFamily="34" charset="0"/>
-              </a:rPr>
-              <a:t>tail</a:t>
-            </a:r>
-            <a:r>
-              <a:rPr kumimoji="0" lang="de-DE" altLang="de-DE" sz="1500" b="0" i="0" u="none" strike="noStrike" cap="none" normalizeH="0" baseline="0" dirty="0">
-                <a:ln>
-                  <a:noFill/>
-                </a:ln>
-                <a:solidFill>
-                  <a:schemeClr val="tx1"/>
-                </a:solidFill>
-                <a:effectLst/>
-                <a:latin typeface="Arial" panose="020B0604020202020204" pitchFamily="34" charset="0"/>
-              </a:rPr>
-              <a:t>”</a:t>
-            </a:r>
-          </a:p>
-          <a:p>
-            <a:pPr eaLnBrk="0" fontAlgn="base" hangingPunct="0">
-              <a:lnSpc>
-                <a:spcPct val="100000"/>
-              </a:lnSpc>
-              <a:spcBef>
-                <a:spcPct val="0"/>
-              </a:spcBef>
-              <a:spcAft>
-                <a:spcPct val="0"/>
-              </a:spcAft>
-            </a:pPr>
-            <a:r>
-              <a:rPr lang="de-DE" altLang="de-DE" sz="1800" dirty="0" err="1">
-                <a:latin typeface="Arial" panose="020B0604020202020204" pitchFamily="34" charset="0"/>
-              </a:rPr>
-              <a:t>C</a:t>
-            </a:r>
-            <a:r>
-              <a:rPr kumimoji="0" lang="de-DE" altLang="de-DE" sz="1800" b="0" i="0" u="none" strike="noStrike" cap="none" normalizeH="0" baseline="0" dirty="0" err="1">
-                <a:ln>
-                  <a:noFill/>
-                </a:ln>
-                <a:solidFill>
-                  <a:schemeClr val="tx1"/>
-                </a:solidFill>
-                <a:effectLst/>
-                <a:latin typeface="Arial" panose="020B0604020202020204" pitchFamily="34" charset="0"/>
-              </a:rPr>
-              <a:t>urve</a:t>
-            </a:r>
-            <a:r>
-              <a:rPr kumimoji="0" lang="de-DE" altLang="de-DE" sz="1800" b="0" i="0" u="none" strike="noStrike" cap="none" normalizeH="0" baseline="0" dirty="0">
-                <a:ln>
-                  <a:noFill/>
-                </a:ln>
-                <a:solidFill>
-                  <a:schemeClr val="tx1"/>
-                </a:solidFill>
-                <a:effectLst/>
-                <a:latin typeface="Arial" panose="020B0604020202020204" pitchFamily="34" charset="0"/>
-              </a:rPr>
-              <a:t> </a:t>
-            </a:r>
-            <a:r>
-              <a:rPr kumimoji="0" lang="de-DE" altLang="de-DE" sz="1800" b="0" i="0" u="none" strike="noStrike" cap="none" normalizeH="0" baseline="0" dirty="0" err="1">
-                <a:ln>
-                  <a:noFill/>
-                </a:ln>
-                <a:solidFill>
-                  <a:schemeClr val="tx1"/>
-                </a:solidFill>
-                <a:effectLst/>
-                <a:latin typeface="Arial" panose="020B0604020202020204" pitchFamily="34" charset="0"/>
-              </a:rPr>
-              <a:t>highlights</a:t>
-            </a:r>
-            <a:r>
-              <a:rPr kumimoji="0" lang="de-DE" altLang="de-DE" sz="1800" b="0" i="0" u="none" strike="noStrike" cap="none" normalizeH="0" baseline="0" dirty="0">
-                <a:ln>
-                  <a:noFill/>
-                </a:ln>
-                <a:solidFill>
-                  <a:schemeClr val="tx1"/>
-                </a:solidFill>
-                <a:effectLst/>
-                <a:latin typeface="Arial" panose="020B0604020202020204" pitchFamily="34" charset="0"/>
-              </a:rPr>
-              <a:t> </a:t>
-            </a:r>
-          </a:p>
-          <a:p>
-            <a:pPr lvl="1" eaLnBrk="0" fontAlgn="base" hangingPunct="0">
-              <a:lnSpc>
-                <a:spcPct val="100000"/>
-              </a:lnSpc>
-              <a:spcBef>
-                <a:spcPct val="0"/>
-              </a:spcBef>
-              <a:spcAft>
-                <a:spcPct val="0"/>
-              </a:spcAft>
-            </a:pPr>
-            <a:r>
-              <a:rPr kumimoji="0" lang="de-DE" altLang="de-DE" sz="1500" b="0" i="0" u="none" strike="noStrike" cap="none" normalizeH="0" baseline="0" dirty="0">
-                <a:ln>
-                  <a:noFill/>
-                </a:ln>
-                <a:solidFill>
-                  <a:schemeClr val="tx1"/>
-                </a:solidFill>
-                <a:effectLst/>
-                <a:latin typeface="Arial" panose="020B0604020202020204" pitchFamily="34" charset="0"/>
-              </a:rPr>
-              <a:t>extreme </a:t>
-            </a:r>
-            <a:r>
-              <a:rPr kumimoji="0" lang="de-DE" altLang="de-DE" sz="1500" b="0" i="0" u="none" strike="noStrike" cap="none" normalizeH="0" baseline="0" dirty="0" err="1">
-                <a:ln>
-                  <a:noFill/>
-                </a:ln>
-                <a:solidFill>
-                  <a:schemeClr val="tx1"/>
-                </a:solidFill>
-                <a:effectLst/>
-                <a:latin typeface="Arial" panose="020B0604020202020204" pitchFamily="34" charset="0"/>
-              </a:rPr>
-              <a:t>imbalance</a:t>
-            </a:r>
-            <a:r>
-              <a:rPr kumimoji="0" lang="de-DE" altLang="de-DE" sz="1500" b="0" i="0" u="none" strike="noStrike" cap="none" normalizeH="0" baseline="0" dirty="0">
-                <a:ln>
-                  <a:noFill/>
-                </a:ln>
-                <a:solidFill>
-                  <a:schemeClr val="tx1"/>
-                </a:solidFill>
-                <a:effectLst/>
-                <a:latin typeface="Arial" panose="020B0604020202020204" pitchFamily="34" charset="0"/>
-              </a:rPr>
-              <a:t> </a:t>
-            </a:r>
-            <a:r>
-              <a:rPr kumimoji="0" lang="de-DE" altLang="de-DE" sz="1500" b="0" i="0" u="none" strike="noStrike" cap="none" normalizeH="0" baseline="0" dirty="0" err="1">
-                <a:ln>
-                  <a:noFill/>
-                </a:ln>
-                <a:solidFill>
-                  <a:schemeClr val="tx1"/>
-                </a:solidFill>
-                <a:effectLst/>
-                <a:latin typeface="Arial" panose="020B0604020202020204" pitchFamily="34" charset="0"/>
-              </a:rPr>
-              <a:t>between</a:t>
-            </a:r>
-            <a:r>
-              <a:rPr kumimoji="0" lang="de-DE" altLang="de-DE" sz="1500" b="0" i="0" u="none" strike="noStrike" cap="none" normalizeH="0" baseline="0" dirty="0">
-                <a:ln>
-                  <a:noFill/>
-                </a:ln>
-                <a:solidFill>
-                  <a:schemeClr val="tx1"/>
-                </a:solidFill>
-                <a:effectLst/>
-                <a:latin typeface="Arial" panose="020B0604020202020204" pitchFamily="34" charset="0"/>
-              </a:rPr>
-              <a:t> a </a:t>
-            </a:r>
-            <a:r>
-              <a:rPr kumimoji="0" lang="de-DE" altLang="de-DE" sz="1500" b="0" i="0" u="none" strike="noStrike" cap="none" normalizeH="0" baseline="0" dirty="0" err="1">
-                <a:ln>
-                  <a:noFill/>
-                </a:ln>
-                <a:solidFill>
-                  <a:schemeClr val="tx1"/>
-                </a:solidFill>
-                <a:effectLst/>
-                <a:latin typeface="Arial" panose="020B0604020202020204" pitchFamily="34" charset="0"/>
-              </a:rPr>
-              <a:t>few</a:t>
-            </a:r>
-            <a:r>
-              <a:rPr kumimoji="0" lang="de-DE" altLang="de-DE" sz="1500" b="0" i="0" u="none" strike="noStrike" cap="none" normalizeH="0" baseline="0" dirty="0">
-                <a:ln>
-                  <a:noFill/>
-                </a:ln>
-                <a:solidFill>
-                  <a:schemeClr val="tx1"/>
-                </a:solidFill>
-                <a:effectLst/>
-                <a:latin typeface="Arial" panose="020B0604020202020204" pitchFamily="34" charset="0"/>
-              </a:rPr>
-              <a:t> </a:t>
-            </a:r>
-            <a:r>
-              <a:rPr kumimoji="0" lang="de-DE" altLang="de-DE" sz="1500" b="0" i="0" u="none" strike="noStrike" cap="none" normalizeH="0" baseline="0" dirty="0" err="1">
-                <a:ln>
-                  <a:noFill/>
-                </a:ln>
-                <a:solidFill>
-                  <a:schemeClr val="tx1"/>
-                </a:solidFill>
-                <a:effectLst/>
-                <a:latin typeface="Arial" panose="020B0604020202020204" pitchFamily="34" charset="0"/>
-              </a:rPr>
-              <a:t>blockbusters</a:t>
-            </a:r>
-            <a:r>
-              <a:rPr kumimoji="0" lang="de-DE" altLang="de-DE" sz="1500" b="0" i="0" u="none" strike="noStrike" cap="none" normalizeH="0" baseline="0" dirty="0">
-                <a:ln>
-                  <a:noFill/>
-                </a:ln>
-                <a:solidFill>
-                  <a:schemeClr val="tx1"/>
-                </a:solidFill>
-                <a:effectLst/>
-                <a:latin typeface="Arial" panose="020B0604020202020204" pitchFamily="34" charset="0"/>
-              </a:rPr>
-              <a:t> and </a:t>
-            </a:r>
-            <a:r>
-              <a:rPr kumimoji="0" lang="de-DE" altLang="de-DE" sz="1500" b="0" i="0" u="none" strike="noStrike" cap="none" normalizeH="0" baseline="0" dirty="0" err="1">
-                <a:ln>
-                  <a:noFill/>
-                </a:ln>
-                <a:solidFill>
-                  <a:schemeClr val="tx1"/>
-                </a:solidFill>
-                <a:effectLst/>
-                <a:latin typeface="Arial" panose="020B0604020202020204" pitchFamily="34" charset="0"/>
-              </a:rPr>
-              <a:t>many</a:t>
-            </a:r>
-            <a:r>
-              <a:rPr kumimoji="0" lang="de-DE" altLang="de-DE" sz="1500" b="0" i="0" u="none" strike="noStrike" cap="none" normalizeH="0" baseline="0" dirty="0">
-                <a:ln>
-                  <a:noFill/>
-                </a:ln>
-                <a:solidFill>
-                  <a:schemeClr val="tx1"/>
-                </a:solidFill>
-                <a:effectLst/>
-                <a:latin typeface="Arial" panose="020B0604020202020204" pitchFamily="34" charset="0"/>
-              </a:rPr>
-              <a:t> </a:t>
-            </a:r>
-            <a:r>
-              <a:rPr kumimoji="0" lang="de-DE" altLang="de-DE" sz="1500" b="0" i="0" u="none" strike="noStrike" cap="none" normalizeH="0" baseline="0" dirty="0" err="1">
-                <a:ln>
-                  <a:noFill/>
-                </a:ln>
-                <a:solidFill>
-                  <a:schemeClr val="tx1"/>
-                </a:solidFill>
-                <a:effectLst/>
-                <a:latin typeface="Arial" panose="020B0604020202020204" pitchFamily="34" charset="0"/>
-              </a:rPr>
-              <a:t>niche</a:t>
-            </a:r>
-            <a:r>
-              <a:rPr kumimoji="0" lang="de-DE" altLang="de-DE" sz="1500" b="0" i="0" u="none" strike="noStrike" cap="none" normalizeH="0" baseline="0" dirty="0">
-                <a:ln>
-                  <a:noFill/>
-                </a:ln>
-                <a:solidFill>
-                  <a:schemeClr val="tx1"/>
-                </a:solidFill>
-                <a:effectLst/>
-                <a:latin typeface="Arial" panose="020B0604020202020204" pitchFamily="34" charset="0"/>
-              </a:rPr>
-              <a:t> </a:t>
-            </a:r>
-            <a:r>
-              <a:rPr kumimoji="0" lang="de-DE" altLang="de-DE" sz="1500" b="0" i="0" u="none" strike="noStrike" cap="none" normalizeH="0" baseline="0" dirty="0" err="1">
-                <a:ln>
-                  <a:noFill/>
-                </a:ln>
-                <a:solidFill>
-                  <a:schemeClr val="tx1"/>
-                </a:solidFill>
-                <a:effectLst/>
-                <a:latin typeface="Arial" panose="020B0604020202020204" pitchFamily="34" charset="0"/>
-              </a:rPr>
-              <a:t>maps</a:t>
-            </a:r>
-            <a:endParaRPr kumimoji="0" lang="de-DE" altLang="de-DE" sz="1500" b="0" i="0" u="none" strike="noStrike" cap="none" normalizeH="0" baseline="0" dirty="0">
+              <a:rPr kumimoji="0" lang="de-DE" altLang="de-DE" sz="1800" b="1" i="0" u="none" strike="noStrike" cap="none" normalizeH="0" baseline="0" dirty="0">
+                <a:ln>
+                  <a:noFill/>
+                </a:ln>
+                <a:solidFill>
+                  <a:schemeClr val="tx1"/>
+                </a:solidFill>
+                <a:effectLst/>
+                <a:latin typeface="Arial" panose="020B0604020202020204" pitchFamily="34" charset="0"/>
+              </a:rPr>
+              <a:t>Items </a:t>
+            </a:r>
+            <a:r>
+              <a:rPr kumimoji="0" lang="de-DE" altLang="de-DE" sz="1800" b="1" i="0" u="none" strike="noStrike" cap="none" normalizeH="0" baseline="0" dirty="0" err="1">
+                <a:ln>
+                  <a:noFill/>
+                </a:ln>
+                <a:solidFill>
+                  <a:schemeClr val="tx1"/>
+                </a:solidFill>
+                <a:effectLst/>
+                <a:latin typeface="Arial" panose="020B0604020202020204" pitchFamily="34" charset="0"/>
+              </a:rPr>
+              <a:t>logarithmic</a:t>
+            </a:r>
+            <a:endParaRPr kumimoji="0" lang="de-DE" altLang="de-DE" sz="1800" b="1" i="0" u="none" strike="noStrike" cap="none" normalizeH="0" baseline="0" dirty="0">
               <a:ln>
                 <a:noFill/>
               </a:ln>
@@ -8424,7 +7008,7 @@
 </p:sld>
 </file>
 
-<file path=ppt/slides/slide5.xml><?xml version="1.0" encoding="utf-8"?>
+<file path=ppt/slides/slide6.xml><?xml version="1.0" encoding="utf-8"?>
 <p:sld xmlns:a="http://schemas.openxmlformats.org/drawingml/2006/main" xmlns:r="http://schemas.openxmlformats.org/officeDocument/2006/relationships" xmlns:p="http://schemas.openxmlformats.org/presentationml/2006/main">
   <p:cSld>
     <p:spTree>
@@ -8511,36 +7095,6 @@
           </a:p>
         </p:txBody>
       </p:sp>
-      <p:pic>
-        <p:nvPicPr>
-          <p:cNvPr id="6" name="Grafik 5">
-            <a:extLst>
-              <a:ext uri="{FF2B5EF4-FFF2-40B4-BE49-F238E27FC236}">
-                <a16:creationId xmlns:a16="http://schemas.microsoft.com/office/drawing/2014/main" id="{9B0203E6-95EB-1391-78F6-1014A5E0FC5D}"/>
-              </a:ext>
-            </a:extLst>
-          </p:cNvPr>
-          <p:cNvPicPr>
-            <a:picLocks noChangeAspect="1"/>
-          </p:cNvPicPr>
-          <p:nvPr/>
-        </p:nvPicPr>
-        <p:blipFill>
-          <a:blip r:embed="rId2"/>
-          <a:stretch>
-            <a:fillRect/>
-          </a:stretch>
-        </p:blipFill>
-        <p:spPr>
-          <a:xfrm>
-            <a:off x="838201" y="1919286"/>
-            <a:ext cx="7468195" cy="3712077"/>
-          </a:xfrm>
-          <a:prstGeom prst="rect">
-            <a:avLst/>
-          </a:prstGeom>
-        </p:spPr>
-      </p:pic>
       <p:sp>
         <p:nvSpPr>
           <p:cNvPr id="7" name="Rectangle 1">
@@ -9931,6 +8485,42 @@
           </a:p>
         </p:txBody>
       </p:sp>
+      <p:pic>
+        <p:nvPicPr>
+          <p:cNvPr id="4" name="Grafik 3" descr="Ein Bild, das Text, Screenshot, Diagramm, Reihe enthält.&#10;&#10;KI-generierte Inhalte können fehlerhaft sein.">
+            <a:extLst>
+              <a:ext uri="{FF2B5EF4-FFF2-40B4-BE49-F238E27FC236}">
+                <a16:creationId xmlns:a16="http://schemas.microsoft.com/office/drawing/2014/main" id="{8A011CDD-CBF6-E77F-CED1-23B662586595}"/>
+              </a:ext>
+            </a:extLst>
+          </p:cNvPr>
+          <p:cNvPicPr>
+            <a:picLocks noChangeAspect="1"/>
+          </p:cNvPicPr>
+          <p:nvPr/>
+        </p:nvPicPr>
+        <p:blipFill>
+          <a:blip r:embed="rId2">
+            <a:extLst>
+              <a:ext uri="{28A0092B-C50C-407E-A947-70E740481C1C}">
+                <a14:useLocalDpi xmlns:a14="http://schemas.microsoft.com/office/drawing/2010/main" val="0"/>
+              </a:ext>
+            </a:extLst>
+          </a:blip>
+          <a:stretch>
+            <a:fillRect/>
+          </a:stretch>
+        </p:blipFill>
+        <p:spPr>
+          <a:xfrm>
+            <a:off x="205496" y="2075699"/>
+            <a:ext cx="7839227" cy="3889944"/>
+          </a:xfrm>
+          <a:prstGeom prst="rect">
+            <a:avLst/>
+          </a:prstGeom>
+        </p:spPr>
+      </p:pic>
     </p:spTree>
     <p:extLst>
       <p:ext uri="{BB962C8B-B14F-4D97-AF65-F5344CB8AC3E}">
@@ -9944,7 +8534,386 @@
 </p:sld>
 </file>
 
-<file path=ppt/slides/slide6.xml><?xml version="1.0" encoding="utf-8"?>
+<file path=ppt/slides/slide7.xml><?xml version="1.0" encoding="utf-8"?>
+<p:sld xmlns:a="http://schemas.openxmlformats.org/drawingml/2006/main" xmlns:r="http://schemas.openxmlformats.org/officeDocument/2006/relationships" xmlns:p="http://schemas.openxmlformats.org/presentationml/2006/main">
+  <p:cSld>
+    <p:spTree>
+      <p:nvGrpSpPr>
+        <p:cNvPr id="1" name="">
+          <a:extLst>
+            <a:ext uri="{FF2B5EF4-FFF2-40B4-BE49-F238E27FC236}">
+              <a16:creationId xmlns:a16="http://schemas.microsoft.com/office/drawing/2014/main" id="{598153FC-513A-91C7-5858-B9C524AF5F5E}"/>
+            </a:ext>
+          </a:extLst>
+        </p:cNvPr>
+        <p:cNvGrpSpPr/>
+        <p:nvPr/>
+      </p:nvGrpSpPr>
+      <p:grpSpPr>
+        <a:xfrm>
+          <a:off x="0" y="0"/>
+          <a:ext cx="0" cy="0"/>
+          <a:chOff x="0" y="0"/>
+          <a:chExt cx="0" cy="0"/>
+        </a:xfrm>
+      </p:grpSpPr>
+      <p:sp>
+        <p:nvSpPr>
+          <p:cNvPr id="2" name="Titel 1">
+            <a:extLst>
+              <a:ext uri="{FF2B5EF4-FFF2-40B4-BE49-F238E27FC236}">
+                <a16:creationId xmlns:a16="http://schemas.microsoft.com/office/drawing/2014/main" id="{71D960BA-5001-DE22-1666-89A8D7912AF1}"/>
+              </a:ext>
+            </a:extLst>
+          </p:cNvPr>
+          <p:cNvSpPr>
+            <a:spLocks noGrp="1"/>
+          </p:cNvSpPr>
+          <p:nvPr>
+            <p:ph type="title"/>
+          </p:nvPr>
+        </p:nvSpPr>
+        <p:spPr/>
+        <p:txBody>
+          <a:bodyPr/>
+          <a:lstStyle/>
+          <a:p>
+            <a:r>
+              <a:rPr lang="de-AT" dirty="0" err="1"/>
+              <a:t>Beatmap</a:t>
+            </a:r>
+            <a:r>
+              <a:rPr lang="de-AT" dirty="0"/>
+              <a:t> Analysis – </a:t>
+            </a:r>
+            <a:r>
+              <a:rPr lang="de-AT" dirty="0" err="1"/>
+              <a:t>aim</a:t>
+            </a:r>
+            <a:r>
+              <a:rPr lang="de-AT" dirty="0"/>
+              <a:t>, </a:t>
+            </a:r>
+            <a:r>
+              <a:rPr lang="de-AT" dirty="0" err="1"/>
+              <a:t>speed</a:t>
+            </a:r>
+            <a:r>
+              <a:rPr lang="de-AT" dirty="0"/>
+              <a:t>, „</a:t>
+            </a:r>
+            <a:r>
+              <a:rPr lang="de-AT" dirty="0" err="1"/>
+              <a:t>technicality</a:t>
+            </a:r>
+            <a:r>
+              <a:rPr lang="de-AT" dirty="0"/>
+              <a:t>“, </a:t>
+            </a:r>
+            <a:r>
+              <a:rPr lang="de-AT" dirty="0" err="1"/>
+              <a:t>with</a:t>
+            </a:r>
+            <a:r>
+              <a:rPr lang="de-AT" dirty="0"/>
+              <a:t> </a:t>
+            </a:r>
+            <a:r>
+              <a:rPr lang="de-AT" dirty="0" err="1"/>
+              <a:t>difficulty</a:t>
+            </a:r>
+            <a:r>
+              <a:rPr lang="de-AT" dirty="0"/>
+              <a:t> </a:t>
+            </a:r>
+            <a:r>
+              <a:rPr lang="de-AT" dirty="0" err="1"/>
+              <a:t>rating</a:t>
+            </a:r>
+            <a:endParaRPr lang="de-AT" dirty="0"/>
+          </a:p>
+        </p:txBody>
+      </p:sp>
+      <p:pic>
+        <p:nvPicPr>
+          <p:cNvPr id="5" name="Grafik 4" descr="Ein Bild, das Text, Screenshot, Diagramm, Farbigkeit enthält.&#10;&#10;KI-generierte Inhalte können fehlerhaft sein.">
+            <a:extLst>
+              <a:ext uri="{FF2B5EF4-FFF2-40B4-BE49-F238E27FC236}">
+                <a16:creationId xmlns:a16="http://schemas.microsoft.com/office/drawing/2014/main" id="{1D8031FE-0836-815E-8D20-8EA33ECEEC2A}"/>
+              </a:ext>
+            </a:extLst>
+          </p:cNvPr>
+          <p:cNvPicPr>
+            <a:picLocks noChangeAspect="1"/>
+          </p:cNvPicPr>
+          <p:nvPr/>
+        </p:nvPicPr>
+        <p:blipFill>
+          <a:blip r:embed="rId3">
+            <a:extLst>
+              <a:ext uri="{28A0092B-C50C-407E-A947-70E740481C1C}">
+                <a14:useLocalDpi xmlns:a14="http://schemas.microsoft.com/office/drawing/2010/main" val="0"/>
+              </a:ext>
+            </a:extLst>
+          </a:blip>
+          <a:stretch>
+            <a:fillRect/>
+          </a:stretch>
+        </p:blipFill>
+        <p:spPr>
+          <a:xfrm>
+            <a:off x="472440" y="1690688"/>
+            <a:ext cx="5865088" cy="4800606"/>
+          </a:xfrm>
+          <a:prstGeom prst="rect">
+            <a:avLst/>
+          </a:prstGeom>
+        </p:spPr>
+      </p:pic>
+      <p:sp>
+        <p:nvSpPr>
+          <p:cNvPr id="9" name="Textfeld 8">
+            <a:extLst>
+              <a:ext uri="{FF2B5EF4-FFF2-40B4-BE49-F238E27FC236}">
+                <a16:creationId xmlns:a16="http://schemas.microsoft.com/office/drawing/2014/main" id="{0811480C-2D8D-AEC5-6BEC-91CE16ED8F12}"/>
+              </a:ext>
+            </a:extLst>
+          </p:cNvPr>
+          <p:cNvSpPr txBox="1"/>
+          <p:nvPr/>
+        </p:nvSpPr>
+        <p:spPr>
+          <a:xfrm>
+            <a:off x="7379208" y="2505456"/>
+            <a:ext cx="4340352" cy="3170099"/>
+          </a:xfrm>
+          <a:prstGeom prst="rect">
+            <a:avLst/>
+          </a:prstGeom>
+          <a:noFill/>
+        </p:spPr>
+        <p:txBody>
+          <a:bodyPr wrap="square" rtlCol="0">
+            <a:spAutoFit/>
+          </a:bodyPr>
+          <a:lstStyle/>
+          <a:p>
+            <a:r>
+              <a:rPr lang="de-DE" sz="2000" b="1" dirty="0"/>
+              <a:t>Takeaways:</a:t>
+            </a:r>
+          </a:p>
+          <a:p>
+            <a:r>
+              <a:rPr lang="de-DE" sz="2000" dirty="0"/>
+              <a:t>- </a:t>
+            </a:r>
+            <a:r>
+              <a:rPr lang="de-DE" sz="2000" dirty="0" err="1"/>
+              <a:t>Cone</a:t>
+            </a:r>
+            <a:r>
+              <a:rPr lang="de-DE" sz="2000" dirty="0"/>
+              <a:t> </a:t>
+            </a:r>
+            <a:r>
+              <a:rPr lang="de-DE" sz="2000" dirty="0" err="1"/>
+              <a:t>shape</a:t>
+            </a:r>
+            <a:r>
+              <a:rPr lang="de-DE" sz="2000" dirty="0"/>
+              <a:t> </a:t>
+            </a:r>
+            <a:r>
+              <a:rPr lang="de-DE" sz="2000" dirty="0" err="1"/>
+              <a:t>expected</a:t>
+            </a:r>
+            <a:r>
+              <a:rPr lang="de-DE" sz="2000" dirty="0"/>
+              <a:t>, </a:t>
+            </a:r>
+            <a:r>
+              <a:rPr lang="de-DE" sz="2000" b="1" dirty="0"/>
+              <a:t>BUT</a:t>
+            </a:r>
+          </a:p>
+          <a:p>
+            <a:pPr marL="342900" indent="-342900">
+              <a:buFontTx/>
+              <a:buChar char="-"/>
+            </a:pPr>
+            <a:r>
+              <a:rPr lang="de-DE" sz="2000" dirty="0" err="1"/>
+              <a:t>We</a:t>
+            </a:r>
+            <a:r>
+              <a:rPr lang="de-DE" sz="2000" dirty="0"/>
+              <a:t> </a:t>
+            </a:r>
+            <a:r>
+              <a:rPr lang="de-DE" sz="2000" dirty="0" err="1"/>
+              <a:t>expected</a:t>
+            </a:r>
+            <a:r>
+              <a:rPr lang="de-DE" sz="2000" dirty="0"/>
+              <a:t> </a:t>
+            </a:r>
+            <a:r>
+              <a:rPr lang="de-DE" sz="2000" dirty="0" err="1"/>
+              <a:t>more</a:t>
+            </a:r>
+            <a:r>
+              <a:rPr lang="de-DE" sz="2000" dirty="0"/>
+              <a:t> Clustering in </a:t>
+            </a:r>
+            <a:r>
+              <a:rPr lang="de-DE" sz="2000" dirty="0" err="1"/>
+              <a:t>higher</a:t>
+            </a:r>
+            <a:r>
+              <a:rPr lang="de-DE" sz="2000" dirty="0"/>
+              <a:t> </a:t>
+            </a:r>
+            <a:r>
+              <a:rPr lang="de-DE" sz="2000" dirty="0" err="1"/>
+              <a:t>difficulties</a:t>
+            </a:r>
+            <a:r>
+              <a:rPr lang="de-DE" sz="2000" dirty="0"/>
+              <a:t>.</a:t>
+            </a:r>
+          </a:p>
+          <a:p>
+            <a:endParaRPr lang="de-DE" sz="2000" dirty="0"/>
+          </a:p>
+          <a:p>
+            <a:pPr marL="342900" indent="-342900">
+              <a:buFont typeface="Symbol" panose="05050102010706020507" pitchFamily="18" charset="2"/>
+              <a:buChar char="Þ"/>
+            </a:pPr>
+            <a:r>
+              <a:rPr lang="de-DE" sz="2000" dirty="0" err="1"/>
+              <a:t>Map</a:t>
+            </a:r>
+            <a:r>
+              <a:rPr lang="de-DE" sz="2000" dirty="0"/>
+              <a:t> „</a:t>
+            </a:r>
+            <a:r>
+              <a:rPr lang="de-DE" sz="2000" dirty="0" err="1"/>
+              <a:t>Archetypes</a:t>
+            </a:r>
+            <a:r>
+              <a:rPr lang="de-DE" sz="2000" dirty="0"/>
+              <a:t>“ not </a:t>
+            </a:r>
+            <a:r>
+              <a:rPr lang="de-DE" sz="2000" dirty="0" err="1"/>
+              <a:t>easily</a:t>
+            </a:r>
+            <a:r>
+              <a:rPr lang="de-DE" sz="2000" dirty="0"/>
+              <a:t> </a:t>
+            </a:r>
+            <a:r>
+              <a:rPr lang="de-DE" sz="2000" dirty="0" err="1"/>
+              <a:t>identifiable</a:t>
+            </a:r>
+            <a:r>
+              <a:rPr lang="de-DE" sz="2000" dirty="0"/>
+              <a:t> </a:t>
+            </a:r>
+            <a:r>
+              <a:rPr lang="de-DE" sz="2000" dirty="0" err="1"/>
+              <a:t>through</a:t>
+            </a:r>
+            <a:r>
+              <a:rPr lang="de-DE" sz="2000" dirty="0"/>
+              <a:t> </a:t>
+            </a:r>
+            <a:r>
+              <a:rPr lang="de-DE" sz="2000" dirty="0" err="1"/>
+              <a:t>basic</a:t>
+            </a:r>
+            <a:r>
+              <a:rPr lang="de-DE" sz="2000" dirty="0"/>
+              <a:t> </a:t>
+            </a:r>
+            <a:r>
+              <a:rPr lang="de-DE" sz="2000" dirty="0" err="1"/>
+              <a:t>constructed</a:t>
+            </a:r>
+            <a:r>
+              <a:rPr lang="de-DE" sz="2000" dirty="0"/>
+              <a:t> </a:t>
+            </a:r>
+            <a:r>
+              <a:rPr lang="de-DE" sz="2000" dirty="0" err="1"/>
+              <a:t>metrics</a:t>
+            </a:r>
+            <a:r>
+              <a:rPr lang="de-DE" sz="2000" dirty="0"/>
+              <a:t>. </a:t>
+            </a:r>
+          </a:p>
+          <a:p>
+            <a:pPr marL="342900" indent="-342900">
+              <a:buFont typeface="Symbol" panose="05050102010706020507" pitchFamily="18" charset="2"/>
+              <a:buChar char="Þ"/>
+            </a:pPr>
+            <a:r>
+              <a:rPr lang="de-DE" sz="2000" dirty="0"/>
+              <a:t>Maybe just </a:t>
+            </a:r>
+            <a:r>
+              <a:rPr lang="de-DE" sz="2000" dirty="0" err="1"/>
+              <a:t>more</a:t>
+            </a:r>
+            <a:r>
+              <a:rPr lang="de-DE" sz="2000" dirty="0"/>
+              <a:t> Hybrids Maps out </a:t>
+            </a:r>
+            <a:r>
+              <a:rPr lang="de-DE" sz="2000" dirty="0" err="1"/>
+              <a:t>there</a:t>
+            </a:r>
+            <a:r>
+              <a:rPr lang="de-DE" sz="2000" dirty="0"/>
+              <a:t> </a:t>
+            </a:r>
+            <a:r>
+              <a:rPr lang="de-DE" sz="2000" dirty="0" err="1"/>
+              <a:t>then</a:t>
+            </a:r>
+            <a:r>
+              <a:rPr lang="de-DE" sz="2000" dirty="0"/>
+              <a:t> </a:t>
+            </a:r>
+            <a:r>
+              <a:rPr lang="de-DE" sz="2000" dirty="0" err="1"/>
+              <a:t>expected</a:t>
+            </a:r>
+            <a:r>
+              <a:rPr lang="de-DE" sz="2000" dirty="0"/>
+              <a:t>.</a:t>
+            </a:r>
+          </a:p>
+        </p:txBody>
+      </p:sp>
+    </p:spTree>
+    <p:extLst>
+      <p:ext uri="{BB962C8B-B14F-4D97-AF65-F5344CB8AC3E}">
+        <p14:creationId xmlns:p14="http://schemas.microsoft.com/office/powerpoint/2010/main" val="1808665974"/>
+      </p:ext>
+    </p:extLst>
+  </p:cSld>
+  <p:clrMapOvr>
+    <a:masterClrMapping/>
+  </p:clrMapOvr>
+</p:sld>
+</file>
+
+<file path=ppt/slides/slide8.xml><?xml version="1.0" encoding="utf-8"?>
 <p:sld xmlns:a="http://schemas.openxmlformats.org/drawingml/2006/main" xmlns:r="http://schemas.openxmlformats.org/officeDocument/2006/relationships" xmlns:p="http://schemas.openxmlformats.org/presentationml/2006/main">
   <p:cSld>
     <p:spTree>
@@ -12046,6 +11015,623 @@
     <p:extLst>
       <p:ext uri="{BB962C8B-B14F-4D97-AF65-F5344CB8AC3E}">
         <p14:creationId xmlns:p14="http://schemas.microsoft.com/office/powerpoint/2010/main" val="2864953239"/>
+      </p:ext>
+    </p:extLst>
+  </p:cSld>
+  <p:clrMapOvr>
+    <a:masterClrMapping/>
+  </p:clrMapOvr>
+</p:sld>
+</file>
+
+<file path=ppt/slides/slide9.xml><?xml version="1.0" encoding="utf-8"?>
+<p:sld xmlns:a="http://schemas.openxmlformats.org/drawingml/2006/main" xmlns:r="http://schemas.openxmlformats.org/officeDocument/2006/relationships" xmlns:p="http://schemas.openxmlformats.org/presentationml/2006/main">
+  <p:cSld>
+    <p:spTree>
+      <p:nvGrpSpPr>
+        <p:cNvPr id="1" name="">
+          <a:extLst>
+            <a:ext uri="{FF2B5EF4-FFF2-40B4-BE49-F238E27FC236}">
+              <a16:creationId xmlns:a16="http://schemas.microsoft.com/office/drawing/2014/main" id="{A2E3ED23-1BDE-76AC-F340-4D9F75BB037B}"/>
+            </a:ext>
+          </a:extLst>
+        </p:cNvPr>
+        <p:cNvGrpSpPr/>
+        <p:nvPr/>
+      </p:nvGrpSpPr>
+      <p:grpSpPr>
+        <a:xfrm>
+          <a:off x="0" y="0"/>
+          <a:ext cx="0" cy="0"/>
+          <a:chOff x="0" y="0"/>
+          <a:chExt cx="0" cy="0"/>
+        </a:xfrm>
+      </p:grpSpPr>
+      <p:sp>
+        <p:nvSpPr>
+          <p:cNvPr id="2" name="Titel 1">
+            <a:extLst>
+              <a:ext uri="{FF2B5EF4-FFF2-40B4-BE49-F238E27FC236}">
+                <a16:creationId xmlns:a16="http://schemas.microsoft.com/office/drawing/2014/main" id="{E6A6DF5F-CCDF-2CDD-D93B-DE63E8325F05}"/>
+              </a:ext>
+            </a:extLst>
+          </p:cNvPr>
+          <p:cNvSpPr>
+            <a:spLocks noGrp="1"/>
+          </p:cNvSpPr>
+          <p:nvPr>
+            <p:ph type="title"/>
+          </p:nvPr>
+        </p:nvSpPr>
+        <p:spPr>
+          <a:xfrm>
+            <a:off x="838199" y="365125"/>
+            <a:ext cx="10915185" cy="1325563"/>
+          </a:xfrm>
+        </p:spPr>
+        <p:txBody>
+          <a:bodyPr>
+            <a:normAutofit/>
+          </a:bodyPr>
+          <a:lstStyle/>
+          <a:p>
+            <a:r>
+              <a:rPr lang="de-AT" dirty="0"/>
+              <a:t>Score Analysis – </a:t>
+            </a:r>
+            <a:r>
+              <a:rPr lang="de-AT" dirty="0" err="1"/>
+              <a:t>Mod</a:t>
+            </a:r>
+            <a:r>
+              <a:rPr lang="de-AT" dirty="0"/>
+              <a:t> </a:t>
+            </a:r>
+            <a:r>
+              <a:rPr lang="de-AT" dirty="0" err="1"/>
+              <a:t>Usage</a:t>
+            </a:r>
+            <a:endParaRPr lang="de-AT" dirty="0"/>
+          </a:p>
+        </p:txBody>
+      </p:sp>
+      <p:pic>
+        <p:nvPicPr>
+          <p:cNvPr id="7" name="Inhaltsplatzhalter 6">
+            <a:extLst>
+              <a:ext uri="{FF2B5EF4-FFF2-40B4-BE49-F238E27FC236}">
+                <a16:creationId xmlns:a16="http://schemas.microsoft.com/office/drawing/2014/main" id="{D2015FA3-0B51-4F94-C529-892A6EB615D6}"/>
+              </a:ext>
+            </a:extLst>
+          </p:cNvPr>
+          <p:cNvPicPr>
+            <a:picLocks noGrp="1" noChangeAspect="1"/>
+          </p:cNvPicPr>
+          <p:nvPr>
+            <p:ph idx="1"/>
+          </p:nvPr>
+        </p:nvPicPr>
+        <p:blipFill>
+          <a:blip r:embed="rId2">
+            <a:extLst>
+              <a:ext uri="{28A0092B-C50C-407E-A947-70E740481C1C}">
+                <a14:useLocalDpi xmlns:a14="http://schemas.microsoft.com/office/drawing/2010/main" val="0"/>
+              </a:ext>
+            </a:extLst>
+          </a:blip>
+          <a:stretch>
+            <a:fillRect/>
+          </a:stretch>
+        </p:blipFill>
+        <p:spPr>
+          <a:xfrm>
+            <a:off x="520678" y="1690688"/>
+            <a:ext cx="8068045" cy="4209415"/>
+          </a:xfrm>
+        </p:spPr>
+      </p:pic>
+      <p:sp>
+        <p:nvSpPr>
+          <p:cNvPr id="8" name="Textfeld 7">
+            <a:extLst>
+              <a:ext uri="{FF2B5EF4-FFF2-40B4-BE49-F238E27FC236}">
+                <a16:creationId xmlns:a16="http://schemas.microsoft.com/office/drawing/2014/main" id="{7E805A2C-8319-BE0A-9DBE-CDA3F496C998}"/>
+              </a:ext>
+            </a:extLst>
+          </p:cNvPr>
+          <p:cNvSpPr txBox="1"/>
+          <p:nvPr/>
+        </p:nvSpPr>
+        <p:spPr>
+          <a:xfrm>
+            <a:off x="693820" y="5389964"/>
+            <a:ext cx="551113" cy="461665"/>
+          </a:xfrm>
+          <a:prstGeom prst="rect">
+            <a:avLst/>
+          </a:prstGeom>
+          <a:noFill/>
+        </p:spPr>
+        <p:txBody>
+          <a:bodyPr wrap="none" rtlCol="0">
+            <a:spAutoFit/>
+          </a:bodyPr>
+          <a:lstStyle/>
+          <a:p>
+            <a:r>
+              <a:rPr lang="de-DE" sz="2400" b="1" dirty="0"/>
+              <a:t>DT</a:t>
+            </a:r>
+          </a:p>
+        </p:txBody>
+      </p:sp>
+      <p:sp>
+        <p:nvSpPr>
+          <p:cNvPr id="9" name="Textfeld 8">
+            <a:extLst>
+              <a:ext uri="{FF2B5EF4-FFF2-40B4-BE49-F238E27FC236}">
+                <a16:creationId xmlns:a16="http://schemas.microsoft.com/office/drawing/2014/main" id="{D9508C8C-2444-635F-1DC6-4AB0C71DBBF9}"/>
+              </a:ext>
+            </a:extLst>
+          </p:cNvPr>
+          <p:cNvSpPr txBox="1"/>
+          <p:nvPr/>
+        </p:nvSpPr>
+        <p:spPr>
+          <a:xfrm>
+            <a:off x="3950047" y="5389963"/>
+            <a:ext cx="604653" cy="461665"/>
+          </a:xfrm>
+          <a:prstGeom prst="rect">
+            <a:avLst/>
+          </a:prstGeom>
+          <a:noFill/>
+        </p:spPr>
+        <p:txBody>
+          <a:bodyPr wrap="none" rtlCol="0">
+            <a:spAutoFit/>
+          </a:bodyPr>
+          <a:lstStyle/>
+          <a:p>
+            <a:r>
+              <a:rPr lang="de-DE" sz="2400" b="1" dirty="0"/>
+              <a:t>HR</a:t>
+            </a:r>
+          </a:p>
+        </p:txBody>
+      </p:sp>
+      <p:sp>
+        <p:nvSpPr>
+          <p:cNvPr id="12" name="Rechteck 11">
+            <a:extLst>
+              <a:ext uri="{FF2B5EF4-FFF2-40B4-BE49-F238E27FC236}">
+                <a16:creationId xmlns:a16="http://schemas.microsoft.com/office/drawing/2014/main" id="{BBD2A006-4D83-B549-7DD6-741CCE022D6B}"/>
+              </a:ext>
+            </a:extLst>
+          </p:cNvPr>
+          <p:cNvSpPr/>
+          <p:nvPr/>
+        </p:nvSpPr>
+        <p:spPr>
+          <a:xfrm>
+            <a:off x="693820" y="1499616"/>
+            <a:ext cx="6511652" cy="1003984"/>
+          </a:xfrm>
+          <a:prstGeom prst="rect">
+            <a:avLst/>
+          </a:prstGeom>
+          <a:solidFill>
+            <a:schemeClr val="bg1"/>
+          </a:solidFill>
+          <a:ln>
+            <a:solidFill>
+              <a:schemeClr val="bg1"/>
+            </a:solidFill>
+          </a:ln>
+        </p:spPr>
+        <p:style>
+          <a:lnRef idx="2">
+            <a:schemeClr val="dk1">
+              <a:shade val="15000"/>
+            </a:schemeClr>
+          </a:lnRef>
+          <a:fillRef idx="1">
+            <a:schemeClr val="dk1"/>
+          </a:fillRef>
+          <a:effectRef idx="0">
+            <a:schemeClr val="dk1"/>
+          </a:effectRef>
+          <a:fontRef idx="minor">
+            <a:schemeClr val="lt1"/>
+          </a:fontRef>
+        </p:style>
+        <p:txBody>
+          <a:bodyPr rtlCol="0" anchor="ctr"/>
+          <a:lstStyle/>
+          <a:p>
+            <a:pPr algn="ctr"/>
+            <a:endParaRPr lang="de-DE"/>
+          </a:p>
+        </p:txBody>
+      </p:sp>
+      <p:sp>
+        <p:nvSpPr>
+          <p:cNvPr id="11" name="Textfeld 10">
+            <a:extLst>
+              <a:ext uri="{FF2B5EF4-FFF2-40B4-BE49-F238E27FC236}">
+                <a16:creationId xmlns:a16="http://schemas.microsoft.com/office/drawing/2014/main" id="{6FC0B76E-039D-D003-2FC7-C680A8BDF148}"/>
+              </a:ext>
+            </a:extLst>
+          </p:cNvPr>
+          <p:cNvSpPr txBox="1"/>
+          <p:nvPr/>
+        </p:nvSpPr>
+        <p:spPr>
+          <a:xfrm>
+            <a:off x="2317281" y="1973840"/>
+            <a:ext cx="6444583" cy="400110"/>
+          </a:xfrm>
+          <a:prstGeom prst="rect">
+            <a:avLst/>
+          </a:prstGeom>
+          <a:noFill/>
+        </p:spPr>
+        <p:txBody>
+          <a:bodyPr wrap="square">
+            <a:spAutoFit/>
+          </a:bodyPr>
+          <a:lstStyle/>
+          <a:p>
+            <a:r>
+              <a:rPr lang="de-DE" sz="2000" b="1" dirty="0"/>
+              <a:t>NM</a:t>
+            </a:r>
+          </a:p>
+        </p:txBody>
+      </p:sp>
+      <p:sp>
+        <p:nvSpPr>
+          <p:cNvPr id="13" name="Textfeld 12">
+            <a:extLst>
+              <a:ext uri="{FF2B5EF4-FFF2-40B4-BE49-F238E27FC236}">
+                <a16:creationId xmlns:a16="http://schemas.microsoft.com/office/drawing/2014/main" id="{88AE7E40-6D64-AD66-AD8B-B5BBC4D714BA}"/>
+              </a:ext>
+            </a:extLst>
+          </p:cNvPr>
+          <p:cNvSpPr txBox="1"/>
+          <p:nvPr/>
+        </p:nvSpPr>
+        <p:spPr>
+          <a:xfrm>
+            <a:off x="1834309" y="5780262"/>
+            <a:ext cx="1427635" cy="369332"/>
+          </a:xfrm>
+          <a:prstGeom prst="rect">
+            <a:avLst/>
+          </a:prstGeom>
+          <a:noFill/>
+        </p:spPr>
+        <p:txBody>
+          <a:bodyPr wrap="none" rtlCol="0">
+            <a:spAutoFit/>
+          </a:bodyPr>
+          <a:lstStyle/>
+          <a:p>
+            <a:r>
+              <a:rPr lang="de-DE" b="1" dirty="0"/>
+              <a:t>TOP Players</a:t>
+            </a:r>
+          </a:p>
+        </p:txBody>
+      </p:sp>
+      <p:sp>
+        <p:nvSpPr>
+          <p:cNvPr id="14" name="Textfeld 13">
+            <a:extLst>
+              <a:ext uri="{FF2B5EF4-FFF2-40B4-BE49-F238E27FC236}">
+                <a16:creationId xmlns:a16="http://schemas.microsoft.com/office/drawing/2014/main" id="{1C2F02EF-7F7F-A315-77CF-798CF23C0E8A}"/>
+              </a:ext>
+            </a:extLst>
+          </p:cNvPr>
+          <p:cNvSpPr txBox="1"/>
+          <p:nvPr/>
+        </p:nvSpPr>
+        <p:spPr>
+          <a:xfrm>
+            <a:off x="5455920" y="5780262"/>
+            <a:ext cx="1886927" cy="369332"/>
+          </a:xfrm>
+          <a:prstGeom prst="rect">
+            <a:avLst/>
+          </a:prstGeom>
+          <a:noFill/>
+        </p:spPr>
+        <p:txBody>
+          <a:bodyPr wrap="none" rtlCol="0">
+            <a:spAutoFit/>
+          </a:bodyPr>
+          <a:lstStyle/>
+          <a:p>
+            <a:r>
+              <a:rPr lang="de-DE" b="1" dirty="0"/>
+              <a:t>Random Players</a:t>
+            </a:r>
+          </a:p>
+        </p:txBody>
+      </p:sp>
+      <p:sp>
+        <p:nvSpPr>
+          <p:cNvPr id="18" name="Rechteck 17">
+            <a:extLst>
+              <a:ext uri="{FF2B5EF4-FFF2-40B4-BE49-F238E27FC236}">
+                <a16:creationId xmlns:a16="http://schemas.microsoft.com/office/drawing/2014/main" id="{485ADE0B-5902-5312-C215-F176A6F8DF60}"/>
+              </a:ext>
+            </a:extLst>
+          </p:cNvPr>
+          <p:cNvSpPr/>
+          <p:nvPr/>
+        </p:nvSpPr>
+        <p:spPr>
+          <a:xfrm>
+            <a:off x="8101859" y="1654592"/>
+            <a:ext cx="3651525" cy="1003984"/>
+          </a:xfrm>
+          <a:prstGeom prst="rect">
+            <a:avLst/>
+          </a:prstGeom>
+          <a:solidFill>
+            <a:schemeClr val="bg1"/>
+          </a:solidFill>
+          <a:ln>
+            <a:solidFill>
+              <a:schemeClr val="bg1"/>
+            </a:solidFill>
+          </a:ln>
+        </p:spPr>
+        <p:style>
+          <a:lnRef idx="2">
+            <a:schemeClr val="dk1">
+              <a:shade val="15000"/>
+            </a:schemeClr>
+          </a:lnRef>
+          <a:fillRef idx="1">
+            <a:schemeClr val="dk1"/>
+          </a:fillRef>
+          <a:effectRef idx="0">
+            <a:schemeClr val="dk1"/>
+          </a:effectRef>
+          <a:fontRef idx="minor">
+            <a:schemeClr val="lt1"/>
+          </a:fontRef>
+        </p:style>
+        <p:txBody>
+          <a:bodyPr rtlCol="0" anchor="ctr"/>
+          <a:lstStyle/>
+          <a:p>
+            <a:pPr algn="ctr"/>
+            <a:endParaRPr lang="de-DE"/>
+          </a:p>
+        </p:txBody>
+      </p:sp>
+      <p:sp>
+        <p:nvSpPr>
+          <p:cNvPr id="15" name="Textfeld 14">
+            <a:extLst>
+              <a:ext uri="{FF2B5EF4-FFF2-40B4-BE49-F238E27FC236}">
+                <a16:creationId xmlns:a16="http://schemas.microsoft.com/office/drawing/2014/main" id="{F7F1CB38-32E3-965C-7EF0-5BDDC71510D4}"/>
+              </a:ext>
+            </a:extLst>
+          </p:cNvPr>
+          <p:cNvSpPr txBox="1"/>
+          <p:nvPr/>
+        </p:nvSpPr>
+        <p:spPr>
+          <a:xfrm>
+            <a:off x="8001727" y="1973840"/>
+            <a:ext cx="3745984" cy="2308324"/>
+          </a:xfrm>
+          <a:prstGeom prst="rect">
+            <a:avLst/>
+          </a:prstGeom>
+          <a:noFill/>
+        </p:spPr>
+        <p:txBody>
+          <a:bodyPr wrap="square" rtlCol="0">
+            <a:spAutoFit/>
+          </a:bodyPr>
+          <a:lstStyle/>
+          <a:p>
+            <a:r>
+              <a:rPr lang="de-DE" b="1" dirty="0" err="1"/>
+              <a:t>Beatmaps</a:t>
+            </a:r>
+            <a:r>
+              <a:rPr lang="de-DE" b="1" dirty="0"/>
+              <a:t> </a:t>
+            </a:r>
+            <a:r>
+              <a:rPr lang="de-DE" i="1" dirty="0" err="1"/>
+              <a:t>Fractions</a:t>
+            </a:r>
+            <a:r>
+              <a:rPr lang="de-DE" i="1" dirty="0"/>
+              <a:t> </a:t>
+            </a:r>
+            <a:r>
+              <a:rPr lang="de-DE" i="1" dirty="0" err="1"/>
+              <a:t>of</a:t>
+            </a:r>
+            <a:r>
+              <a:rPr lang="de-DE" i="1" dirty="0"/>
+              <a:t> </a:t>
+            </a:r>
+            <a:r>
+              <a:rPr lang="de-DE" i="1" dirty="0" err="1"/>
+              <a:t>Mods</a:t>
+            </a:r>
+            <a:r>
+              <a:rPr lang="de-DE" i="1" dirty="0"/>
+              <a:t> </a:t>
+            </a:r>
+            <a:r>
+              <a:rPr lang="de-DE" i="1" dirty="0" err="1"/>
+              <a:t>used</a:t>
+            </a:r>
+            <a:r>
+              <a:rPr lang="de-DE" i="1" dirty="0"/>
+              <a:t> ,</a:t>
+            </a:r>
+          </a:p>
+          <a:p>
+            <a:pPr marL="285750" indent="-285750">
+              <a:buFontTx/>
+              <a:buChar char="-"/>
+            </a:pPr>
+            <a:r>
+              <a:rPr lang="de-DE" dirty="0"/>
+              <a:t>Top </a:t>
+            </a:r>
+            <a:r>
+              <a:rPr lang="de-DE" dirty="0" err="1"/>
+              <a:t>players</a:t>
+            </a:r>
+            <a:r>
+              <a:rPr lang="de-DE" dirty="0"/>
+              <a:t> </a:t>
+            </a:r>
+            <a:r>
+              <a:rPr lang="de-DE" dirty="0" err="1"/>
+              <a:t>use</a:t>
+            </a:r>
+            <a:r>
+              <a:rPr lang="de-DE" dirty="0"/>
+              <a:t> </a:t>
+            </a:r>
+            <a:r>
+              <a:rPr lang="de-DE" dirty="0" err="1"/>
+              <a:t>way</a:t>
+            </a:r>
+            <a:r>
+              <a:rPr lang="de-DE" dirty="0"/>
+              <a:t> </a:t>
+            </a:r>
+            <a:r>
+              <a:rPr lang="de-DE" dirty="0" err="1"/>
+              <a:t>more</a:t>
+            </a:r>
+            <a:r>
+              <a:rPr lang="de-DE" dirty="0"/>
+              <a:t> </a:t>
+            </a:r>
+            <a:r>
+              <a:rPr lang="de-DE" dirty="0" err="1"/>
+              <a:t>mods</a:t>
+            </a:r>
+            <a:endParaRPr lang="de-DE" dirty="0"/>
+          </a:p>
+          <a:p>
+            <a:pPr marL="285750" indent="-285750">
+              <a:buFontTx/>
+              <a:buChar char="-"/>
+            </a:pPr>
+            <a:r>
+              <a:rPr lang="de-DE" dirty="0"/>
+              <a:t>Maps </a:t>
+            </a:r>
+            <a:r>
+              <a:rPr lang="de-DE" dirty="0" err="1"/>
+              <a:t>exclusively</a:t>
+            </a:r>
+            <a:r>
+              <a:rPr lang="de-DE" dirty="0"/>
+              <a:t> </a:t>
+            </a:r>
+            <a:r>
+              <a:rPr lang="de-DE" dirty="0" err="1"/>
+              <a:t>played</a:t>
+            </a:r>
+            <a:r>
+              <a:rPr lang="de-DE" dirty="0"/>
+              <a:t> in DT and NM but not </a:t>
+            </a:r>
+            <a:r>
+              <a:rPr lang="de-DE" dirty="0" err="1"/>
+              <a:t>for</a:t>
+            </a:r>
+            <a:r>
+              <a:rPr lang="de-DE" dirty="0"/>
+              <a:t> HR</a:t>
+            </a:r>
+          </a:p>
+          <a:p>
+            <a:pPr marL="285750" indent="-285750">
+              <a:buFontTx/>
+              <a:buChar char="-"/>
+            </a:pPr>
+            <a:r>
+              <a:rPr lang="de-DE" dirty="0"/>
+              <a:t>DT </a:t>
+            </a:r>
+            <a:r>
+              <a:rPr lang="de-DE" dirty="0" err="1"/>
+              <a:t>more</a:t>
+            </a:r>
+            <a:r>
+              <a:rPr lang="de-DE" dirty="0"/>
+              <a:t> </a:t>
+            </a:r>
+            <a:r>
+              <a:rPr lang="de-DE" dirty="0" err="1"/>
+              <a:t>popular</a:t>
+            </a:r>
+            <a:r>
+              <a:rPr lang="de-DE" dirty="0"/>
+              <a:t> </a:t>
+            </a:r>
+            <a:r>
+              <a:rPr lang="de-DE" dirty="0" err="1"/>
+              <a:t>than</a:t>
+            </a:r>
+            <a:r>
+              <a:rPr lang="de-DE" dirty="0"/>
+              <a:t> HR</a:t>
+            </a:r>
+          </a:p>
+          <a:p>
+            <a:pPr marL="285750" indent="-285750">
+              <a:buFontTx/>
+              <a:buChar char="-"/>
+            </a:pPr>
+            <a:endParaRPr lang="de-DE" i="1" dirty="0"/>
+          </a:p>
+          <a:p>
+            <a:endParaRPr lang="de-DE" i="1" dirty="0"/>
+          </a:p>
+          <a:p>
+            <a:r>
+              <a:rPr lang="de-DE" i="1" dirty="0"/>
+              <a:t>Circle Size: </a:t>
+            </a:r>
+            <a:r>
+              <a:rPr lang="de-DE" i="1" dirty="0" err="1"/>
+              <a:t>beatmap</a:t>
+            </a:r>
+            <a:r>
+              <a:rPr lang="de-DE" i="1" dirty="0"/>
+              <a:t> </a:t>
+            </a:r>
+            <a:r>
+              <a:rPr lang="de-DE" i="1" dirty="0" err="1"/>
+              <a:t>playcount</a:t>
+            </a:r>
+            <a:endParaRPr lang="de-DE" i="1" dirty="0"/>
+          </a:p>
+        </p:txBody>
+      </p:sp>
+    </p:spTree>
+    <p:extLst>
+      <p:ext uri="{BB962C8B-B14F-4D97-AF65-F5344CB8AC3E}">
+        <p14:creationId xmlns:p14="http://schemas.microsoft.com/office/powerpoint/2010/main" val="2333696456"/>
       </p:ext>
     </p:extLst>
   </p:cSld>
@@ -12370,6 +11956,550 @@
 </a:theme>
 </file>
 
+<file path=ppt/theme/theme2.xml><?xml version="1.0" encoding="utf-8"?>
+<a:theme xmlns:a="http://schemas.openxmlformats.org/drawingml/2006/main" name="Office">
+  <a:themeElements>
+    <a:clrScheme name="Office">
+      <a:dk1>
+        <a:sysClr val="windowText" lastClr="000000"/>
+      </a:dk1>
+      <a:lt1>
+        <a:sysClr val="window" lastClr="FFFFFF"/>
+      </a:lt1>
+      <a:dk2>
+        <a:srgbClr val="0E2841"/>
+      </a:dk2>
+      <a:lt2>
+        <a:srgbClr val="E8E8E8"/>
+      </a:lt2>
+      <a:accent1>
+        <a:srgbClr val="156082"/>
+      </a:accent1>
+      <a:accent2>
+        <a:srgbClr val="E97132"/>
+      </a:accent2>
+      <a:accent3>
+        <a:srgbClr val="196B24"/>
+      </a:accent3>
+      <a:accent4>
+        <a:srgbClr val="0F9ED5"/>
+      </a:accent4>
+      <a:accent5>
+        <a:srgbClr val="A02B93"/>
+      </a:accent5>
+      <a:accent6>
+        <a:srgbClr val="4EA72E"/>
+      </a:accent6>
+      <a:hlink>
+        <a:srgbClr val="467886"/>
+      </a:hlink>
+      <a:folHlink>
+        <a:srgbClr val="96607D"/>
+      </a:folHlink>
+    </a:clrScheme>
+    <a:fontScheme name="Office">
+      <a:majorFont>
+        <a:latin typeface="Aptos Display" panose="02110004020202020204"/>
+        <a:ea typeface=""/>
+        <a:cs typeface=""/>
+        <a:font script="Jpan" typeface="游ゴシック Light"/>
+        <a:font script="Hang" typeface="맑은 고딕"/>
+        <a:font script="Hans" typeface="等线 Light"/>
+        <a:font script="Hant" typeface="新細明體"/>
+        <a:font script="Arab" typeface="Times New Roman"/>
+        <a:font script="Hebr" typeface="Times New Roman"/>
+        <a:font script="Thai" typeface="Angsana New"/>
+        <a:font script="Ethi" typeface="Nyala"/>
+        <a:font script="Beng" typeface="Vrinda"/>
+        <a:font script="Gujr" typeface="Shruti"/>
+        <a:font script="Khmr" typeface="MoolBoran"/>
+        <a:font script="Knda" typeface="Tunga"/>
+        <a:font script="Guru" typeface="Raavi"/>
+        <a:font script="Cans" typeface="Euphemia"/>
+        <a:font script="Cher" typeface="Plantagenet Cherokee"/>
+        <a:font script="Yiii" typeface="Microsoft Yi Baiti"/>
+        <a:font script="Tibt" typeface="Microsoft Himalaya"/>
+        <a:font script="Thaa" typeface="MV Boli"/>
+        <a:font script="Deva" typeface="Mangal"/>
+        <a:font script="Telu" typeface="Gautami"/>
+        <a:font script="Taml" typeface="Latha"/>
+        <a:font script="Syrc" typeface="Estrangelo Edessa"/>
+        <a:font script="Orya" typeface="Kalinga"/>
+        <a:font script="Mlym" typeface="Kartika"/>
+        <a:font script="Laoo" typeface="DokChampa"/>
+        <a:font script="Sinh" typeface="Iskoola Pota"/>
+        <a:font script="Mong" typeface="Mongolian Baiti"/>
+        <a:font script="Viet" typeface="Times New Roman"/>
+        <a:font script="Uigh" typeface="Microsoft Uighur"/>
+        <a:font script="Geor" typeface="Sylfaen"/>
+        <a:font script="Armn" typeface="Arial"/>
+        <a:font script="Bugi" typeface="Leelawadee UI"/>
+        <a:font script="Bopo" typeface="Microsoft JhengHei"/>
+        <a:font script="Java" typeface="Javanese Text"/>
+        <a:font script="Lisu" typeface="Segoe UI"/>
+        <a:font script="Mymr" typeface="Myanmar Text"/>
+        <a:font script="Nkoo" typeface="Ebrima"/>
+        <a:font script="Olck" typeface="Nirmala UI"/>
+        <a:font script="Osma" typeface="Ebrima"/>
+        <a:font script="Phag" typeface="Phagspa"/>
+        <a:font script="Syrn" typeface="Estrangelo Edessa"/>
+        <a:font script="Syrj" typeface="Estrangelo Edessa"/>
+        <a:font script="Syre" typeface="Estrangelo Edessa"/>
+        <a:font script="Sora" typeface="Nirmala UI"/>
+        <a:font script="Tale" typeface="Microsoft Tai Le"/>
+        <a:font script="Talu" typeface="Microsoft New Tai Lue"/>
+        <a:font script="Tfng" typeface="Ebrima"/>
+      </a:majorFont>
+      <a:minorFont>
+        <a:latin typeface="Aptos" panose="02110004020202020204"/>
+        <a:ea typeface=""/>
+        <a:cs typeface=""/>
+        <a:font script="Jpan" typeface="游ゴシック"/>
+        <a:font script="Hang" typeface="맑은 고딕"/>
+        <a:font script="Hans" typeface="等线"/>
+        <a:font script="Hant" typeface="新細明體"/>
+        <a:font script="Arab" typeface="Arial"/>
+        <a:font script="Hebr" typeface="Arial"/>
+        <a:font script="Thai" typeface="Cordia New"/>
+        <a:font script="Ethi" typeface="Nyala"/>
+        <a:font script="Beng" typeface="Vrinda"/>
+        <a:font script="Gujr" typeface="Shruti"/>
+        <a:font script="Khmr" typeface="DaunPenh"/>
+        <a:font script="Knda" typeface="Tunga"/>
+        <a:font script="Guru" typeface="Raavi"/>
+        <a:font script="Cans" typeface="Euphemia"/>
+        <a:font script="Cher" typeface="Plantagenet Cherokee"/>
+        <a:font script="Yiii" typeface="Microsoft Yi Baiti"/>
+        <a:font script="Tibt" typeface="Microsoft Himalaya"/>
+        <a:font script="Thaa" typeface="MV Boli"/>
+        <a:font script="Deva" typeface="Mangal"/>
+        <a:font script="Telu" typeface="Gautami"/>
+        <a:font script="Taml" typeface="Latha"/>
+        <a:font script="Syrc" typeface="Estrangelo Edessa"/>
+        <a:font script="Orya" typeface="Kalinga"/>
+        <a:font script="Mlym" typeface="Kartika"/>
+        <a:font script="Laoo" typeface="DokChampa"/>
+        <a:font script="Sinh" typeface="Iskoola Pota"/>
+        <a:font script="Mong" typeface="Mongolian Baiti"/>
+        <a:font script="Viet" typeface="Arial"/>
+        <a:font script="Uigh" typeface="Microsoft Uighur"/>
+        <a:font script="Geor" typeface="Sylfaen"/>
+        <a:font script="Armn" typeface="Arial"/>
+        <a:font script="Bugi" typeface="Leelawadee UI"/>
+        <a:font script="Bopo" typeface="Microsoft JhengHei"/>
+        <a:font script="Java" typeface="Javanese Text"/>
+        <a:font script="Lisu" typeface="Segoe UI"/>
+        <a:font script="Mymr" typeface="Myanmar Text"/>
+        <a:font script="Nkoo" typeface="Ebrima"/>
+        <a:font script="Olck" typeface="Nirmala UI"/>
+        <a:font script="Osma" typeface="Ebrima"/>
+        <a:font script="Phag" typeface="Phagspa"/>
+        <a:font script="Syrn" typeface="Estrangelo Edessa"/>
+        <a:font script="Syrj" typeface="Estrangelo Edessa"/>
+        <a:font script="Syre" typeface="Estrangelo Edessa"/>
+        <a:font script="Sora" typeface="Nirmala UI"/>
+        <a:font script="Tale" typeface="Microsoft Tai Le"/>
+        <a:font script="Talu" typeface="Microsoft New Tai Lue"/>
+        <a:font script="Tfng" typeface="Ebrima"/>
+      </a:minorFont>
+    </a:fontScheme>
+    <a:fmtScheme name="Office">
+      <a:fillStyleLst>
+        <a:solidFill>
+          <a:schemeClr val="phClr"/>
+        </a:solidFill>
+        <a:gradFill rotWithShape="1">
+          <a:gsLst>
+            <a:gs pos="0">
+              <a:schemeClr val="phClr">
+                <a:lumMod val="110000"/>
+                <a:satMod val="105000"/>
+                <a:tint val="67000"/>
+              </a:schemeClr>
+            </a:gs>
+            <a:gs pos="50000">
+              <a:schemeClr val="phClr">
+                <a:lumMod val="105000"/>
+                <a:satMod val="103000"/>
+                <a:tint val="73000"/>
+              </a:schemeClr>
+            </a:gs>
+            <a:gs pos="100000">
+              <a:schemeClr val="phClr">
+                <a:lumMod val="105000"/>
+                <a:satMod val="109000"/>
+                <a:tint val="81000"/>
+              </a:schemeClr>
+            </a:gs>
+          </a:gsLst>
+          <a:lin ang="5400000" scaled="0"/>
+        </a:gradFill>
+        <a:gradFill rotWithShape="1">
+          <a:gsLst>
+            <a:gs pos="0">
+              <a:schemeClr val="phClr">
+                <a:satMod val="103000"/>
+                <a:lumMod val="102000"/>
+                <a:tint val="94000"/>
+              </a:schemeClr>
+            </a:gs>
+            <a:gs pos="50000">
+              <a:schemeClr val="phClr">
+                <a:satMod val="110000"/>
+                <a:lumMod val="100000"/>
+                <a:shade val="100000"/>
+              </a:schemeClr>
+            </a:gs>
+            <a:gs pos="100000">
+              <a:schemeClr val="phClr">
+                <a:lumMod val="99000"/>
+                <a:satMod val="120000"/>
+                <a:shade val="78000"/>
+              </a:schemeClr>
+            </a:gs>
+          </a:gsLst>
+          <a:lin ang="5400000" scaled="0"/>
+        </a:gradFill>
+      </a:fillStyleLst>
+      <a:lnStyleLst>
+        <a:ln w="12700" cap="flat" cmpd="sng" algn="ctr">
+          <a:solidFill>
+            <a:schemeClr val="phClr"/>
+          </a:solidFill>
+          <a:prstDash val="solid"/>
+          <a:miter lim="800000"/>
+        </a:ln>
+        <a:ln w="19050" cap="flat" cmpd="sng" algn="ctr">
+          <a:solidFill>
+            <a:schemeClr val="phClr"/>
+          </a:solidFill>
+          <a:prstDash val="solid"/>
+          <a:miter lim="800000"/>
+        </a:ln>
+        <a:ln w="25400" cap="flat" cmpd="sng" algn="ctr">
+          <a:solidFill>
+            <a:schemeClr val="phClr"/>
+          </a:solidFill>
+          <a:prstDash val="solid"/>
+          <a:miter lim="800000"/>
+        </a:ln>
+      </a:lnStyleLst>
+      <a:effectStyleLst>
+        <a:effectStyle>
+          <a:effectLst/>
+        </a:effectStyle>
+        <a:effectStyle>
+          <a:effectLst/>
+        </a:effectStyle>
+        <a:effectStyle>
+          <a:effectLst>
+            <a:outerShdw blurRad="57150" dist="19050" dir="5400000" algn="ctr" rotWithShape="0">
+              <a:srgbClr val="000000">
+                <a:alpha val="63000"/>
+              </a:srgbClr>
+            </a:outerShdw>
+          </a:effectLst>
+        </a:effectStyle>
+      </a:effectStyleLst>
+      <a:bgFillStyleLst>
+        <a:solidFill>
+          <a:schemeClr val="phClr"/>
+        </a:solidFill>
+        <a:solidFill>
+          <a:schemeClr val="phClr">
+            <a:tint val="95000"/>
+            <a:satMod val="170000"/>
+          </a:schemeClr>
+        </a:solidFill>
+        <a:gradFill rotWithShape="1">
+          <a:gsLst>
+            <a:gs pos="0">
+              <a:schemeClr val="phClr">
+                <a:tint val="93000"/>
+                <a:satMod val="150000"/>
+                <a:shade val="98000"/>
+                <a:lumMod val="102000"/>
+              </a:schemeClr>
+            </a:gs>
+            <a:gs pos="50000">
+              <a:schemeClr val="phClr">
+                <a:tint val="98000"/>
+                <a:satMod val="130000"/>
+                <a:shade val="90000"/>
+                <a:lumMod val="103000"/>
+              </a:schemeClr>
+            </a:gs>
+            <a:gs pos="100000">
+              <a:schemeClr val="phClr">
+                <a:shade val="63000"/>
+                <a:satMod val="120000"/>
+              </a:schemeClr>
+            </a:gs>
+          </a:gsLst>
+          <a:lin ang="5400000" scaled="0"/>
+        </a:gradFill>
+      </a:bgFillStyleLst>
+    </a:fmtScheme>
+  </a:themeElements>
+  <a:objectDefaults>
+    <a:lnDef>
+      <a:spPr/>
+      <a:bodyPr/>
+      <a:lstStyle/>
+      <a:style>
+        <a:lnRef idx="2">
+          <a:schemeClr val="accent1"/>
+        </a:lnRef>
+        <a:fillRef idx="0">
+          <a:schemeClr val="accent1"/>
+        </a:fillRef>
+        <a:effectRef idx="1">
+          <a:schemeClr val="accent1"/>
+        </a:effectRef>
+        <a:fontRef idx="minor">
+          <a:schemeClr val="tx1"/>
+        </a:fontRef>
+      </a:style>
+    </a:lnDef>
+  </a:objectDefaults>
+  <a:extraClrSchemeLst/>
+  <a:extLst>
+    <a:ext uri="{05A4C25C-085E-4340-85A3-A5531E510DB2}">
+      <thm15:themeFamily xmlns:thm15="http://schemas.microsoft.com/office/thememl/2012/main" name="Office Theme" id="{2E142A2C-CD16-42D6-873A-C26D2A0506FA}" vid="{1BDDFF52-6CD6-40A5-AB3C-68EB2F1E4D0A}"/>
+    </a:ext>
+  </a:extLst>
+</a:theme>
+</file>
+
+<file path=customXml/item1.xml><?xml version="1.0" encoding="utf-8"?>
+<ct:contentTypeSchema xmlns:ct="http://schemas.microsoft.com/office/2006/metadata/contentType" xmlns:ma="http://schemas.microsoft.com/office/2006/metadata/properties/metaAttributes" ct:_="" ma:_="" ma:contentTypeName="Dokument" ma:contentTypeID="0x010100BDD690540A1F6A4789CAC9A2887469AD" ma:contentTypeVersion="8" ma:contentTypeDescription="Ein neues Dokument erstellen." ma:contentTypeScope="" ma:versionID="1597f8cae697bc63f87aff9fc9a26de5">
+  <xsd:schema xmlns:xsd="http://www.w3.org/2001/XMLSchema" xmlns:xs="http://www.w3.org/2001/XMLSchema" xmlns:p="http://schemas.microsoft.com/office/2006/metadata/properties" xmlns:ns3="60fc2f84-9a3f-46a0-bd3f-e813f8cbc51c" targetNamespace="http://schemas.microsoft.com/office/2006/metadata/properties" ma:root="true" ma:fieldsID="529d0a8001931caa0dbe17124e759e19" ns3:_="">
+    <xsd:import namespace="60fc2f84-9a3f-46a0-bd3f-e813f8cbc51c"/>
+    <xsd:element name="properties">
+      <xsd:complexType>
+        <xsd:sequence>
+          <xsd:element name="documentManagement">
+            <xsd:complexType>
+              <xsd:all>
+                <xsd:element ref="ns3:MediaServiceMetadata" minOccurs="0"/>
+                <xsd:element ref="ns3:MediaServiceFastMetadata" minOccurs="0"/>
+                <xsd:element ref="ns3:MediaServiceAutoKeyPoints" minOccurs="0"/>
+                <xsd:element ref="ns3:MediaServiceKeyPoints" minOccurs="0"/>
+                <xsd:element ref="ns3:_activity" minOccurs="0"/>
+                <xsd:element ref="ns3:MediaServiceObjectDetectorVersions" minOccurs="0"/>
+                <xsd:element ref="ns3:MediaServiceSearchProperties" minOccurs="0"/>
+                <xsd:element ref="ns3:MediaServiceDateTaken" minOccurs="0"/>
+              </xsd:all>
+            </xsd:complexType>
+          </xsd:element>
+        </xsd:sequence>
+      </xsd:complexType>
+    </xsd:element>
+  </xsd:schema>
+  <xsd:schema xmlns:xsd="http://www.w3.org/2001/XMLSchema" xmlns:xs="http://www.w3.org/2001/XMLSchema" xmlns:dms="http://schemas.microsoft.com/office/2006/documentManagement/types" xmlns:pc="http://schemas.microsoft.com/office/infopath/2007/PartnerControls" targetNamespace="60fc2f84-9a3f-46a0-bd3f-e813f8cbc51c" elementFormDefault="qualified">
+    <xsd:import namespace="http://schemas.microsoft.com/office/2006/documentManagement/types"/>
+    <xsd:import namespace="http://schemas.microsoft.com/office/infopath/2007/PartnerControls"/>
+    <xsd:element name="MediaServiceMetadata" ma:index="8" nillable="true" ma:displayName="MediaServiceMetadata" ma:hidden="true" ma:internalName="MediaServiceMetadata" ma:readOnly="true">
+      <xsd:simpleType>
+        <xsd:restriction base="dms:Note"/>
+      </xsd:simpleType>
+    </xsd:element>
+    <xsd:element name="MediaServiceFastMetadata" ma:index="9" nillable="true" ma:displayName="MediaServiceFastMetadata" ma:hidden="true" ma:internalName="MediaServiceFastMetadata" ma:readOnly="true">
+      <xsd:simpleType>
+        <xsd:restriction base="dms:Note"/>
+      </xsd:simpleType>
+    </xsd:element>
+    <xsd:element name="MediaServiceAutoKeyPoints" ma:index="10" nillable="true" ma:displayName="MediaServiceAutoKeyPoints" ma:hidden="true" ma:internalName="MediaServiceAutoKeyPoints" ma:readOnly="true">
+      <xsd:simpleType>
+        <xsd:restriction base="dms:Note"/>
+      </xsd:simpleType>
+    </xsd:element>
+    <xsd:element name="MediaServiceKeyPoints" ma:index="11" nillable="true" ma:displayName="KeyPoints" ma:internalName="MediaServiceKeyPoints" ma:readOnly="true">
+      <xsd:simpleType>
+        <xsd:restriction base="dms:Note">
+          <xsd:maxLength value="255"/>
+        </xsd:restriction>
+      </xsd:simpleType>
+    </xsd:element>
+    <xsd:element name="_activity" ma:index="12" nillable="true" ma:displayName="_activity" ma:hidden="true" ma:internalName="_activity">
+      <xsd:simpleType>
+        <xsd:restriction base="dms:Note"/>
+      </xsd:simpleType>
+    </xsd:element>
+    <xsd:element name="MediaServiceObjectDetectorVersions" ma:index="13" nillable="true" ma:displayName="MediaServiceObjectDetectorVersions" ma:hidden="true" ma:indexed="true" ma:internalName="MediaServiceObjectDetectorVersions" ma:readOnly="true">
+      <xsd:simpleType>
+        <xsd:restriction base="dms:Text"/>
+      </xsd:simpleType>
+    </xsd:element>
+    <xsd:element name="MediaServiceSearchProperties" ma:index="14" nillable="true" ma:displayName="MediaServiceSearchProperties" ma:hidden="true" ma:internalName="MediaServiceSearchProperties" ma:readOnly="true">
+      <xsd:simpleType>
+        <xsd:restriction base="dms:Note"/>
+      </xsd:simpleType>
+    </xsd:element>
+    <xsd:element name="MediaServiceDateTaken" ma:index="15" nillable="true" ma:displayName="MediaServiceDateTaken" ma:hidden="true" ma:indexed="true" ma:internalName="MediaServiceDateTaken" ma:readOnly="true">
+      <xsd:simpleType>
+        <xsd:restriction base="dms:Text"/>
+      </xsd:simpleType>
+    </xsd:element>
+  </xsd:schema>
+  <xsd:schema xmlns="http://schemas.openxmlformats.org/package/2006/metadata/core-properties" xmlns:xsd="http://www.w3.org/2001/XMLSchema" xmlns:xsi="http://www.w3.org/2001/XMLSchema-instance" xmlns:dc="http://purl.org/dc/elements/1.1/" xmlns:dcterms="http://purl.org/dc/terms/" xmlns:odoc="http://schemas.microsoft.com/internal/obd" targetNamespace="http://schemas.openxmlformats.org/package/2006/metadata/core-properties" elementFormDefault="qualified" attributeFormDefault="unqualified" blockDefault="#all">
+    <xsd:import namespace="http://purl.org/dc/elements/1.1/" schemaLocation="http://dublincore.org/schemas/xmls/qdc/2003/04/02/dc.xsd"/>
+    <xsd:import namespace="http://purl.org/dc/terms/" schemaLocation="http://dublincore.org/schemas/xmls/qdc/2003/04/02/dcterms.xsd"/>
+    <xsd:element name="coreProperties" type="CT_coreProperties"/>
+    <xsd:complexType name="CT_coreProperties">
+      <xsd:all>
+        <xsd:element ref="dc:creator" minOccurs="0" maxOccurs="1"/>
+        <xsd:element ref="dcterms:created" minOccurs="0" maxOccurs="1"/>
+        <xsd:element ref="dc:identifier" minOccurs="0" maxOccurs="1"/>
+        <xsd:element name="contentType" minOccurs="0" maxOccurs="1" type="xsd:string" ma:index="0" ma:displayName="Inhaltstyp"/>
+        <xsd:element ref="dc:title" minOccurs="0" maxOccurs="1" ma:index="4" ma:displayName="Titel"/>
+        <xsd:element ref="dc:subject" minOccurs="0" maxOccurs="1"/>
+        <xsd:element ref="dc:description" minOccurs="0" maxOccurs="1"/>
+        <xsd:element name="keywords" minOccurs="0" maxOccurs="1" type="xsd:string"/>
+        <xsd:element ref="dc:language" minOccurs="0" maxOccurs="1"/>
+        <xsd:element name="category" minOccurs="0" maxOccurs="1" type="xsd:string"/>
+        <xsd:element name="version" minOccurs="0" maxOccurs="1" type="xsd:string"/>
+        <xsd:element name="revision" minOccurs="0" maxOccurs="1" type="xsd:string">
+          <xsd:annotation>
+            <xsd:documentation>
+                        This value indicates the number of saves or revisions. The application is responsible for updating this value after each revision.
+                    </xsd:documentation>
+          </xsd:annotation>
+        </xsd:element>
+        <xsd:element name="lastModifiedBy" minOccurs="0" maxOccurs="1" type="xsd:string"/>
+        <xsd:element ref="dcterms:modified" minOccurs="0" maxOccurs="1"/>
+        <xsd:element name="contentStatus" minOccurs="0" maxOccurs="1" type="xsd:string"/>
+      </xsd:all>
+    </xsd:complexType>
+  </xsd:schema>
+  <xs:schema xmlns:pc="http://schemas.microsoft.com/office/infopath/2007/PartnerControls" xmlns:xs="http://www.w3.org/2001/XMLSchema" targetNamespace="http://schemas.microsoft.com/office/infopath/2007/PartnerControls" elementFormDefault="qualified" attributeFormDefault="unqualified">
+    <xs:element name="Person">
+      <xs:complexType>
+        <xs:sequence>
+          <xs:element ref="pc:DisplayName" minOccurs="0"/>
+          <xs:element ref="pc:AccountId" minOccurs="0"/>
+          <xs:element ref="pc:AccountType" minOccurs="0"/>
+        </xs:sequence>
+      </xs:complexType>
+    </xs:element>
+    <xs:element name="DisplayName" type="xs:string"/>
+    <xs:element name="AccountId" type="xs:string"/>
+    <xs:element name="AccountType" type="xs:string"/>
+    <xs:element name="BDCAssociatedEntity">
+      <xs:complexType>
+        <xs:sequence>
+          <xs:element ref="pc:BDCEntity" minOccurs="0" maxOccurs="unbounded"/>
+        </xs:sequence>
+        <xs:attribute ref="pc:EntityNamespace"/>
+        <xs:attribute ref="pc:EntityName"/>
+        <xs:attribute ref="pc:SystemInstanceName"/>
+        <xs:attribute ref="pc:AssociationName"/>
+      </xs:complexType>
+    </xs:element>
+    <xs:attribute name="EntityNamespace" type="xs:string"/>
+    <xs:attribute name="EntityName" type="xs:string"/>
+    <xs:attribute name="SystemInstanceName" type="xs:string"/>
+    <xs:attribute name="AssociationName" type="xs:string"/>
+    <xs:element name="BDCEntity">
+      <xs:complexType>
+        <xs:sequence>
+          <xs:element ref="pc:EntityDisplayName" minOccurs="0"/>
+          <xs:element ref="pc:EntityInstanceReference" minOccurs="0"/>
+          <xs:element ref="pc:EntityId1" minOccurs="0"/>
+          <xs:element ref="pc:EntityId2" minOccurs="0"/>
+          <xs:element ref="pc:EntityId3" minOccurs="0"/>
+          <xs:element ref="pc:EntityId4" minOccurs="0"/>
+          <xs:element ref="pc:EntityId5" minOccurs="0"/>
+        </xs:sequence>
+      </xs:complexType>
+    </xs:element>
+    <xs:element name="EntityDisplayName" type="xs:string"/>
+    <xs:element name="EntityInstanceReference" type="xs:string"/>
+    <xs:element name="EntityId1" type="xs:string"/>
+    <xs:element name="EntityId2" type="xs:string"/>
+    <xs:element name="EntityId3" type="xs:string"/>
+    <xs:element name="EntityId4" type="xs:string"/>
+    <xs:element name="EntityId5" type="xs:string"/>
+    <xs:element name="Terms">
+      <xs:complexType>
+        <xs:sequence>
+          <xs:element ref="pc:TermInfo" minOccurs="0" maxOccurs="unbounded"/>
+        </xs:sequence>
+      </xs:complexType>
+    </xs:element>
+    <xs:element name="TermInfo">
+      <xs:complexType>
+        <xs:sequence>
+          <xs:element ref="pc:TermName" minOccurs="0"/>
+          <xs:element ref="pc:TermId" minOccurs="0"/>
+        </xs:sequence>
+      </xs:complexType>
+    </xs:element>
+    <xs:element name="TermName" type="xs:string"/>
+    <xs:element name="TermId" type="xs:string"/>
+  </xs:schema>
+</ct:contentTypeSchema>
+</file>
+
+<file path=customXml/item2.xml><?xml version="1.0" encoding="utf-8"?>
+<?mso-contentType ?>
+<FormTemplates xmlns="http://schemas.microsoft.com/sharepoint/v3/contenttype/forms">
+  <Display>DocumentLibraryForm</Display>
+  <Edit>DocumentLibraryForm</Edit>
+  <New>DocumentLibraryForm</New>
+</FormTemplates>
+</file>
+
+<file path=customXml/item3.xml><?xml version="1.0" encoding="utf-8"?>
+<p:properties xmlns:p="http://schemas.microsoft.com/office/2006/metadata/properties" xmlns:xsi="http://www.w3.org/2001/XMLSchema-instance" xmlns:pc="http://schemas.microsoft.com/office/infopath/2007/PartnerControls">
+  <documentManagement>
+    <_activity xmlns="60fc2f84-9a3f-46a0-bd3f-e813f8cbc51c" xsi:nil="true"/>
+  </documentManagement>
+</p:properties>
+</file>
+
+<file path=customXml/itemProps1.xml><?xml version="1.0" encoding="utf-8"?>
+<ds:datastoreItem xmlns:ds="http://schemas.openxmlformats.org/officeDocument/2006/customXml" ds:itemID="{8D6D449E-BDEB-4792-96A8-F67A59571E54}">
+  <ds:schemaRefs>
+    <ds:schemaRef ds:uri="http://schemas.microsoft.com/office/2006/metadata/contentType"/>
+    <ds:schemaRef ds:uri="http://schemas.microsoft.com/office/2006/metadata/properties/metaAttributes"/>
+    <ds:schemaRef ds:uri="http://www.w3.org/2001/XMLSchema"/>
+    <ds:schemaRef ds:uri="http://schemas.microsoft.com/office/2006/metadata/properties"/>
+    <ds:schemaRef ds:uri="60fc2f84-9a3f-46a0-bd3f-e813f8cbc51c"/>
+    <ds:schemaRef ds:uri="http://schemas.microsoft.com/office/2006/documentManagement/types"/>
+    <ds:schemaRef ds:uri="http://schemas.microsoft.com/office/infopath/2007/PartnerControls"/>
+    <ds:schemaRef ds:uri="http://schemas.openxmlformats.org/package/2006/metadata/core-properties"/>
+    <ds:schemaRef ds:uri="http://purl.org/dc/elements/1.1/"/>
+    <ds:schemaRef ds:uri="http://purl.org/dc/terms/"/>
+    <ds:schemaRef ds:uri="http://schemas.microsoft.com/internal/obd"/>
+  </ds:schemaRefs>
+</ds:datastoreItem>
+</file>
+
+<file path=customXml/itemProps2.xml><?xml version="1.0" encoding="utf-8"?>
+<ds:datastoreItem xmlns:ds="http://schemas.openxmlformats.org/officeDocument/2006/customXml" ds:itemID="{A6AC1242-B2C4-4C0E-BCE4-BB43C479FBCE}">
+  <ds:schemaRefs>
+    <ds:schemaRef ds:uri="http://schemas.microsoft.com/sharepoint/v3/contenttype/forms"/>
+  </ds:schemaRefs>
+</ds:datastoreItem>
+</file>
+
+<file path=customXml/itemProps3.xml><?xml version="1.0" encoding="utf-8"?>
+<ds:datastoreItem xmlns:ds="http://schemas.openxmlformats.org/officeDocument/2006/customXml" ds:itemID="{7CEB8D1A-C378-4E09-9EC2-AC06809A75BD}">
+  <ds:schemaRefs>
+    <ds:schemaRef ds:uri="http://schemas.microsoft.com/office/infopath/2007/PartnerControls"/>
+    <ds:schemaRef ds:uri="60fc2f84-9a3f-46a0-bd3f-e813f8cbc51c"/>
+    <ds:schemaRef ds:uri="http://schemas.microsoft.com/office/2006/documentManagement/types"/>
+    <ds:schemaRef ds:uri="http://schemas.openxmlformats.org/package/2006/metadata/core-properties"/>
+    <ds:schemaRef ds:uri="http://purl.org/dc/terms/"/>
+    <ds:schemaRef ds:uri="http://purl.org/dc/elements/1.1/"/>
+    <ds:schemaRef ds:uri="http://www.w3.org/XML/1998/namespace"/>
+    <ds:schemaRef ds:uri="http://purl.org/dc/dcmitype/"/>
+    <ds:schemaRef ds:uri="http://schemas.microsoft.com/office/2006/metadata/properties"/>
+  </ds:schemaRefs>
+</ds:datastoreItem>
+</file>
+
 <file path=docMetadata/LabelInfo.xml><?xml version="1.0" encoding="utf-8"?>
 <clbl:labelList xmlns:clbl="http://schemas.microsoft.com/office/2020/mipLabelMetadata">
   <clbl:label id="{5dae8ba6-b3d9-441d-85ba-95bbdebfad77}" enabled="1" method="Privileged" siteId="{2314cb5c-e44b-4288-b205-51ab43ecb122}" removed="0"/>
